--- a/cognitio.pptx
+++ b/cognitio.pptx
@@ -7,6 +7,8 @@
   <p:sldIdLst>
     <p:sldId id="256" r:id="rId2"/>
     <p:sldId id="257" r:id="rId3"/>
+    <p:sldId id="258" r:id="rId4"/>
+    <p:sldId id="259" r:id="rId5"/>
   </p:sldIdLst>
   <p:sldSz cx="9144000" cy="6858000" type="screen4x3"/>
   <p:notesSz cx="6858000" cy="9144000"/>
@@ -13825,9 +13827,15 @@
             <p:ph type="title"/>
           </p:nvPr>
         </p:nvSpPr>
-        <p:spPr/>
+        <p:spPr>
+          <a:xfrm>
+            <a:off x="1043490" y="1027664"/>
+            <a:ext cx="7024744" cy="690630"/>
+          </a:xfrm>
+        </p:spPr>
         <p:txBody>
           <a:bodyPr>
+            <a:normAutofit fontScale="90000"/>
             <a:scene3d>
               <a:camera prst="orthographicFront"/>
               <a:lightRig rig="threePt" dir="t"/>
@@ -13858,20 +13866,13 @@
         </p:nvSpPr>
         <p:spPr>
           <a:xfrm>
-            <a:off x="1043492" y="2323651"/>
-            <a:ext cx="6777317" cy="3979871"/>
+            <a:off x="1043492" y="1922092"/>
+            <a:ext cx="6777317" cy="4572000"/>
           </a:xfrm>
         </p:spPr>
         <p:txBody>
           <a:bodyPr>
-            <a:normAutofit fontScale="62500" lnSpcReduction="20000"/>
-            <a:scene3d>
-              <a:camera prst="orthographicFront"/>
-              <a:lightRig rig="threePt" dir="t"/>
-            </a:scene3d>
-            <a:sp3d extrusionH="57150">
-              <a:bevelT w="38100" h="38100"/>
-            </a:sp3d>
+            <a:normAutofit fontScale="70000" lnSpcReduction="20000"/>
           </a:bodyPr>
           <a:lstStyle/>
           <a:p>
@@ -13880,40 +13881,79 @@
               <a:buChar char="-"/>
             </a:pPr>
             <a:r>
-              <a:rPr lang="en-US" dirty="0" smtClean="0">
+              <a:rPr lang="en-US" b="1" dirty="0" smtClean="0">
+                <a:ln w="12700">
+                  <a:solidFill>
+                    <a:schemeClr val="tx2">
+                      <a:satMod val="155000"/>
+                    </a:schemeClr>
+                  </a:solidFill>
+                  <a:prstDash val="solid"/>
+                </a:ln>
+                <a:solidFill>
+                  <a:schemeClr val="bg2">
+                    <a:tint val="85000"/>
+                    <a:satMod val="155000"/>
+                  </a:schemeClr>
+                </a:solidFill>
                 <a:effectLst>
-                  <a:outerShdw blurRad="50800" dist="38100" dir="2700000" algn="tl" rotWithShape="0">
-                    <a:prstClr val="black">
+                  <a:outerShdw blurRad="41275" dist="20320" dir="1800000" algn="tl" rotWithShape="0">
+                    <a:srgbClr val="000000">
                       <a:alpha val="40000"/>
-                    </a:prstClr>
+                    </a:srgbClr>
                   </a:outerShdw>
-                  <a:reflection blurRad="6350" stA="55000" endA="300" endPos="45500" dir="5400000" sy="-100000" algn="bl" rotWithShape="0"/>
                 </a:effectLst>
               </a:rPr>
               <a:t>The </a:t>
             </a:r>
             <a:r>
-              <a:rPr lang="en-US" dirty="0">
+              <a:rPr lang="en-US" b="1" dirty="0">
+                <a:ln w="12700">
+                  <a:solidFill>
+                    <a:schemeClr val="tx2">
+                      <a:satMod val="155000"/>
+                    </a:schemeClr>
+                  </a:solidFill>
+                  <a:prstDash val="solid"/>
+                </a:ln>
+                <a:solidFill>
+                  <a:schemeClr val="bg2">
+                    <a:tint val="85000"/>
+                    <a:satMod val="155000"/>
+                  </a:schemeClr>
+                </a:solidFill>
                 <a:effectLst>
-                  <a:outerShdw blurRad="50800" dist="38100" dir="2700000" algn="tl" rotWithShape="0">
-                    <a:prstClr val="black">
+                  <a:outerShdw blurRad="41275" dist="20320" dir="1800000" algn="tl" rotWithShape="0">
+                    <a:srgbClr val="000000">
                       <a:alpha val="40000"/>
-                    </a:prstClr>
+                    </a:srgbClr>
                   </a:outerShdw>
-                  <a:reflection blurRad="6350" stA="55000" endA="300" endPos="45500" dir="5400000" sy="-100000" algn="bl" rotWithShape="0"/>
                 </a:effectLst>
               </a:rPr>
               <a:t>player controls a character on the right hand side of the </a:t>
             </a:r>
             <a:r>
-              <a:rPr lang="en-US" dirty="0" smtClean="0">
+              <a:rPr lang="en-US" b="1" dirty="0" smtClean="0">
+                <a:ln w="12700">
+                  <a:solidFill>
+                    <a:schemeClr val="tx2">
+                      <a:satMod val="155000"/>
+                    </a:schemeClr>
+                  </a:solidFill>
+                  <a:prstDash val="solid"/>
+                </a:ln>
+                <a:solidFill>
+                  <a:schemeClr val="bg2">
+                    <a:tint val="85000"/>
+                    <a:satMod val="155000"/>
+                  </a:schemeClr>
+                </a:solidFill>
                 <a:effectLst>
-                  <a:outerShdw blurRad="50800" dist="38100" dir="2700000" algn="tl" rotWithShape="0">
-                    <a:prstClr val="black">
+                  <a:outerShdw blurRad="41275" dist="20320" dir="1800000" algn="tl" rotWithShape="0">
+                    <a:srgbClr val="000000">
                       <a:alpha val="40000"/>
-                    </a:prstClr>
+                    </a:srgbClr>
                   </a:outerShdw>
-                  <a:reflection blurRad="6350" stA="55000" endA="300" endPos="45500" dir="5400000" sy="-100000" algn="bl" rotWithShape="0"/>
                 </a:effectLst>
               </a:rPr>
               <a:t>screen;</a:t>
@@ -13925,40 +13965,79 @@
               <a:buChar char="-"/>
             </a:pPr>
             <a:r>
-              <a:rPr lang="en-US" dirty="0" smtClean="0">
+              <a:rPr lang="en-US" b="1" dirty="0" smtClean="0">
+                <a:ln w="12700">
+                  <a:solidFill>
+                    <a:schemeClr val="tx2">
+                      <a:satMod val="155000"/>
+                    </a:schemeClr>
+                  </a:solidFill>
+                  <a:prstDash val="solid"/>
+                </a:ln>
+                <a:solidFill>
+                  <a:schemeClr val="bg2">
+                    <a:tint val="85000"/>
+                    <a:satMod val="155000"/>
+                  </a:schemeClr>
+                </a:solidFill>
                 <a:effectLst>
-                  <a:outerShdw blurRad="50800" dist="38100" dir="2700000" algn="tl" rotWithShape="0">
-                    <a:prstClr val="black">
+                  <a:outerShdw blurRad="41275" dist="20320" dir="1800000" algn="tl" rotWithShape="0">
+                    <a:srgbClr val="000000">
                       <a:alpha val="40000"/>
-                    </a:prstClr>
+                    </a:srgbClr>
                   </a:outerShdw>
-                  <a:reflection blurRad="6350" stA="55000" endA="300" endPos="45500" dir="5400000" sy="-100000" algn="bl" rotWithShape="0"/>
                 </a:effectLst>
               </a:rPr>
               <a:t>  It </a:t>
             </a:r>
             <a:r>
-              <a:rPr lang="en-US" dirty="0">
+              <a:rPr lang="en-US" b="1" dirty="0">
+                <a:ln w="12700">
+                  <a:solidFill>
+                    <a:schemeClr val="tx2">
+                      <a:satMod val="155000"/>
+                    </a:schemeClr>
+                  </a:solidFill>
+                  <a:prstDash val="solid"/>
+                </a:ln>
+                <a:solidFill>
+                  <a:schemeClr val="bg2">
+                    <a:tint val="85000"/>
+                    <a:satMod val="155000"/>
+                  </a:schemeClr>
+                </a:solidFill>
                 <a:effectLst>
-                  <a:outerShdw blurRad="50800" dist="38100" dir="2700000" algn="tl" rotWithShape="0">
-                    <a:prstClr val="black">
+                  <a:outerShdw blurRad="41275" dist="20320" dir="1800000" algn="tl" rotWithShape="0">
+                    <a:srgbClr val="000000">
                       <a:alpha val="40000"/>
-                    </a:prstClr>
+                    </a:srgbClr>
                   </a:outerShdw>
-                  <a:reflection blurRad="6350" stA="55000" endA="300" endPos="45500" dir="5400000" sy="-100000" algn="bl" rotWithShape="0"/>
                 </a:effectLst>
               </a:rPr>
               <a:t>can move in all directions but limited to the right half of the screen</a:t>
             </a:r>
             <a:r>
-              <a:rPr lang="en-US" dirty="0" smtClean="0">
+              <a:rPr lang="en-US" b="1" dirty="0" smtClean="0">
+                <a:ln w="12700">
+                  <a:solidFill>
+                    <a:schemeClr val="tx2">
+                      <a:satMod val="155000"/>
+                    </a:schemeClr>
+                  </a:solidFill>
+                  <a:prstDash val="solid"/>
+                </a:ln>
+                <a:solidFill>
+                  <a:schemeClr val="bg2">
+                    <a:tint val="85000"/>
+                    <a:satMod val="155000"/>
+                  </a:schemeClr>
+                </a:solidFill>
                 <a:effectLst>
-                  <a:outerShdw blurRad="50800" dist="38100" dir="2700000" algn="tl" rotWithShape="0">
-                    <a:prstClr val="black">
+                  <a:outerShdw blurRad="41275" dist="20320" dir="1800000" algn="tl" rotWithShape="0">
+                    <a:srgbClr val="000000">
                       <a:alpha val="40000"/>
-                    </a:prstClr>
+                    </a:srgbClr>
                   </a:outerShdw>
-                  <a:reflection blurRad="6350" stA="55000" endA="300" endPos="45500" dir="5400000" sy="-100000" algn="bl" rotWithShape="0"/>
                 </a:effectLst>
               </a:rPr>
               <a:t>.</a:t>
@@ -13970,39 +14049,78 @@
               <a:buChar char="-"/>
             </a:pPr>
             <a:r>
-              <a:rPr lang="en-US" dirty="0" smtClean="0">
+              <a:rPr lang="en-US" b="1" dirty="0" smtClean="0">
+                <a:ln w="12700">
+                  <a:solidFill>
+                    <a:schemeClr val="tx2">
+                      <a:satMod val="155000"/>
+                    </a:schemeClr>
+                  </a:solidFill>
+                  <a:prstDash val="solid"/>
+                </a:ln>
+                <a:solidFill>
+                  <a:schemeClr val="bg2">
+                    <a:tint val="85000"/>
+                    <a:satMod val="155000"/>
+                  </a:schemeClr>
+                </a:solidFill>
                 <a:effectLst>
-                  <a:outerShdw blurRad="50800" dist="38100" dir="2700000" algn="tl" rotWithShape="0">
-                    <a:prstClr val="black">
+                  <a:outerShdw blurRad="41275" dist="20320" dir="1800000" algn="tl" rotWithShape="0">
+                    <a:srgbClr val="000000">
                       <a:alpha val="40000"/>
-                    </a:prstClr>
+                    </a:srgbClr>
                   </a:outerShdw>
-                  <a:reflection blurRad="6350" stA="55000" endA="300" endPos="45500" dir="5400000" sy="-100000" algn="bl" rotWithShape="0"/>
                 </a:effectLst>
               </a:rPr>
               <a:t> </a:t>
             </a:r>
             <a:r>
-              <a:rPr lang="en-US" dirty="0">
+              <a:rPr lang="en-US" b="1" dirty="0">
+                <a:ln w="12700">
+                  <a:solidFill>
+                    <a:schemeClr val="tx2">
+                      <a:satMod val="155000"/>
+                    </a:schemeClr>
+                  </a:solidFill>
+                  <a:prstDash val="solid"/>
+                </a:ln>
+                <a:solidFill>
+                  <a:schemeClr val="bg2">
+                    <a:tint val="85000"/>
+                    <a:satMod val="155000"/>
+                  </a:schemeClr>
+                </a:solidFill>
                 <a:effectLst>
-                  <a:outerShdw blurRad="50800" dist="38100" dir="2700000" algn="tl" rotWithShape="0">
-                    <a:prstClr val="black">
+                  <a:outerShdw blurRad="41275" dist="20320" dir="1800000" algn="tl" rotWithShape="0">
+                    <a:srgbClr val="000000">
                       <a:alpha val="40000"/>
-                    </a:prstClr>
+                    </a:srgbClr>
                   </a:outerShdw>
-                  <a:reflection blurRad="6350" stA="55000" endA="300" endPos="45500" dir="5400000" sy="-100000" algn="bl" rotWithShape="0"/>
                 </a:effectLst>
               </a:rPr>
               <a:t>It shoots and the shots always go left. </a:t>
             </a:r>
-            <a:endParaRPr lang="en-US" dirty="0" smtClean="0">
+            <a:endParaRPr lang="en-US" b="1" dirty="0" smtClean="0">
+              <a:ln w="12700">
+                <a:solidFill>
+                  <a:schemeClr val="tx2">
+                    <a:satMod val="155000"/>
+                  </a:schemeClr>
+                </a:solidFill>
+                <a:prstDash val="solid"/>
+              </a:ln>
+              <a:solidFill>
+                <a:schemeClr val="bg2">
+                  <a:tint val="85000"/>
+                  <a:satMod val="155000"/>
+                </a:schemeClr>
+              </a:solidFill>
               <a:effectLst>
-                <a:outerShdw blurRad="50800" dist="38100" dir="2700000" algn="tl" rotWithShape="0">
-                  <a:prstClr val="black">
+                <a:outerShdw blurRad="41275" dist="20320" dir="1800000" algn="tl" rotWithShape="0">
+                  <a:srgbClr val="000000">
                     <a:alpha val="40000"/>
-                  </a:prstClr>
+                  </a:srgbClr>
                 </a:outerShdw>
-                <a:reflection blurRad="6350" stA="55000" endA="300" endPos="45500" dir="5400000" sy="-100000" algn="bl" rotWithShape="0"/>
               </a:effectLst>
             </a:endParaRPr>
           </a:p>
@@ -14012,105 +14130,209 @@
               <a:buChar char="-"/>
             </a:pPr>
             <a:r>
-              <a:rPr lang="en-US" dirty="0" smtClean="0">
+              <a:rPr lang="en-US" b="1" dirty="0" smtClean="0">
+                <a:ln w="12700">
+                  <a:solidFill>
+                    <a:schemeClr val="tx2">
+                      <a:satMod val="155000"/>
+                    </a:schemeClr>
+                  </a:solidFill>
+                  <a:prstDash val="solid"/>
+                </a:ln>
+                <a:solidFill>
+                  <a:schemeClr val="bg2">
+                    <a:tint val="85000"/>
+                    <a:satMod val="155000"/>
+                  </a:schemeClr>
+                </a:solidFill>
                 <a:effectLst>
-                  <a:outerShdw blurRad="50800" dist="38100" dir="2700000" algn="tl" rotWithShape="0">
-                    <a:prstClr val="black">
+                  <a:outerShdw blurRad="41275" dist="20320" dir="1800000" algn="tl" rotWithShape="0">
+                    <a:srgbClr val="000000">
                       <a:alpha val="40000"/>
-                    </a:prstClr>
+                    </a:srgbClr>
                   </a:outerShdw>
-                  <a:reflection blurRad="6350" stA="55000" endA="300" endPos="45500" dir="5400000" sy="-100000" algn="bl" rotWithShape="0"/>
                 </a:effectLst>
               </a:rPr>
               <a:t>The </a:t>
             </a:r>
             <a:r>
-              <a:rPr lang="en-US" dirty="0">
+              <a:rPr lang="en-US" b="1" dirty="0">
+                <a:ln w="12700">
+                  <a:solidFill>
+                    <a:schemeClr val="tx2">
+                      <a:satMod val="155000"/>
+                    </a:schemeClr>
+                  </a:solidFill>
+                  <a:prstDash val="solid"/>
+                </a:ln>
+                <a:solidFill>
+                  <a:schemeClr val="bg2">
+                    <a:tint val="85000"/>
+                    <a:satMod val="155000"/>
+                  </a:schemeClr>
+                </a:solidFill>
                 <a:effectLst>
-                  <a:outerShdw blurRad="50800" dist="38100" dir="2700000" algn="tl" rotWithShape="0">
-                    <a:prstClr val="black">
+                  <a:outerShdw blurRad="41275" dist="20320" dir="1800000" algn="tl" rotWithShape="0">
+                    <a:srgbClr val="000000">
                       <a:alpha val="40000"/>
-                    </a:prstClr>
+                    </a:srgbClr>
                   </a:outerShdw>
-                  <a:reflection blurRad="6350" stA="55000" endA="300" endPos="45500" dir="5400000" sy="-100000" algn="bl" rotWithShape="0"/>
                 </a:effectLst>
               </a:rPr>
               <a:t>player starts off with </a:t>
             </a:r>
             <a:r>
-              <a:rPr lang="en-US" dirty="0" err="1">
+              <a:rPr lang="en-US" b="1" dirty="0" err="1">
+                <a:ln w="12700">
+                  <a:solidFill>
+                    <a:schemeClr val="tx2">
+                      <a:satMod val="155000"/>
+                    </a:schemeClr>
+                  </a:solidFill>
+                  <a:prstDash val="solid"/>
+                </a:ln>
+                <a:solidFill>
+                  <a:schemeClr val="bg2">
+                    <a:tint val="85000"/>
+                    <a:satMod val="155000"/>
+                  </a:schemeClr>
+                </a:solidFill>
                 <a:effectLst>
-                  <a:outerShdw blurRad="50800" dist="38100" dir="2700000" algn="tl" rotWithShape="0">
-                    <a:prstClr val="black">
+                  <a:outerShdw blurRad="41275" dist="20320" dir="1800000" algn="tl" rotWithShape="0">
+                    <a:srgbClr val="000000">
                       <a:alpha val="40000"/>
-                    </a:prstClr>
+                    </a:srgbClr>
                   </a:outerShdw>
-                  <a:reflection blurRad="6350" stA="55000" endA="300" endPos="45500" dir="5400000" sy="-100000" algn="bl" rotWithShape="0"/>
                 </a:effectLst>
               </a:rPr>
               <a:t>int</a:t>
             </a:r>
             <a:r>
-              <a:rPr lang="en-US" dirty="0">
+              <a:rPr lang="en-US" b="1" dirty="0">
+                <a:ln w="12700">
+                  <a:solidFill>
+                    <a:schemeClr val="tx2">
+                      <a:satMod val="155000"/>
+                    </a:schemeClr>
+                  </a:solidFill>
+                  <a:prstDash val="solid"/>
+                </a:ln>
+                <a:solidFill>
+                  <a:schemeClr val="bg2">
+                    <a:tint val="85000"/>
+                    <a:satMod val="155000"/>
+                  </a:schemeClr>
+                </a:solidFill>
                 <a:effectLst>
-                  <a:outerShdw blurRad="50800" dist="38100" dir="2700000" algn="tl" rotWithShape="0">
-                    <a:prstClr val="black">
+                  <a:outerShdw blurRad="41275" dist="20320" dir="1800000" algn="tl" rotWithShape="0">
+                    <a:srgbClr val="000000">
                       <a:alpha val="40000"/>
-                    </a:prstClr>
+                    </a:srgbClr>
                   </a:outerShdw>
-                  <a:reflection blurRad="6350" stA="55000" endA="300" endPos="45500" dir="5400000" sy="-100000" algn="bl" rotWithShape="0"/>
                 </a:effectLst>
               </a:rPr>
               <a:t> lives; </a:t>
             </a:r>
             <a:r>
-              <a:rPr lang="en-US" dirty="0" err="1">
+              <a:rPr lang="en-US" b="1" dirty="0" err="1">
+                <a:ln w="12700">
+                  <a:solidFill>
+                    <a:schemeClr val="tx2">
+                      <a:satMod val="155000"/>
+                    </a:schemeClr>
+                  </a:solidFill>
+                  <a:prstDash val="solid"/>
+                </a:ln>
+                <a:solidFill>
+                  <a:schemeClr val="bg2">
+                    <a:tint val="85000"/>
+                    <a:satMod val="155000"/>
+                  </a:schemeClr>
+                </a:solidFill>
                 <a:effectLst>
-                  <a:outerShdw blurRad="50800" dist="38100" dir="2700000" algn="tl" rotWithShape="0">
-                    <a:prstClr val="black">
+                  <a:outerShdw blurRad="41275" dist="20320" dir="1800000" algn="tl" rotWithShape="0">
+                    <a:srgbClr val="000000">
                       <a:alpha val="40000"/>
-                    </a:prstClr>
+                    </a:srgbClr>
                   </a:outerShdw>
-                  <a:reflection blurRad="6350" stA="55000" endA="300" endPos="45500" dir="5400000" sy="-100000" algn="bl" rotWithShape="0"/>
                 </a:effectLst>
               </a:rPr>
               <a:t>int</a:t>
             </a:r>
             <a:r>
-              <a:rPr lang="en-US" dirty="0">
+              <a:rPr lang="en-US" b="1" dirty="0">
+                <a:ln w="12700">
+                  <a:solidFill>
+                    <a:schemeClr val="tx2">
+                      <a:satMod val="155000"/>
+                    </a:schemeClr>
+                  </a:solidFill>
+                  <a:prstDash val="solid"/>
+                </a:ln>
+                <a:solidFill>
+                  <a:schemeClr val="bg2">
+                    <a:tint val="85000"/>
+                    <a:satMod val="155000"/>
+                  </a:schemeClr>
+                </a:solidFill>
                 <a:effectLst>
-                  <a:outerShdw blurRad="50800" dist="38100" dir="2700000" algn="tl" rotWithShape="0">
-                    <a:prstClr val="black">
+                  <a:outerShdw blurRad="41275" dist="20320" dir="1800000" algn="tl" rotWithShape="0">
+                    <a:srgbClr val="000000">
                       <a:alpha val="40000"/>
-                    </a:prstClr>
+                    </a:srgbClr>
                   </a:outerShdw>
-                  <a:reflection blurRad="6350" stA="55000" endA="300" endPos="45500" dir="5400000" sy="-100000" algn="bl" rotWithShape="0"/>
                 </a:effectLst>
               </a:rPr>
               <a:t> </a:t>
             </a:r>
             <a:r>
-              <a:rPr lang="en-US" dirty="0" err="1">
+              <a:rPr lang="en-US" b="1" dirty="0" err="1">
+                <a:ln w="12700">
+                  <a:solidFill>
+                    <a:schemeClr val="tx2">
+                      <a:satMod val="155000"/>
+                    </a:schemeClr>
+                  </a:solidFill>
+                  <a:prstDash val="solid"/>
+                </a:ln>
+                <a:solidFill>
+                  <a:schemeClr val="bg2">
+                    <a:tint val="85000"/>
+                    <a:satMod val="155000"/>
+                  </a:schemeClr>
+                </a:solidFill>
                 <a:effectLst>
-                  <a:outerShdw blurRad="50800" dist="38100" dir="2700000" algn="tl" rotWithShape="0">
-                    <a:prstClr val="black">
+                  <a:outerShdw blurRad="41275" dist="20320" dir="1800000" algn="tl" rotWithShape="0">
+                    <a:srgbClr val="000000">
                       <a:alpha val="40000"/>
-                    </a:prstClr>
+                    </a:srgbClr>
                   </a:outerShdw>
-                  <a:reflection blurRad="6350" stA="55000" endA="300" endPos="45500" dir="5400000" sy="-100000" algn="bl" rotWithShape="0"/>
                 </a:effectLst>
               </a:rPr>
               <a:t>hitPoints</a:t>
             </a:r>
             <a:r>
-              <a:rPr lang="en-US" dirty="0" smtClean="0">
+              <a:rPr lang="en-US" b="1" dirty="0" smtClean="0">
+                <a:ln w="12700">
+                  <a:solidFill>
+                    <a:schemeClr val="tx2">
+                      <a:satMod val="155000"/>
+                    </a:schemeClr>
+                  </a:solidFill>
+                  <a:prstDash val="solid"/>
+                </a:ln>
+                <a:solidFill>
+                  <a:schemeClr val="bg2">
+                    <a:tint val="85000"/>
+                    <a:satMod val="155000"/>
+                  </a:schemeClr>
+                </a:solidFill>
                 <a:effectLst>
-                  <a:outerShdw blurRad="50800" dist="38100" dir="2700000" algn="tl" rotWithShape="0">
-                    <a:prstClr val="black">
+                  <a:outerShdw blurRad="41275" dist="20320" dir="1800000" algn="tl" rotWithShape="0">
+                    <a:srgbClr val="000000">
                       <a:alpha val="40000"/>
-                    </a:prstClr>
+                    </a:srgbClr>
                   </a:outerShdw>
-                  <a:reflection blurRad="6350" stA="55000" endA="300" endPos="45500" dir="5400000" sy="-100000" algn="bl" rotWithShape="0"/>
                 </a:effectLst>
               </a:rPr>
               <a:t>.</a:t>
@@ -14122,65 +14344,130 @@
               <a:buChar char="-"/>
             </a:pPr>
             <a:r>
-              <a:rPr lang="en-US" dirty="0" smtClean="0">
+              <a:rPr lang="en-US" b="1" dirty="0" smtClean="0">
+                <a:ln w="12700">
+                  <a:solidFill>
+                    <a:schemeClr val="tx2">
+                      <a:satMod val="155000"/>
+                    </a:schemeClr>
+                  </a:solidFill>
+                  <a:prstDash val="solid"/>
+                </a:ln>
+                <a:solidFill>
+                  <a:schemeClr val="bg2">
+                    <a:tint val="85000"/>
+                    <a:satMod val="155000"/>
+                  </a:schemeClr>
+                </a:solidFill>
                 <a:effectLst>
-                  <a:outerShdw blurRad="50800" dist="38100" dir="2700000" algn="tl" rotWithShape="0">
-                    <a:prstClr val="black">
+                  <a:outerShdw blurRad="41275" dist="20320" dir="1800000" algn="tl" rotWithShape="0">
+                    <a:srgbClr val="000000">
                       <a:alpha val="40000"/>
-                    </a:prstClr>
+                    </a:srgbClr>
                   </a:outerShdw>
-                  <a:reflection blurRad="6350" stA="55000" endA="300" endPos="45500" dir="5400000" sy="-100000" algn="bl" rotWithShape="0"/>
                 </a:effectLst>
               </a:rPr>
               <a:t> </a:t>
             </a:r>
             <a:r>
-              <a:rPr lang="en-US" dirty="0">
+              <a:rPr lang="en-US" b="1" dirty="0">
+                <a:ln w="12700">
+                  <a:solidFill>
+                    <a:schemeClr val="tx2">
+                      <a:satMod val="155000"/>
+                    </a:schemeClr>
+                  </a:solidFill>
+                  <a:prstDash val="solid"/>
+                </a:ln>
+                <a:solidFill>
+                  <a:schemeClr val="bg2">
+                    <a:tint val="85000"/>
+                    <a:satMod val="155000"/>
+                  </a:schemeClr>
+                </a:solidFill>
                 <a:effectLst>
-                  <a:outerShdw blurRad="50800" dist="38100" dir="2700000" algn="tl" rotWithShape="0">
-                    <a:prstClr val="black">
+                  <a:outerShdw blurRad="41275" dist="20320" dir="1800000" algn="tl" rotWithShape="0">
+                    <a:srgbClr val="000000">
                       <a:alpha val="40000"/>
-                    </a:prstClr>
+                    </a:srgbClr>
                   </a:outerShdw>
-                  <a:reflection blurRad="6350" stA="55000" endA="300" endPos="45500" dir="5400000" sy="-100000" algn="bl" rotWithShape="0"/>
                 </a:effectLst>
               </a:rPr>
               <a:t>On the higher levels there will be an increase in lives/</a:t>
             </a:r>
             <a:r>
-              <a:rPr lang="en-US" dirty="0" err="1">
+              <a:rPr lang="en-US" b="1" dirty="0" err="1">
+                <a:ln w="12700">
+                  <a:solidFill>
+                    <a:schemeClr val="tx2">
+                      <a:satMod val="155000"/>
+                    </a:schemeClr>
+                  </a:solidFill>
+                  <a:prstDash val="solid"/>
+                </a:ln>
+                <a:solidFill>
+                  <a:schemeClr val="bg2">
+                    <a:tint val="85000"/>
+                    <a:satMod val="155000"/>
+                  </a:schemeClr>
+                </a:solidFill>
                 <a:effectLst>
-                  <a:outerShdw blurRad="50800" dist="38100" dir="2700000" algn="tl" rotWithShape="0">
-                    <a:prstClr val="black">
+                  <a:outerShdw blurRad="41275" dist="20320" dir="1800000" algn="tl" rotWithShape="0">
+                    <a:srgbClr val="000000">
                       <a:alpha val="40000"/>
-                    </a:prstClr>
+                    </a:srgbClr>
                   </a:outerShdw>
-                  <a:reflection blurRad="6350" stA="55000" endA="300" endPos="45500" dir="5400000" sy="-100000" algn="bl" rotWithShape="0"/>
                 </a:effectLst>
               </a:rPr>
               <a:t>hitPoints</a:t>
             </a:r>
             <a:r>
-              <a:rPr lang="en-US" dirty="0">
+              <a:rPr lang="en-US" b="1" dirty="0">
+                <a:ln w="12700">
+                  <a:solidFill>
+                    <a:schemeClr val="tx2">
+                      <a:satMod val="155000"/>
+                    </a:schemeClr>
+                  </a:solidFill>
+                  <a:prstDash val="solid"/>
+                </a:ln>
+                <a:solidFill>
+                  <a:schemeClr val="bg2">
+                    <a:tint val="85000"/>
+                    <a:satMod val="155000"/>
+                  </a:schemeClr>
+                </a:solidFill>
                 <a:effectLst>
-                  <a:outerShdw blurRad="50800" dist="38100" dir="2700000" algn="tl" rotWithShape="0">
-                    <a:prstClr val="black">
+                  <a:outerShdw blurRad="41275" dist="20320" dir="1800000" algn="tl" rotWithShape="0">
+                    <a:srgbClr val="000000">
                       <a:alpha val="40000"/>
-                    </a:prstClr>
+                    </a:srgbClr>
                   </a:outerShdw>
-                  <a:reflection blurRad="6350" stA="55000" endA="300" endPos="45500" dir="5400000" sy="-100000" algn="bl" rotWithShape="0"/>
                 </a:effectLst>
               </a:rPr>
               <a:t>. </a:t>
             </a:r>
-            <a:endParaRPr lang="en-US" dirty="0" smtClean="0">
+            <a:endParaRPr lang="en-US" b="1" dirty="0" smtClean="0">
+              <a:ln w="12700">
+                <a:solidFill>
+                  <a:schemeClr val="tx2">
+                    <a:satMod val="155000"/>
+                  </a:schemeClr>
+                </a:solidFill>
+                <a:prstDash val="solid"/>
+              </a:ln>
+              <a:solidFill>
+                <a:schemeClr val="bg2">
+                  <a:tint val="85000"/>
+                  <a:satMod val="155000"/>
+                </a:schemeClr>
+              </a:solidFill>
               <a:effectLst>
-                <a:outerShdw blurRad="50800" dist="38100" dir="2700000" algn="tl" rotWithShape="0">
-                  <a:prstClr val="black">
+                <a:outerShdw blurRad="41275" dist="20320" dir="1800000" algn="tl" rotWithShape="0">
+                  <a:srgbClr val="000000">
                     <a:alpha val="40000"/>
-                  </a:prstClr>
+                  </a:srgbClr>
                 </a:outerShdw>
-                <a:reflection blurRad="6350" stA="55000" endA="300" endPos="45500" dir="5400000" sy="-100000" algn="bl" rotWithShape="0"/>
               </a:effectLst>
             </a:endParaRPr>
           </a:p>
@@ -14190,39 +14477,78 @@
               <a:buChar char="-"/>
             </a:pPr>
             <a:r>
-              <a:rPr lang="en-US" dirty="0" smtClean="0">
+              <a:rPr lang="en-US" b="1" dirty="0" smtClean="0">
+                <a:ln w="12700">
+                  <a:solidFill>
+                    <a:schemeClr val="tx2">
+                      <a:satMod val="155000"/>
+                    </a:schemeClr>
+                  </a:solidFill>
+                  <a:prstDash val="solid"/>
+                </a:ln>
+                <a:solidFill>
+                  <a:schemeClr val="bg2">
+                    <a:tint val="85000"/>
+                    <a:satMod val="155000"/>
+                  </a:schemeClr>
+                </a:solidFill>
                 <a:effectLst>
-                  <a:outerShdw blurRad="50800" dist="38100" dir="2700000" algn="tl" rotWithShape="0">
-                    <a:prstClr val="black">
+                  <a:outerShdw blurRad="41275" dist="20320" dir="1800000" algn="tl" rotWithShape="0">
+                    <a:srgbClr val="000000">
                       <a:alpha val="40000"/>
-                    </a:prstClr>
+                    </a:srgbClr>
                   </a:outerShdw>
-                  <a:reflection blurRad="6350" stA="55000" endA="300" endPos="45500" dir="5400000" sy="-100000" algn="bl" rotWithShape="0"/>
                 </a:effectLst>
               </a:rPr>
               <a:t>On </a:t>
             </a:r>
             <a:r>
-              <a:rPr lang="en-US" dirty="0">
+              <a:rPr lang="en-US" b="1" dirty="0">
+                <a:ln w="12700">
+                  <a:solidFill>
+                    <a:schemeClr val="tx2">
+                      <a:satMod val="155000"/>
+                    </a:schemeClr>
+                  </a:solidFill>
+                  <a:prstDash val="solid"/>
+                </a:ln>
+                <a:solidFill>
+                  <a:schemeClr val="bg2">
+                    <a:tint val="85000"/>
+                    <a:satMod val="155000"/>
+                  </a:schemeClr>
+                </a:solidFill>
                 <a:effectLst>
-                  <a:outerShdw blurRad="50800" dist="38100" dir="2700000" algn="tl" rotWithShape="0">
-                    <a:prstClr val="black">
+                  <a:outerShdw blurRad="41275" dist="20320" dir="1800000" algn="tl" rotWithShape="0">
+                    <a:srgbClr val="000000">
                       <a:alpha val="40000"/>
-                    </a:prstClr>
+                    </a:srgbClr>
                   </a:outerShdw>
-                  <a:reflection blurRad="6350" stA="55000" endA="300" endPos="45500" dir="5400000" sy="-100000" algn="bl" rotWithShape="0"/>
                 </a:effectLst>
               </a:rPr>
               <a:t>the left side of the screen we have a castle. </a:t>
             </a:r>
-            <a:endParaRPr lang="en-US" dirty="0" smtClean="0">
+            <a:endParaRPr lang="en-US" b="1" dirty="0" smtClean="0">
+              <a:ln w="12700">
+                <a:solidFill>
+                  <a:schemeClr val="tx2">
+                    <a:satMod val="155000"/>
+                  </a:schemeClr>
+                </a:solidFill>
+                <a:prstDash val="solid"/>
+              </a:ln>
+              <a:solidFill>
+                <a:schemeClr val="bg2">
+                  <a:tint val="85000"/>
+                  <a:satMod val="155000"/>
+                </a:schemeClr>
+              </a:solidFill>
               <a:effectLst>
-                <a:outerShdw blurRad="50800" dist="38100" dir="2700000" algn="tl" rotWithShape="0">
-                  <a:prstClr val="black">
+                <a:outerShdw blurRad="41275" dist="20320" dir="1800000" algn="tl" rotWithShape="0">
+                  <a:srgbClr val="000000">
                     <a:alpha val="40000"/>
-                  </a:prstClr>
+                  </a:srgbClr>
                 </a:outerShdw>
-                <a:reflection blurRad="6350" stA="55000" endA="300" endPos="45500" dir="5400000" sy="-100000" algn="bl" rotWithShape="0"/>
               </a:effectLst>
             </a:endParaRPr>
           </a:p>
@@ -14232,39 +14558,78 @@
               <a:buChar char="-"/>
             </a:pPr>
             <a:r>
-              <a:rPr lang="en-US" dirty="0" smtClean="0">
+              <a:rPr lang="en-US" b="1" dirty="0" smtClean="0">
+                <a:ln w="12700">
+                  <a:solidFill>
+                    <a:schemeClr val="tx2">
+                      <a:satMod val="155000"/>
+                    </a:schemeClr>
+                  </a:solidFill>
+                  <a:prstDash val="solid"/>
+                </a:ln>
+                <a:solidFill>
+                  <a:schemeClr val="bg2">
+                    <a:tint val="85000"/>
+                    <a:satMod val="155000"/>
+                  </a:schemeClr>
+                </a:solidFill>
                 <a:effectLst>
-                  <a:outerShdw blurRad="50800" dist="38100" dir="2700000" algn="tl" rotWithShape="0">
-                    <a:prstClr val="black">
+                  <a:outerShdw blurRad="41275" dist="20320" dir="1800000" algn="tl" rotWithShape="0">
+                    <a:srgbClr val="000000">
                       <a:alpha val="40000"/>
-                    </a:prstClr>
+                    </a:srgbClr>
                   </a:outerShdw>
-                  <a:reflection blurRad="6350" stA="55000" endA="300" endPos="45500" dir="5400000" sy="-100000" algn="bl" rotWithShape="0"/>
                 </a:effectLst>
               </a:rPr>
               <a:t>It </a:t>
             </a:r>
             <a:r>
-              <a:rPr lang="en-US" dirty="0">
+              <a:rPr lang="en-US" b="1" dirty="0">
+                <a:ln w="12700">
+                  <a:solidFill>
+                    <a:schemeClr val="tx2">
+                      <a:satMod val="155000"/>
+                    </a:schemeClr>
+                  </a:solidFill>
+                  <a:prstDash val="solid"/>
+                </a:ln>
+                <a:solidFill>
+                  <a:schemeClr val="bg2">
+                    <a:tint val="85000"/>
+                    <a:satMod val="155000"/>
+                  </a:schemeClr>
+                </a:solidFill>
                 <a:effectLst>
-                  <a:outerShdw blurRad="50800" dist="38100" dir="2700000" algn="tl" rotWithShape="0">
-                    <a:prstClr val="black">
+                  <a:outerShdw blurRad="41275" dist="20320" dir="1800000" algn="tl" rotWithShape="0">
+                    <a:srgbClr val="000000">
                       <a:alpha val="40000"/>
-                    </a:prstClr>
+                    </a:srgbClr>
                   </a:outerShdw>
-                  <a:reflection blurRad="6350" stA="55000" endA="300" endPos="45500" dir="5400000" sy="-100000" algn="bl" rotWithShape="0"/>
                 </a:effectLst>
               </a:rPr>
               <a:t>shoots cannon balls at the player that the player has to avoid. </a:t>
             </a:r>
-            <a:endParaRPr lang="en-US" dirty="0" smtClean="0">
+            <a:endParaRPr lang="en-US" b="1" dirty="0" smtClean="0">
+              <a:ln w="12700">
+                <a:solidFill>
+                  <a:schemeClr val="tx2">
+                    <a:satMod val="155000"/>
+                  </a:schemeClr>
+                </a:solidFill>
+                <a:prstDash val="solid"/>
+              </a:ln>
+              <a:solidFill>
+                <a:schemeClr val="bg2">
+                  <a:tint val="85000"/>
+                  <a:satMod val="155000"/>
+                </a:schemeClr>
+              </a:solidFill>
               <a:effectLst>
-                <a:outerShdw blurRad="50800" dist="38100" dir="2700000" algn="tl" rotWithShape="0">
-                  <a:prstClr val="black">
+                <a:outerShdw blurRad="41275" dist="20320" dir="1800000" algn="tl" rotWithShape="0">
+                  <a:srgbClr val="000000">
                     <a:alpha val="40000"/>
-                  </a:prstClr>
+                  </a:srgbClr>
                 </a:outerShdw>
-                <a:reflection blurRad="6350" stA="55000" endA="300" endPos="45500" dir="5400000" sy="-100000" algn="bl" rotWithShape="0"/>
               </a:effectLst>
             </a:endParaRPr>
           </a:p>
@@ -14274,117 +14639,234 @@
               <a:buChar char="-"/>
             </a:pPr>
             <a:r>
-              <a:rPr lang="en-US" dirty="0" smtClean="0">
+              <a:rPr lang="en-US" b="1" dirty="0" smtClean="0">
+                <a:ln w="12700">
+                  <a:solidFill>
+                    <a:schemeClr val="tx2">
+                      <a:satMod val="155000"/>
+                    </a:schemeClr>
+                  </a:solidFill>
+                  <a:prstDash val="solid"/>
+                </a:ln>
+                <a:solidFill>
+                  <a:schemeClr val="bg2">
+                    <a:tint val="85000"/>
+                    <a:satMod val="155000"/>
+                  </a:schemeClr>
+                </a:solidFill>
                 <a:effectLst>
-                  <a:outerShdw blurRad="50800" dist="38100" dir="2700000" algn="tl" rotWithShape="0">
-                    <a:prstClr val="black">
+                  <a:outerShdw blurRad="41275" dist="20320" dir="1800000" algn="tl" rotWithShape="0">
+                    <a:srgbClr val="000000">
                       <a:alpha val="40000"/>
-                    </a:prstClr>
+                    </a:srgbClr>
                   </a:outerShdw>
-                  <a:reflection blurRad="6350" stA="55000" endA="300" endPos="45500" dir="5400000" sy="-100000" algn="bl" rotWithShape="0"/>
                 </a:effectLst>
               </a:rPr>
               <a:t>The </a:t>
             </a:r>
             <a:r>
-              <a:rPr lang="en-US" dirty="0">
+              <a:rPr lang="en-US" b="1" dirty="0">
+                <a:ln w="12700">
+                  <a:solidFill>
+                    <a:schemeClr val="tx2">
+                      <a:satMod val="155000"/>
+                    </a:schemeClr>
+                  </a:solidFill>
+                  <a:prstDash val="solid"/>
+                </a:ln>
+                <a:solidFill>
+                  <a:schemeClr val="bg2">
+                    <a:tint val="85000"/>
+                    <a:satMod val="155000"/>
+                  </a:schemeClr>
+                </a:solidFill>
                 <a:effectLst>
-                  <a:outerShdw blurRad="50800" dist="38100" dir="2700000" algn="tl" rotWithShape="0">
-                    <a:prstClr val="black">
+                  <a:outerShdw blurRad="41275" dist="20320" dir="1800000" algn="tl" rotWithShape="0">
+                    <a:srgbClr val="000000">
                       <a:alpha val="40000"/>
-                    </a:prstClr>
+                    </a:srgbClr>
                   </a:outerShdw>
-                  <a:reflection blurRad="6350" stA="55000" endA="300" endPos="45500" dir="5400000" sy="-100000" algn="bl" rotWithShape="0"/>
                 </a:effectLst>
               </a:rPr>
               <a:t>castle has </a:t>
             </a:r>
             <a:r>
-              <a:rPr lang="en-US" dirty="0" err="1">
+              <a:rPr lang="en-US" b="1" dirty="0" err="1">
+                <a:ln w="12700">
+                  <a:solidFill>
+                    <a:schemeClr val="tx2">
+                      <a:satMod val="155000"/>
+                    </a:schemeClr>
+                  </a:solidFill>
+                  <a:prstDash val="solid"/>
+                </a:ln>
+                <a:solidFill>
+                  <a:schemeClr val="bg2">
+                    <a:tint val="85000"/>
+                    <a:satMod val="155000"/>
+                  </a:schemeClr>
+                </a:solidFill>
                 <a:effectLst>
-                  <a:outerShdw blurRad="50800" dist="38100" dir="2700000" algn="tl" rotWithShape="0">
-                    <a:prstClr val="black">
+                  <a:outerShdw blurRad="41275" dist="20320" dir="1800000" algn="tl" rotWithShape="0">
+                    <a:srgbClr val="000000">
                       <a:alpha val="40000"/>
-                    </a:prstClr>
+                    </a:srgbClr>
                   </a:outerShdw>
-                  <a:reflection blurRad="6350" stA="55000" endA="300" endPos="45500" dir="5400000" sy="-100000" algn="bl" rotWithShape="0"/>
                 </a:effectLst>
               </a:rPr>
               <a:t>int</a:t>
             </a:r>
             <a:r>
-              <a:rPr lang="en-US" dirty="0">
+              <a:rPr lang="en-US" b="1" dirty="0">
+                <a:ln w="12700">
+                  <a:solidFill>
+                    <a:schemeClr val="tx2">
+                      <a:satMod val="155000"/>
+                    </a:schemeClr>
+                  </a:solidFill>
+                  <a:prstDash val="solid"/>
+                </a:ln>
+                <a:solidFill>
+                  <a:schemeClr val="bg2">
+                    <a:tint val="85000"/>
+                    <a:satMod val="155000"/>
+                  </a:schemeClr>
+                </a:solidFill>
                 <a:effectLst>
-                  <a:outerShdw blurRad="50800" dist="38100" dir="2700000" algn="tl" rotWithShape="0">
-                    <a:prstClr val="black">
+                  <a:outerShdw blurRad="41275" dist="20320" dir="1800000" algn="tl" rotWithShape="0">
+                    <a:srgbClr val="000000">
                       <a:alpha val="40000"/>
-                    </a:prstClr>
+                    </a:srgbClr>
                   </a:outerShdw>
-                  <a:reflection blurRad="6350" stA="55000" endA="300" endPos="45500" dir="5400000" sy="-100000" algn="bl" rotWithShape="0"/>
                 </a:effectLst>
               </a:rPr>
               <a:t> </a:t>
             </a:r>
             <a:r>
-              <a:rPr lang="en-US" dirty="0" err="1">
+              <a:rPr lang="en-US" b="1" dirty="0" err="1">
+                <a:ln w="12700">
+                  <a:solidFill>
+                    <a:schemeClr val="tx2">
+                      <a:satMod val="155000"/>
+                    </a:schemeClr>
+                  </a:solidFill>
+                  <a:prstDash val="solid"/>
+                </a:ln>
+                <a:solidFill>
+                  <a:schemeClr val="bg2">
+                    <a:tint val="85000"/>
+                    <a:satMod val="155000"/>
+                  </a:schemeClr>
+                </a:solidFill>
                 <a:effectLst>
-                  <a:outerShdw blurRad="50800" dist="38100" dir="2700000" algn="tl" rotWithShape="0">
-                    <a:prstClr val="black">
+                  <a:outerShdw blurRad="41275" dist="20320" dir="1800000" algn="tl" rotWithShape="0">
+                    <a:srgbClr val="000000">
                       <a:alpha val="40000"/>
-                    </a:prstClr>
+                    </a:srgbClr>
                   </a:outerShdw>
-                  <a:reflection blurRad="6350" stA="55000" endA="300" endPos="45500" dir="5400000" sy="-100000" algn="bl" rotWithShape="0"/>
                 </a:effectLst>
               </a:rPr>
               <a:t>hitPoints</a:t>
             </a:r>
             <a:r>
-              <a:rPr lang="en-US" dirty="0">
+              <a:rPr lang="en-US" b="1" dirty="0">
+                <a:ln w="12700">
+                  <a:solidFill>
+                    <a:schemeClr val="tx2">
+                      <a:satMod val="155000"/>
+                    </a:schemeClr>
+                  </a:solidFill>
+                  <a:prstDash val="solid"/>
+                </a:ln>
+                <a:solidFill>
+                  <a:schemeClr val="bg2">
+                    <a:tint val="85000"/>
+                    <a:satMod val="155000"/>
+                  </a:schemeClr>
+                </a:solidFill>
                 <a:effectLst>
-                  <a:outerShdw blurRad="50800" dist="38100" dir="2700000" algn="tl" rotWithShape="0">
-                    <a:prstClr val="black">
+                  <a:outerShdw blurRad="41275" dist="20320" dir="1800000" algn="tl" rotWithShape="0">
+                    <a:srgbClr val="000000">
                       <a:alpha val="40000"/>
-                    </a:prstClr>
+                    </a:srgbClr>
                   </a:outerShdw>
-                  <a:reflection blurRad="6350" stA="55000" endA="300" endPos="45500" dir="5400000" sy="-100000" algn="bl" rotWithShape="0"/>
                 </a:effectLst>
               </a:rPr>
               <a:t>; </a:t>
             </a:r>
             <a:r>
-              <a:rPr lang="en-US" dirty="0" err="1">
+              <a:rPr lang="en-US" b="1" dirty="0" err="1">
+                <a:ln w="12700">
+                  <a:solidFill>
+                    <a:schemeClr val="tx2">
+                      <a:satMod val="155000"/>
+                    </a:schemeClr>
+                  </a:solidFill>
+                  <a:prstDash val="solid"/>
+                </a:ln>
+                <a:solidFill>
+                  <a:schemeClr val="bg2">
+                    <a:tint val="85000"/>
+                    <a:satMod val="155000"/>
+                  </a:schemeClr>
+                </a:solidFill>
                 <a:effectLst>
-                  <a:outerShdw blurRad="50800" dist="38100" dir="2700000" algn="tl" rotWithShape="0">
-                    <a:prstClr val="black">
+                  <a:outerShdw blurRad="41275" dist="20320" dir="1800000" algn="tl" rotWithShape="0">
+                    <a:srgbClr val="000000">
                       <a:alpha val="40000"/>
-                    </a:prstClr>
+                    </a:srgbClr>
                   </a:outerShdw>
-                  <a:reflection blurRad="6350" stA="55000" endA="300" endPos="45500" dir="5400000" sy="-100000" algn="bl" rotWithShape="0"/>
                 </a:effectLst>
               </a:rPr>
               <a:t>int</a:t>
             </a:r>
             <a:r>
-              <a:rPr lang="en-US" dirty="0">
+              <a:rPr lang="en-US" b="1" dirty="0">
+                <a:ln w="12700">
+                  <a:solidFill>
+                    <a:schemeClr val="tx2">
+                      <a:satMod val="155000"/>
+                    </a:schemeClr>
+                  </a:solidFill>
+                  <a:prstDash val="solid"/>
+                </a:ln>
+                <a:solidFill>
+                  <a:schemeClr val="bg2">
+                    <a:tint val="85000"/>
+                    <a:satMod val="155000"/>
+                  </a:schemeClr>
+                </a:solidFill>
                 <a:effectLst>
-                  <a:outerShdw blurRad="50800" dist="38100" dir="2700000" algn="tl" rotWithShape="0">
-                    <a:prstClr val="black">
+                  <a:outerShdw blurRad="41275" dist="20320" dir="1800000" algn="tl" rotWithShape="0">
+                    <a:srgbClr val="000000">
                       <a:alpha val="40000"/>
-                    </a:prstClr>
+                    </a:srgbClr>
                   </a:outerShdw>
-                  <a:reflection blurRad="6350" stA="55000" endA="300" endPos="45500" dir="5400000" sy="-100000" algn="bl" rotWithShape="0"/>
                 </a:effectLst>
               </a:rPr>
               <a:t> resistance. </a:t>
             </a:r>
-            <a:endParaRPr lang="en-US" dirty="0" smtClean="0">
+            <a:endParaRPr lang="en-US" b="1" dirty="0" smtClean="0">
+              <a:ln w="12700">
+                <a:solidFill>
+                  <a:schemeClr val="tx2">
+                    <a:satMod val="155000"/>
+                  </a:schemeClr>
+                </a:solidFill>
+                <a:prstDash val="solid"/>
+              </a:ln>
+              <a:solidFill>
+                <a:schemeClr val="bg2">
+                  <a:tint val="85000"/>
+                  <a:satMod val="155000"/>
+                </a:schemeClr>
+              </a:solidFill>
               <a:effectLst>
-                <a:outerShdw blurRad="50800" dist="38100" dir="2700000" algn="tl" rotWithShape="0">
-                  <a:prstClr val="black">
+                <a:outerShdw blurRad="41275" dist="20320" dir="1800000" algn="tl" rotWithShape="0">
+                  <a:srgbClr val="000000">
                     <a:alpha val="40000"/>
-                  </a:prstClr>
+                  </a:srgbClr>
                 </a:outerShdw>
-                <a:reflection blurRad="6350" stA="55000" endA="300" endPos="45500" dir="5400000" sy="-100000" algn="bl" rotWithShape="0"/>
               </a:effectLst>
             </a:endParaRPr>
           </a:p>
@@ -14394,118 +14876,235 @@
               <a:buChar char="-"/>
             </a:pPr>
             <a:r>
-              <a:rPr lang="en-US" dirty="0" smtClean="0">
+              <a:rPr lang="en-US" b="1" dirty="0" smtClean="0">
+                <a:ln w="12700">
+                  <a:solidFill>
+                    <a:schemeClr val="tx2">
+                      <a:satMod val="155000"/>
+                    </a:schemeClr>
+                  </a:solidFill>
+                  <a:prstDash val="solid"/>
+                </a:ln>
+                <a:solidFill>
+                  <a:schemeClr val="bg2">
+                    <a:tint val="85000"/>
+                    <a:satMod val="155000"/>
+                  </a:schemeClr>
+                </a:solidFill>
                 <a:effectLst>
-                  <a:outerShdw blurRad="50800" dist="38100" dir="2700000" algn="tl" rotWithShape="0">
-                    <a:prstClr val="black">
+                  <a:outerShdw blurRad="41275" dist="20320" dir="1800000" algn="tl" rotWithShape="0">
+                    <a:srgbClr val="000000">
                       <a:alpha val="40000"/>
-                    </a:prstClr>
+                    </a:srgbClr>
                   </a:outerShdw>
-                  <a:reflection blurRad="6350" stA="55000" endA="300" endPos="45500" dir="5400000" sy="-100000" algn="bl" rotWithShape="0"/>
                 </a:effectLst>
               </a:rPr>
               <a:t>When </a:t>
             </a:r>
             <a:r>
-              <a:rPr lang="en-US" dirty="0" err="1">
+              <a:rPr lang="en-US" b="1" dirty="0" err="1">
+                <a:ln w="12700">
+                  <a:solidFill>
+                    <a:schemeClr val="tx2">
+                      <a:satMod val="155000"/>
+                    </a:schemeClr>
+                  </a:solidFill>
+                  <a:prstDash val="solid"/>
+                </a:ln>
+                <a:solidFill>
+                  <a:schemeClr val="bg2">
+                    <a:tint val="85000"/>
+                    <a:satMod val="155000"/>
+                  </a:schemeClr>
+                </a:solidFill>
                 <a:effectLst>
-                  <a:outerShdw blurRad="50800" dist="38100" dir="2700000" algn="tl" rotWithShape="0">
-                    <a:prstClr val="black">
+                  <a:outerShdw blurRad="41275" dist="20320" dir="1800000" algn="tl" rotWithShape="0">
+                    <a:srgbClr val="000000">
                       <a:alpha val="40000"/>
-                    </a:prstClr>
+                    </a:srgbClr>
                   </a:outerShdw>
-                  <a:reflection blurRad="6350" stA="55000" endA="300" endPos="45500" dir="5400000" sy="-100000" algn="bl" rotWithShape="0"/>
                 </a:effectLst>
               </a:rPr>
               <a:t>int</a:t>
             </a:r>
             <a:r>
-              <a:rPr lang="en-US" dirty="0">
+              <a:rPr lang="en-US" b="1" dirty="0">
+                <a:ln w="12700">
+                  <a:solidFill>
+                    <a:schemeClr val="tx2">
+                      <a:satMod val="155000"/>
+                    </a:schemeClr>
+                  </a:solidFill>
+                  <a:prstDash val="solid"/>
+                </a:ln>
+                <a:solidFill>
+                  <a:schemeClr val="bg2">
+                    <a:tint val="85000"/>
+                    <a:satMod val="155000"/>
+                  </a:schemeClr>
+                </a:solidFill>
                 <a:effectLst>
-                  <a:outerShdw blurRad="50800" dist="38100" dir="2700000" algn="tl" rotWithShape="0">
-                    <a:prstClr val="black">
+                  <a:outerShdw blurRad="41275" dist="20320" dir="1800000" algn="tl" rotWithShape="0">
+                    <a:srgbClr val="000000">
                       <a:alpha val="40000"/>
-                    </a:prstClr>
+                    </a:srgbClr>
                   </a:outerShdw>
-                  <a:reflection blurRad="6350" stA="55000" endA="300" endPos="45500" dir="5400000" sy="-100000" algn="bl" rotWithShape="0"/>
                 </a:effectLst>
               </a:rPr>
               <a:t> </a:t>
             </a:r>
             <a:r>
-              <a:rPr lang="en-US" dirty="0" err="1">
+              <a:rPr lang="en-US" b="1" dirty="0" err="1">
+                <a:ln w="12700">
+                  <a:solidFill>
+                    <a:schemeClr val="tx2">
+                      <a:satMod val="155000"/>
+                    </a:schemeClr>
+                  </a:solidFill>
+                  <a:prstDash val="solid"/>
+                </a:ln>
+                <a:solidFill>
+                  <a:schemeClr val="bg2">
+                    <a:tint val="85000"/>
+                    <a:satMod val="155000"/>
+                  </a:schemeClr>
+                </a:solidFill>
                 <a:effectLst>
-                  <a:outerShdw blurRad="50800" dist="38100" dir="2700000" algn="tl" rotWithShape="0">
-                    <a:prstClr val="black">
+                  <a:outerShdw blurRad="41275" dist="20320" dir="1800000" algn="tl" rotWithShape="0">
+                    <a:srgbClr val="000000">
                       <a:alpha val="40000"/>
-                    </a:prstClr>
+                    </a:srgbClr>
                   </a:outerShdw>
-                  <a:reflection blurRad="6350" stA="55000" endA="300" endPos="45500" dir="5400000" sy="-100000" algn="bl" rotWithShape="0"/>
                 </a:effectLst>
               </a:rPr>
               <a:t>resistence</a:t>
             </a:r>
             <a:r>
-              <a:rPr lang="en-US" dirty="0">
+              <a:rPr lang="en-US" b="1" dirty="0">
+                <a:ln w="12700">
+                  <a:solidFill>
+                    <a:schemeClr val="tx2">
+                      <a:satMod val="155000"/>
+                    </a:schemeClr>
+                  </a:solidFill>
+                  <a:prstDash val="solid"/>
+                </a:ln>
+                <a:solidFill>
+                  <a:schemeClr val="bg2">
+                    <a:tint val="85000"/>
+                    <a:satMod val="155000"/>
+                  </a:schemeClr>
+                </a:solidFill>
                 <a:effectLst>
-                  <a:outerShdw blurRad="50800" dist="38100" dir="2700000" algn="tl" rotWithShape="0">
-                    <a:prstClr val="black">
+                  <a:outerShdw blurRad="41275" dist="20320" dir="1800000" algn="tl" rotWithShape="0">
+                    <a:srgbClr val="000000">
                       <a:alpha val="40000"/>
-                    </a:prstClr>
+                    </a:srgbClr>
                   </a:outerShdw>
-                  <a:reflection blurRad="6350" stA="55000" endA="300" endPos="45500" dir="5400000" sy="-100000" algn="bl" rotWithShape="0"/>
                 </a:effectLst>
               </a:rPr>
               <a:t> drops to 0 after being hit enough times by the player, a wizard/</a:t>
             </a:r>
             <a:r>
-              <a:rPr lang="en-US" dirty="0" err="1">
+              <a:rPr lang="en-US" b="1" dirty="0" err="1">
+                <a:ln w="12700">
+                  <a:solidFill>
+                    <a:schemeClr val="tx2">
+                      <a:satMod val="155000"/>
+                    </a:schemeClr>
+                  </a:solidFill>
+                  <a:prstDash val="solid"/>
+                </a:ln>
+                <a:solidFill>
+                  <a:schemeClr val="bg2">
+                    <a:tint val="85000"/>
+                    <a:satMod val="155000"/>
+                  </a:schemeClr>
+                </a:solidFill>
                 <a:effectLst>
-                  <a:outerShdw blurRad="50800" dist="38100" dir="2700000" algn="tl" rotWithShape="0">
-                    <a:prstClr val="black">
+                  <a:outerShdw blurRad="41275" dist="20320" dir="1800000" algn="tl" rotWithShape="0">
+                    <a:srgbClr val="000000">
                       <a:alpha val="40000"/>
-                    </a:prstClr>
+                    </a:srgbClr>
                   </a:outerShdw>
-                  <a:reflection blurRad="6350" stA="55000" endA="300" endPos="45500" dir="5400000" sy="-100000" algn="bl" rotWithShape="0"/>
                 </a:effectLst>
               </a:rPr>
               <a:t>Nakov</a:t>
             </a:r>
             <a:r>
-              <a:rPr lang="en-US" dirty="0">
+              <a:rPr lang="en-US" b="1" dirty="0">
+                <a:ln w="12700">
+                  <a:solidFill>
+                    <a:schemeClr val="tx2">
+                      <a:satMod val="155000"/>
+                    </a:schemeClr>
+                  </a:solidFill>
+                  <a:prstDash val="solid"/>
+                </a:ln>
+                <a:solidFill>
+                  <a:schemeClr val="bg2">
+                    <a:tint val="85000"/>
+                    <a:satMod val="155000"/>
+                  </a:schemeClr>
+                </a:solidFill>
                 <a:effectLst>
-                  <a:outerShdw blurRad="50800" dist="38100" dir="2700000" algn="tl" rotWithShape="0">
-                    <a:prstClr val="black">
+                  <a:outerShdw blurRad="41275" dist="20320" dir="1800000" algn="tl" rotWithShape="0">
+                    <a:srgbClr val="000000">
                       <a:alpha val="40000"/>
-                    </a:prstClr>
+                    </a:srgbClr>
                   </a:outerShdw>
-                  <a:reflection blurRad="6350" stA="55000" endA="300" endPos="45500" dir="5400000" sy="-100000" algn="bl" rotWithShape="0"/>
                 </a:effectLst>
               </a:rPr>
               <a:t>/ninja emerges from its walls and asks the player a question (on </a:t>
             </a:r>
             <a:r>
-              <a:rPr lang="en-US" dirty="0" err="1">
+              <a:rPr lang="en-US" b="1" dirty="0" err="1">
+                <a:ln w="12700">
+                  <a:solidFill>
+                    <a:schemeClr val="tx2">
+                      <a:satMod val="155000"/>
+                    </a:schemeClr>
+                  </a:solidFill>
+                  <a:prstDash val="solid"/>
+                </a:ln>
+                <a:solidFill>
+                  <a:schemeClr val="bg2">
+                    <a:tint val="85000"/>
+                    <a:satMod val="155000"/>
+                  </a:schemeClr>
+                </a:solidFill>
                 <a:effectLst>
-                  <a:outerShdw blurRad="50800" dist="38100" dir="2700000" algn="tl" rotWithShape="0">
-                    <a:prstClr val="black">
+                  <a:outerShdw blurRad="41275" dist="20320" dir="1800000" algn="tl" rotWithShape="0">
+                    <a:srgbClr val="000000">
                       <a:alpha val="40000"/>
-                    </a:prstClr>
+                    </a:srgbClr>
                   </a:outerShdw>
-                  <a:reflection blurRad="6350" stA="55000" endA="300" endPos="45500" dir="5400000" sy="-100000" algn="bl" rotWithShape="0"/>
                 </a:effectLst>
               </a:rPr>
               <a:t>javascript</a:t>
             </a:r>
             <a:r>
-              <a:rPr lang="en-US" dirty="0">
+              <a:rPr lang="en-US" b="1" dirty="0">
+                <a:ln w="12700">
+                  <a:solidFill>
+                    <a:schemeClr val="tx2">
+                      <a:satMod val="155000"/>
+                    </a:schemeClr>
+                  </a:solidFill>
+                  <a:prstDash val="solid"/>
+                </a:ln>
+                <a:solidFill>
+                  <a:schemeClr val="bg2">
+                    <a:tint val="85000"/>
+                    <a:satMod val="155000"/>
+                  </a:schemeClr>
+                </a:solidFill>
                 <a:effectLst>
-                  <a:outerShdw blurRad="50800" dist="38100" dir="2700000" algn="tl" rotWithShape="0">
-                    <a:prstClr val="black">
+                  <a:outerShdw blurRad="41275" dist="20320" dir="1800000" algn="tl" rotWithShape="0">
+                    <a:srgbClr val="000000">
                       <a:alpha val="40000"/>
-                    </a:prstClr>
+                    </a:srgbClr>
                   </a:outerShdw>
-                  <a:reflection blurRad="6350" stA="55000" endA="300" endPos="45500" dir="5400000" sy="-100000" algn="bl" rotWithShape="0"/>
                 </a:effectLst>
               </a:rPr>
               <a:t>). If the player answers correctly, they move on to the next level. If not- the wizard hits him with a lightning bolt and its game over.</a:t>
@@ -14517,6 +15116,1087 @@
     <p:extLst>
       <p:ext uri="{BB962C8B-B14F-4D97-AF65-F5344CB8AC3E}">
         <p14:creationId xmlns:p14="http://schemas.microsoft.com/office/powerpoint/2010/main" val="2032057643"/>
+      </p:ext>
+    </p:extLst>
+  </p:cSld>
+  <p:clrMapOvr>
+    <a:masterClrMapping/>
+  </p:clrMapOvr>
+</p:sld>
+</file>
+
+<file path=ppt/slides/slide3.xml><?xml version="1.0" encoding="utf-8"?>
+<p:sld xmlns:a="http://schemas.openxmlformats.org/drawingml/2006/main" xmlns:r="http://schemas.openxmlformats.org/officeDocument/2006/relationships" xmlns:p="http://schemas.openxmlformats.org/presentationml/2006/main">
+  <p:cSld>
+    <p:spTree>
+      <p:nvGrpSpPr>
+        <p:cNvPr id="1" name=""/>
+        <p:cNvGrpSpPr/>
+        <p:nvPr/>
+      </p:nvGrpSpPr>
+      <p:grpSpPr>
+        <a:xfrm>
+          <a:off x="0" y="0"/>
+          <a:ext cx="0" cy="0"/>
+          <a:chOff x="0" y="0"/>
+          <a:chExt cx="0" cy="0"/>
+        </a:xfrm>
+      </p:grpSpPr>
+      <p:sp>
+        <p:nvSpPr>
+          <p:cNvPr id="2" name="Title 1"/>
+          <p:cNvSpPr>
+            <a:spLocks noGrp="1"/>
+          </p:cNvSpPr>
+          <p:nvPr>
+            <p:ph type="title"/>
+          </p:nvPr>
+        </p:nvSpPr>
+        <p:spPr/>
+        <p:txBody>
+          <a:bodyPr>
+            <a:normAutofit fontScale="90000"/>
+            <a:scene3d>
+              <a:camera prst="orthographicFront"/>
+              <a:lightRig rig="threePt" dir="t"/>
+            </a:scene3d>
+            <a:sp3d extrusionH="57150">
+              <a:bevelT w="38100" h="38100" prst="relaxedInset"/>
+            </a:sp3d>
+          </a:bodyPr>
+          <a:lstStyle/>
+          <a:p>
+            <a:r>
+              <a:rPr lang="en-US" dirty="0"/>
+              <a:t>Information about </a:t>
+            </a:r>
+            <a:r>
+              <a:rPr lang="en-US" dirty="0" err="1"/>
+              <a:t>js</a:t>
+            </a:r>
+            <a:r>
+              <a:rPr lang="en-US" dirty="0"/>
+              <a:t> libraries we have discussed</a:t>
+            </a:r>
+          </a:p>
+        </p:txBody>
+      </p:sp>
+      <p:sp>
+        <p:nvSpPr>
+          <p:cNvPr id="3" name="Content Placeholder 2"/>
+          <p:cNvSpPr>
+            <a:spLocks noGrp="1"/>
+          </p:cNvSpPr>
+          <p:nvPr>
+            <p:ph idx="1"/>
+          </p:nvPr>
+        </p:nvSpPr>
+        <p:spPr>
+          <a:xfrm>
+            <a:off x="1043492" y="2323652"/>
+            <a:ext cx="6777317" cy="4017226"/>
+          </a:xfrm>
+        </p:spPr>
+        <p:txBody>
+          <a:bodyPr>
+            <a:normAutofit fontScale="70000" lnSpcReduction="20000"/>
+          </a:bodyPr>
+          <a:lstStyle/>
+          <a:p>
+            <a:pPr marL="68580" indent="0">
+              <a:buNone/>
+            </a:pPr>
+            <a:r>
+              <a:rPr lang="en-US" b="1" dirty="0">
+                <a:ln w="12700">
+                  <a:solidFill>
+                    <a:schemeClr val="tx2">
+                      <a:satMod val="155000"/>
+                    </a:schemeClr>
+                  </a:solidFill>
+                  <a:prstDash val="solid"/>
+                </a:ln>
+                <a:solidFill>
+                  <a:schemeClr val="bg2">
+                    <a:tint val="85000"/>
+                    <a:satMod val="155000"/>
+                  </a:schemeClr>
+                </a:solidFill>
+                <a:effectLst>
+                  <a:outerShdw blurRad="41275" dist="20320" dir="1800000" algn="tl" rotWithShape="0">
+                    <a:srgbClr val="000000">
+                      <a:alpha val="40000"/>
+                    </a:srgbClr>
+                  </a:outerShdw>
+                </a:effectLst>
+              </a:rPr>
+              <a:t>ALL </a:t>
+            </a:r>
+            <a:r>
+              <a:rPr lang="en-US" b="1" dirty="0" err="1">
+                <a:ln w="12700">
+                  <a:solidFill>
+                    <a:schemeClr val="tx2">
+                      <a:satMod val="155000"/>
+                    </a:schemeClr>
+                  </a:solidFill>
+                  <a:prstDash val="solid"/>
+                </a:ln>
+                <a:solidFill>
+                  <a:schemeClr val="bg2">
+                    <a:tint val="85000"/>
+                    <a:satMod val="155000"/>
+                  </a:schemeClr>
+                </a:solidFill>
+                <a:effectLst>
+                  <a:outerShdw blurRad="41275" dist="20320" dir="1800000" algn="tl" rotWithShape="0">
+                    <a:srgbClr val="000000">
+                      <a:alpha val="40000"/>
+                    </a:srgbClr>
+                  </a:outerShdw>
+                </a:effectLst>
+              </a:rPr>
+              <a:t>js</a:t>
+            </a:r>
+            <a:r>
+              <a:rPr lang="en-US" b="1" dirty="0">
+                <a:ln w="12700">
+                  <a:solidFill>
+                    <a:schemeClr val="tx2">
+                      <a:satMod val="155000"/>
+                    </a:schemeClr>
+                  </a:solidFill>
+                  <a:prstDash val="solid"/>
+                </a:ln>
+                <a:solidFill>
+                  <a:schemeClr val="bg2">
+                    <a:tint val="85000"/>
+                    <a:satMod val="155000"/>
+                  </a:schemeClr>
+                </a:solidFill>
+                <a:effectLst>
+                  <a:outerShdw blurRad="41275" dist="20320" dir="1800000" algn="tl" rotWithShape="0">
+                    <a:srgbClr val="000000">
+                      <a:alpha val="40000"/>
+                    </a:srgbClr>
+                  </a:outerShdw>
+                </a:effectLst>
+              </a:rPr>
+              <a:t> frameworks have been added to the .</a:t>
+            </a:r>
+            <a:r>
+              <a:rPr lang="en-US" b="1" dirty="0" err="1">
+                <a:ln w="12700">
+                  <a:solidFill>
+                    <a:schemeClr val="tx2">
+                      <a:satMod val="155000"/>
+                    </a:schemeClr>
+                  </a:solidFill>
+                  <a:prstDash val="solid"/>
+                </a:ln>
+                <a:solidFill>
+                  <a:schemeClr val="bg2">
+                    <a:tint val="85000"/>
+                    <a:satMod val="155000"/>
+                  </a:schemeClr>
+                </a:solidFill>
+                <a:effectLst>
+                  <a:outerShdw blurRad="41275" dist="20320" dir="1800000" algn="tl" rotWithShape="0">
+                    <a:srgbClr val="000000">
+                      <a:alpha val="40000"/>
+                    </a:srgbClr>
+                  </a:outerShdw>
+                </a:effectLst>
+              </a:rPr>
+              <a:t>gitignore</a:t>
+            </a:r>
+            <a:r>
+              <a:rPr lang="en-US" b="1" dirty="0">
+                <a:ln w="12700">
+                  <a:solidFill>
+                    <a:schemeClr val="tx2">
+                      <a:satMod val="155000"/>
+                    </a:schemeClr>
+                  </a:solidFill>
+                  <a:prstDash val="solid"/>
+                </a:ln>
+                <a:solidFill>
+                  <a:schemeClr val="bg2">
+                    <a:tint val="85000"/>
+                    <a:satMod val="155000"/>
+                  </a:schemeClr>
+                </a:solidFill>
+                <a:effectLst>
+                  <a:outerShdw blurRad="41275" dist="20320" dir="1800000" algn="tl" rotWithShape="0">
+                    <a:srgbClr val="000000">
+                      <a:alpha val="40000"/>
+                    </a:srgbClr>
+                  </a:outerShdw>
+                </a:effectLst>
+              </a:rPr>
+              <a:t>. </a:t>
+            </a:r>
+            <a:r>
+              <a:rPr lang="en-US" b="1" dirty="0" smtClean="0">
+                <a:ln w="12700">
+                  <a:solidFill>
+                    <a:schemeClr val="tx2">
+                      <a:satMod val="155000"/>
+                    </a:schemeClr>
+                  </a:solidFill>
+                  <a:prstDash val="solid"/>
+                </a:ln>
+                <a:solidFill>
+                  <a:schemeClr val="bg2">
+                    <a:tint val="85000"/>
+                    <a:satMod val="155000"/>
+                  </a:schemeClr>
+                </a:solidFill>
+                <a:effectLst>
+                  <a:outerShdw blurRad="41275" dist="20320" dir="1800000" algn="tl" rotWithShape="0">
+                    <a:srgbClr val="000000">
+                      <a:alpha val="40000"/>
+                    </a:srgbClr>
+                  </a:outerShdw>
+                </a:effectLst>
+              </a:rPr>
+              <a:t>To </a:t>
+            </a:r>
+            <a:r>
+              <a:rPr lang="en-US" b="1" dirty="0">
+                <a:ln w="12700">
+                  <a:solidFill>
+                    <a:schemeClr val="tx2">
+                      <a:satMod val="155000"/>
+                    </a:schemeClr>
+                  </a:solidFill>
+                  <a:prstDash val="solid"/>
+                </a:ln>
+                <a:solidFill>
+                  <a:schemeClr val="bg2">
+                    <a:tint val="85000"/>
+                    <a:satMod val="155000"/>
+                  </a:schemeClr>
+                </a:solidFill>
+                <a:effectLst>
+                  <a:outerShdw blurRad="41275" dist="20320" dir="1800000" algn="tl" rotWithShape="0">
+                    <a:srgbClr val="000000">
+                      <a:alpha val="40000"/>
+                    </a:srgbClr>
+                  </a:outerShdw>
+                </a:effectLst>
+              </a:rPr>
+              <a:t>install and keep up to date with them follow these instructions:  </a:t>
+            </a:r>
+            <a:endParaRPr lang="en-US" b="1" dirty="0" smtClean="0">
+              <a:ln w="12700">
+                <a:solidFill>
+                  <a:schemeClr val="tx2">
+                    <a:satMod val="155000"/>
+                  </a:schemeClr>
+                </a:solidFill>
+                <a:prstDash val="solid"/>
+              </a:ln>
+              <a:solidFill>
+                <a:schemeClr val="bg2">
+                  <a:tint val="85000"/>
+                  <a:satMod val="155000"/>
+                </a:schemeClr>
+              </a:solidFill>
+              <a:effectLst>
+                <a:outerShdw blurRad="41275" dist="20320" dir="1800000" algn="tl" rotWithShape="0">
+                  <a:srgbClr val="000000">
+                    <a:alpha val="40000"/>
+                  </a:srgbClr>
+                </a:outerShdw>
+              </a:effectLst>
+            </a:endParaRPr>
+          </a:p>
+          <a:p>
+            <a:pPr marL="525780" indent="-457200">
+              <a:buAutoNum type="arabicPeriod"/>
+            </a:pPr>
+            <a:r>
+              <a:rPr lang="en-US" b="1" dirty="0" smtClean="0">
+                <a:ln w="12700">
+                  <a:solidFill>
+                    <a:schemeClr val="tx2">
+                      <a:satMod val="155000"/>
+                    </a:schemeClr>
+                  </a:solidFill>
+                  <a:prstDash val="solid"/>
+                </a:ln>
+                <a:solidFill>
+                  <a:schemeClr val="bg2">
+                    <a:tint val="85000"/>
+                    <a:satMod val="155000"/>
+                  </a:schemeClr>
+                </a:solidFill>
+                <a:effectLst>
+                  <a:outerShdw blurRad="41275" dist="20320" dir="1800000" algn="tl" rotWithShape="0">
+                    <a:srgbClr val="000000">
+                      <a:alpha val="40000"/>
+                    </a:srgbClr>
+                  </a:outerShdw>
+                </a:effectLst>
+              </a:rPr>
+              <a:t>Install </a:t>
+            </a:r>
+            <a:r>
+              <a:rPr lang="en-US" b="1" dirty="0" err="1">
+                <a:ln w="12700">
+                  <a:solidFill>
+                    <a:schemeClr val="tx2">
+                      <a:satMod val="155000"/>
+                    </a:schemeClr>
+                  </a:solidFill>
+                  <a:prstDash val="solid"/>
+                </a:ln>
+                <a:solidFill>
+                  <a:schemeClr val="bg2">
+                    <a:tint val="85000"/>
+                    <a:satMod val="155000"/>
+                  </a:schemeClr>
+                </a:solidFill>
+                <a:effectLst>
+                  <a:outerShdw blurRad="41275" dist="20320" dir="1800000" algn="tl" rotWithShape="0">
+                    <a:srgbClr val="000000">
+                      <a:alpha val="40000"/>
+                    </a:srgbClr>
+                  </a:outerShdw>
+                </a:effectLst>
+              </a:rPr>
+              <a:t>node.js</a:t>
+            </a:r>
+            <a:r>
+              <a:rPr lang="en-US" b="1" dirty="0">
+                <a:ln w="12700">
+                  <a:solidFill>
+                    <a:schemeClr val="tx2">
+                      <a:satMod val="155000"/>
+                    </a:schemeClr>
+                  </a:solidFill>
+                  <a:prstDash val="solid"/>
+                </a:ln>
+                <a:solidFill>
+                  <a:schemeClr val="bg2">
+                    <a:tint val="85000"/>
+                    <a:satMod val="155000"/>
+                  </a:schemeClr>
+                </a:solidFill>
+                <a:effectLst>
+                  <a:outerShdw blurRad="41275" dist="20320" dir="1800000" algn="tl" rotWithShape="0">
+                    <a:srgbClr val="000000">
+                      <a:alpha val="40000"/>
+                    </a:srgbClr>
+                  </a:outerShdw>
+                </a:effectLst>
+              </a:rPr>
+              <a:t> with </a:t>
+            </a:r>
+            <a:r>
+              <a:rPr lang="en-US" b="1" dirty="0" err="1">
+                <a:ln w="12700">
+                  <a:solidFill>
+                    <a:schemeClr val="tx2">
+                      <a:satMod val="155000"/>
+                    </a:schemeClr>
+                  </a:solidFill>
+                  <a:prstDash val="solid"/>
+                </a:ln>
+                <a:solidFill>
+                  <a:schemeClr val="bg2">
+                    <a:tint val="85000"/>
+                    <a:satMod val="155000"/>
+                  </a:schemeClr>
+                </a:solidFill>
+                <a:effectLst>
+                  <a:outerShdw blurRad="41275" dist="20320" dir="1800000" algn="tl" rotWithShape="0">
+                    <a:srgbClr val="000000">
+                      <a:alpha val="40000"/>
+                    </a:srgbClr>
+                  </a:outerShdw>
+                </a:effectLst>
+              </a:rPr>
+              <a:t>npm</a:t>
+            </a:r>
+            <a:r>
+              <a:rPr lang="en-US" b="1" dirty="0">
+                <a:ln w="12700">
+                  <a:solidFill>
+                    <a:schemeClr val="tx2">
+                      <a:satMod val="155000"/>
+                    </a:schemeClr>
+                  </a:solidFill>
+                  <a:prstDash val="solid"/>
+                </a:ln>
+                <a:solidFill>
+                  <a:schemeClr val="bg2">
+                    <a:tint val="85000"/>
+                    <a:satMod val="155000"/>
+                  </a:schemeClr>
+                </a:solidFill>
+                <a:effectLst>
+                  <a:outerShdw blurRad="41275" dist="20320" dir="1800000" algn="tl" rotWithShape="0">
+                    <a:srgbClr val="000000">
+                      <a:alpha val="40000"/>
+                    </a:srgbClr>
+                  </a:outerShdw>
+                </a:effectLst>
+              </a:rPr>
+              <a:t> (</a:t>
+            </a:r>
+            <a:r>
+              <a:rPr lang="en-US" b="1" dirty="0" err="1">
+                <a:ln w="12700">
+                  <a:solidFill>
+                    <a:schemeClr val="tx2">
+                      <a:satMod val="155000"/>
+                    </a:schemeClr>
+                  </a:solidFill>
+                  <a:prstDash val="solid"/>
+                </a:ln>
+                <a:solidFill>
+                  <a:schemeClr val="bg2">
+                    <a:tint val="85000"/>
+                    <a:satMod val="155000"/>
+                  </a:schemeClr>
+                </a:solidFill>
+                <a:effectLst>
+                  <a:outerShdw blurRad="41275" dist="20320" dir="1800000" algn="tl" rotWithShape="0">
+                    <a:srgbClr val="000000">
+                      <a:alpha val="40000"/>
+                    </a:srgbClr>
+                  </a:outerShdw>
+                </a:effectLst>
+              </a:rPr>
+              <a:t>npm</a:t>
+            </a:r>
+            <a:r>
+              <a:rPr lang="en-US" b="1" dirty="0">
+                <a:ln w="12700">
+                  <a:solidFill>
+                    <a:schemeClr val="tx2">
+                      <a:satMod val="155000"/>
+                    </a:schemeClr>
+                  </a:solidFill>
+                  <a:prstDash val="solid"/>
+                </a:ln>
+                <a:solidFill>
+                  <a:schemeClr val="bg2">
+                    <a:tint val="85000"/>
+                    <a:satMod val="155000"/>
+                  </a:schemeClr>
+                </a:solidFill>
+                <a:effectLst>
+                  <a:outerShdw blurRad="41275" dist="20320" dir="1800000" algn="tl" rotWithShape="0">
+                    <a:srgbClr val="000000">
+                      <a:alpha val="40000"/>
+                    </a:srgbClr>
+                  </a:outerShdw>
+                </a:effectLst>
+              </a:rPr>
+              <a:t> is a package manager. It usually downloads automatically with </a:t>
+            </a:r>
+            <a:r>
+              <a:rPr lang="en-US" b="1" dirty="0" err="1">
+                <a:ln w="12700">
+                  <a:solidFill>
+                    <a:schemeClr val="tx2">
+                      <a:satMod val="155000"/>
+                    </a:schemeClr>
+                  </a:solidFill>
+                  <a:prstDash val="solid"/>
+                </a:ln>
+                <a:solidFill>
+                  <a:schemeClr val="bg2">
+                    <a:tint val="85000"/>
+                    <a:satMod val="155000"/>
+                  </a:schemeClr>
+                </a:solidFill>
+                <a:effectLst>
+                  <a:outerShdw blurRad="41275" dist="20320" dir="1800000" algn="tl" rotWithShape="0">
+                    <a:srgbClr val="000000">
+                      <a:alpha val="40000"/>
+                    </a:srgbClr>
+                  </a:outerShdw>
+                </a:effectLst>
+              </a:rPr>
+              <a:t>node.js</a:t>
+            </a:r>
+            <a:r>
+              <a:rPr lang="en-US" b="1" dirty="0">
+                <a:ln w="12700">
+                  <a:solidFill>
+                    <a:schemeClr val="tx2">
+                      <a:satMod val="155000"/>
+                    </a:schemeClr>
+                  </a:solidFill>
+                  <a:prstDash val="solid"/>
+                </a:ln>
+                <a:solidFill>
+                  <a:schemeClr val="bg2">
+                    <a:tint val="85000"/>
+                    <a:satMod val="155000"/>
+                  </a:schemeClr>
+                </a:solidFill>
+                <a:effectLst>
+                  <a:outerShdw blurRad="41275" dist="20320" dir="1800000" algn="tl" rotWithShape="0">
+                    <a:srgbClr val="000000">
+                      <a:alpha val="40000"/>
+                    </a:srgbClr>
+                  </a:outerShdw>
+                </a:effectLst>
+              </a:rPr>
+              <a:t>. To check if you already have them installed or see the version you are using open </a:t>
+            </a:r>
+            <a:r>
+              <a:rPr lang="en-US" b="1" dirty="0" err="1">
+                <a:ln w="12700">
+                  <a:solidFill>
+                    <a:schemeClr val="tx2">
+                      <a:satMod val="155000"/>
+                    </a:schemeClr>
+                  </a:solidFill>
+                  <a:prstDash val="solid"/>
+                </a:ln>
+                <a:solidFill>
+                  <a:schemeClr val="bg2">
+                    <a:tint val="85000"/>
+                    <a:satMod val="155000"/>
+                  </a:schemeClr>
+                </a:solidFill>
+                <a:effectLst>
+                  <a:outerShdw blurRad="41275" dist="20320" dir="1800000" algn="tl" rotWithShape="0">
+                    <a:srgbClr val="000000">
+                      <a:alpha val="40000"/>
+                    </a:srgbClr>
+                  </a:outerShdw>
+                </a:effectLst>
+              </a:rPr>
+              <a:t>cmd</a:t>
+            </a:r>
+            <a:r>
+              <a:rPr lang="en-US" b="1" dirty="0">
+                <a:ln w="12700">
+                  <a:solidFill>
+                    <a:schemeClr val="tx2">
+                      <a:satMod val="155000"/>
+                    </a:schemeClr>
+                  </a:solidFill>
+                  <a:prstDash val="solid"/>
+                </a:ln>
+                <a:solidFill>
+                  <a:schemeClr val="bg2">
+                    <a:tint val="85000"/>
+                    <a:satMod val="155000"/>
+                  </a:schemeClr>
+                </a:solidFill>
+                <a:effectLst>
+                  <a:outerShdw blurRad="41275" dist="20320" dir="1800000" algn="tl" rotWithShape="0">
+                    <a:srgbClr val="000000">
+                      <a:alpha val="40000"/>
+                    </a:srgbClr>
+                  </a:outerShdw>
+                </a:effectLst>
+              </a:rPr>
+              <a:t> and run node -v (this will show the version installed) and </a:t>
+            </a:r>
+            <a:r>
+              <a:rPr lang="en-US" b="1" dirty="0" err="1">
+                <a:ln w="12700">
+                  <a:solidFill>
+                    <a:schemeClr val="tx2">
+                      <a:satMod val="155000"/>
+                    </a:schemeClr>
+                  </a:solidFill>
+                  <a:prstDash val="solid"/>
+                </a:ln>
+                <a:solidFill>
+                  <a:schemeClr val="bg2">
+                    <a:tint val="85000"/>
+                    <a:satMod val="155000"/>
+                  </a:schemeClr>
+                </a:solidFill>
+                <a:effectLst>
+                  <a:outerShdw blurRad="41275" dist="20320" dir="1800000" algn="tl" rotWithShape="0">
+                    <a:srgbClr val="000000">
+                      <a:alpha val="40000"/>
+                    </a:srgbClr>
+                  </a:outerShdw>
+                </a:effectLst>
+              </a:rPr>
+              <a:t>npm</a:t>
+            </a:r>
+            <a:r>
+              <a:rPr lang="en-US" b="1" dirty="0">
+                <a:ln w="12700">
+                  <a:solidFill>
+                    <a:schemeClr val="tx2">
+                      <a:satMod val="155000"/>
+                    </a:schemeClr>
+                  </a:solidFill>
+                  <a:prstDash val="solid"/>
+                </a:ln>
+                <a:solidFill>
+                  <a:schemeClr val="bg2">
+                    <a:tint val="85000"/>
+                    <a:satMod val="155000"/>
+                  </a:schemeClr>
+                </a:solidFill>
+                <a:effectLst>
+                  <a:outerShdw blurRad="41275" dist="20320" dir="1800000" algn="tl" rotWithShape="0">
+                    <a:srgbClr val="000000">
+                      <a:alpha val="40000"/>
+                    </a:srgbClr>
+                  </a:outerShdw>
+                </a:effectLst>
+              </a:rPr>
+              <a:t> list -g (this will list all globally installed packages) ) </a:t>
+            </a:r>
+            <a:endParaRPr lang="en-US" b="1" dirty="0" smtClean="0">
+              <a:ln w="12700">
+                <a:solidFill>
+                  <a:schemeClr val="tx2">
+                    <a:satMod val="155000"/>
+                  </a:schemeClr>
+                </a:solidFill>
+                <a:prstDash val="solid"/>
+              </a:ln>
+              <a:solidFill>
+                <a:schemeClr val="bg2">
+                  <a:tint val="85000"/>
+                  <a:satMod val="155000"/>
+                </a:schemeClr>
+              </a:solidFill>
+              <a:effectLst>
+                <a:outerShdw blurRad="41275" dist="20320" dir="1800000" algn="tl" rotWithShape="0">
+                  <a:srgbClr val="000000">
+                    <a:alpha val="40000"/>
+                  </a:srgbClr>
+                </a:outerShdw>
+              </a:effectLst>
+            </a:endParaRPr>
+          </a:p>
+          <a:p>
+            <a:pPr marL="525780" indent="-457200">
+              <a:buAutoNum type="arabicPeriod"/>
+            </a:pPr>
+            <a:r>
+              <a:rPr lang="en-US" b="1" dirty="0" smtClean="0">
+                <a:ln w="12700">
+                  <a:solidFill>
+                    <a:schemeClr val="tx2">
+                      <a:satMod val="155000"/>
+                    </a:schemeClr>
+                  </a:solidFill>
+                  <a:prstDash val="solid"/>
+                </a:ln>
+                <a:solidFill>
+                  <a:schemeClr val="bg2">
+                    <a:tint val="85000"/>
+                    <a:satMod val="155000"/>
+                  </a:schemeClr>
+                </a:solidFill>
+                <a:effectLst>
+                  <a:outerShdw blurRad="41275" dist="20320" dir="1800000" algn="tl" rotWithShape="0">
+                    <a:srgbClr val="000000">
+                      <a:alpha val="40000"/>
+                    </a:srgbClr>
+                  </a:outerShdw>
+                </a:effectLst>
+              </a:rPr>
+              <a:t>Install </a:t>
+            </a:r>
+            <a:r>
+              <a:rPr lang="en-US" b="1" dirty="0">
+                <a:ln w="12700">
+                  <a:solidFill>
+                    <a:schemeClr val="tx2">
+                      <a:satMod val="155000"/>
+                    </a:schemeClr>
+                  </a:solidFill>
+                  <a:prstDash val="solid"/>
+                </a:ln>
+                <a:solidFill>
+                  <a:schemeClr val="bg2">
+                    <a:tint val="85000"/>
+                    <a:satMod val="155000"/>
+                  </a:schemeClr>
+                </a:solidFill>
+                <a:effectLst>
+                  <a:outerShdw blurRad="41275" dist="20320" dir="1800000" algn="tl" rotWithShape="0">
+                    <a:srgbClr val="000000">
+                      <a:alpha val="40000"/>
+                    </a:srgbClr>
+                  </a:outerShdw>
+                </a:effectLst>
+              </a:rPr>
+              <a:t>bower http://</a:t>
+            </a:r>
+            <a:r>
+              <a:rPr lang="en-US" b="1" dirty="0" err="1">
+                <a:ln w="12700">
+                  <a:solidFill>
+                    <a:schemeClr val="tx2">
+                      <a:satMod val="155000"/>
+                    </a:schemeClr>
+                  </a:solidFill>
+                  <a:prstDash val="solid"/>
+                </a:ln>
+                <a:solidFill>
+                  <a:schemeClr val="bg2">
+                    <a:tint val="85000"/>
+                    <a:satMod val="155000"/>
+                  </a:schemeClr>
+                </a:solidFill>
+                <a:effectLst>
+                  <a:outerShdw blurRad="41275" dist="20320" dir="1800000" algn="tl" rotWithShape="0">
+                    <a:srgbClr val="000000">
+                      <a:alpha val="40000"/>
+                    </a:srgbClr>
+                  </a:outerShdw>
+                </a:effectLst>
+              </a:rPr>
+              <a:t>bower.io</a:t>
+            </a:r>
+            <a:r>
+              <a:rPr lang="en-US" b="1" dirty="0">
+                <a:ln w="12700">
+                  <a:solidFill>
+                    <a:schemeClr val="tx2">
+                      <a:satMod val="155000"/>
+                    </a:schemeClr>
+                  </a:solidFill>
+                  <a:prstDash val="solid"/>
+                </a:ln>
+                <a:solidFill>
+                  <a:schemeClr val="bg2">
+                    <a:tint val="85000"/>
+                    <a:satMod val="155000"/>
+                  </a:schemeClr>
+                </a:solidFill>
+                <a:effectLst>
+                  <a:outerShdw blurRad="41275" dist="20320" dir="1800000" algn="tl" rotWithShape="0">
+                    <a:srgbClr val="000000">
+                      <a:alpha val="40000"/>
+                    </a:srgbClr>
+                  </a:outerShdw>
+                </a:effectLst>
+              </a:rPr>
+              <a:t>/#install-bower  *run commands from </a:t>
+            </a:r>
+            <a:r>
+              <a:rPr lang="en-US" b="1" dirty="0" err="1">
+                <a:ln w="12700">
+                  <a:solidFill>
+                    <a:schemeClr val="tx2">
+                      <a:satMod val="155000"/>
+                    </a:schemeClr>
+                  </a:solidFill>
+                  <a:prstDash val="solid"/>
+                </a:ln>
+                <a:solidFill>
+                  <a:schemeClr val="bg2">
+                    <a:tint val="85000"/>
+                    <a:satMod val="155000"/>
+                  </a:schemeClr>
+                </a:solidFill>
+                <a:effectLst>
+                  <a:outerShdw blurRad="41275" dist="20320" dir="1800000" algn="tl" rotWithShape="0">
+                    <a:srgbClr val="000000">
+                      <a:alpha val="40000"/>
+                    </a:srgbClr>
+                  </a:outerShdw>
+                </a:effectLst>
+              </a:rPr>
+              <a:t>git</a:t>
+            </a:r>
+            <a:r>
+              <a:rPr lang="en-US" b="1" dirty="0">
+                <a:ln w="12700">
+                  <a:solidFill>
+                    <a:schemeClr val="tx2">
+                      <a:satMod val="155000"/>
+                    </a:schemeClr>
+                  </a:solidFill>
+                  <a:prstDash val="solid"/>
+                </a:ln>
+                <a:solidFill>
+                  <a:schemeClr val="bg2">
+                    <a:tint val="85000"/>
+                    <a:satMod val="155000"/>
+                  </a:schemeClr>
+                </a:solidFill>
+                <a:effectLst>
+                  <a:outerShdw blurRad="41275" dist="20320" dir="1800000" algn="tl" rotWithShape="0">
+                    <a:srgbClr val="000000">
+                      <a:alpha val="40000"/>
+                    </a:srgbClr>
+                  </a:outerShdw>
+                </a:effectLst>
+              </a:rPr>
+              <a:t> shell  </a:t>
+            </a:r>
+            <a:endParaRPr lang="en-US" b="1" dirty="0" smtClean="0">
+              <a:ln w="12700">
+                <a:solidFill>
+                  <a:schemeClr val="tx2">
+                    <a:satMod val="155000"/>
+                  </a:schemeClr>
+                </a:solidFill>
+                <a:prstDash val="solid"/>
+              </a:ln>
+              <a:solidFill>
+                <a:schemeClr val="bg2">
+                  <a:tint val="85000"/>
+                  <a:satMod val="155000"/>
+                </a:schemeClr>
+              </a:solidFill>
+              <a:effectLst>
+                <a:outerShdw blurRad="41275" dist="20320" dir="1800000" algn="tl" rotWithShape="0">
+                  <a:srgbClr val="000000">
+                    <a:alpha val="40000"/>
+                  </a:srgbClr>
+                </a:outerShdw>
+              </a:effectLst>
+            </a:endParaRPr>
+          </a:p>
+          <a:p>
+            <a:pPr marL="525780" indent="-457200">
+              <a:buAutoNum type="arabicPeriod"/>
+            </a:pPr>
+            <a:r>
+              <a:rPr lang="en-US" b="1" smtClean="0">
+                <a:ln w="12700">
+                  <a:solidFill>
+                    <a:schemeClr val="tx2">
+                      <a:satMod val="155000"/>
+                    </a:schemeClr>
+                  </a:solidFill>
+                  <a:prstDash val="solid"/>
+                </a:ln>
+                <a:solidFill>
+                  <a:schemeClr val="bg2">
+                    <a:tint val="85000"/>
+                    <a:satMod val="155000"/>
+                  </a:schemeClr>
+                </a:solidFill>
+                <a:effectLst>
+                  <a:outerShdw blurRad="41275" dist="20320" dir="1800000" algn="tl" rotWithShape="0">
+                    <a:srgbClr val="000000">
+                      <a:alpha val="40000"/>
+                    </a:srgbClr>
+                  </a:outerShdw>
+                </a:effectLst>
+              </a:rPr>
+              <a:t>Go </a:t>
+            </a:r>
+            <a:r>
+              <a:rPr lang="en-US" b="1" dirty="0">
+                <a:ln w="12700">
+                  <a:solidFill>
+                    <a:schemeClr val="tx2">
+                      <a:satMod val="155000"/>
+                    </a:schemeClr>
+                  </a:solidFill>
+                  <a:prstDash val="solid"/>
+                </a:ln>
+                <a:solidFill>
+                  <a:schemeClr val="bg2">
+                    <a:tint val="85000"/>
+                    <a:satMod val="155000"/>
+                  </a:schemeClr>
+                </a:solidFill>
+                <a:effectLst>
+                  <a:outerShdw blurRad="41275" dist="20320" dir="1800000" algn="tl" rotWithShape="0">
+                    <a:srgbClr val="000000">
+                      <a:alpha val="40000"/>
+                    </a:srgbClr>
+                  </a:outerShdw>
+                </a:effectLst>
+              </a:rPr>
+              <a:t>to the </a:t>
+            </a:r>
+            <a:r>
+              <a:rPr lang="en-US" b="1" dirty="0" err="1">
+                <a:ln w="12700">
+                  <a:solidFill>
+                    <a:schemeClr val="tx2">
+                      <a:satMod val="155000"/>
+                    </a:schemeClr>
+                  </a:solidFill>
+                  <a:prstDash val="solid"/>
+                </a:ln>
+                <a:solidFill>
+                  <a:schemeClr val="bg2">
+                    <a:tint val="85000"/>
+                    <a:satMod val="155000"/>
+                  </a:schemeClr>
+                </a:solidFill>
+                <a:effectLst>
+                  <a:outerShdw blurRad="41275" dist="20320" dir="1800000" algn="tl" rotWithShape="0">
+                    <a:srgbClr val="000000">
+                      <a:alpha val="40000"/>
+                    </a:srgbClr>
+                  </a:outerShdw>
+                </a:effectLst>
+              </a:rPr>
+              <a:t>js</a:t>
+            </a:r>
+            <a:r>
+              <a:rPr lang="en-US" b="1" dirty="0">
+                <a:ln w="12700">
+                  <a:solidFill>
+                    <a:schemeClr val="tx2">
+                      <a:satMod val="155000"/>
+                    </a:schemeClr>
+                  </a:solidFill>
+                  <a:prstDash val="solid"/>
+                </a:ln>
+                <a:solidFill>
+                  <a:schemeClr val="bg2">
+                    <a:tint val="85000"/>
+                    <a:satMod val="155000"/>
+                  </a:schemeClr>
+                </a:solidFill>
+                <a:effectLst>
+                  <a:outerShdw blurRad="41275" dist="20320" dir="1800000" algn="tl" rotWithShape="0">
+                    <a:srgbClr val="000000">
+                      <a:alpha val="40000"/>
+                    </a:srgbClr>
+                  </a:outerShdw>
+                </a:effectLst>
+              </a:rPr>
+              <a:t> directory in the repository (in the </a:t>
+            </a:r>
+            <a:r>
+              <a:rPr lang="en-US" b="1" dirty="0" err="1">
+                <a:ln w="12700">
+                  <a:solidFill>
+                    <a:schemeClr val="tx2">
+                      <a:satMod val="155000"/>
+                    </a:schemeClr>
+                  </a:solidFill>
+                  <a:prstDash val="solid"/>
+                </a:ln>
+                <a:solidFill>
+                  <a:schemeClr val="bg2">
+                    <a:tint val="85000"/>
+                    <a:satMod val="155000"/>
+                  </a:schemeClr>
+                </a:solidFill>
+                <a:effectLst>
+                  <a:outerShdw blurRad="41275" dist="20320" dir="1800000" algn="tl" rotWithShape="0">
+                    <a:srgbClr val="000000">
+                      <a:alpha val="40000"/>
+                    </a:srgbClr>
+                  </a:outerShdw>
+                </a:effectLst>
+              </a:rPr>
+              <a:t>git</a:t>
+            </a:r>
+            <a:r>
+              <a:rPr lang="en-US" b="1" dirty="0">
+                <a:ln w="12700">
+                  <a:solidFill>
+                    <a:schemeClr val="tx2">
+                      <a:satMod val="155000"/>
+                    </a:schemeClr>
+                  </a:solidFill>
+                  <a:prstDash val="solid"/>
+                </a:ln>
+                <a:solidFill>
+                  <a:schemeClr val="bg2">
+                    <a:tint val="85000"/>
+                    <a:satMod val="155000"/>
+                  </a:schemeClr>
+                </a:solidFill>
+                <a:effectLst>
+                  <a:outerShdw blurRad="41275" dist="20320" dir="1800000" algn="tl" rotWithShape="0">
+                    <a:srgbClr val="000000">
+                      <a:alpha val="40000"/>
+                    </a:srgbClr>
+                  </a:outerShdw>
+                </a:effectLst>
+              </a:rPr>
+              <a:t> shell again) and run bower install - this will install all the libraries you'll need and if any others are added you can use the same command to keep everything up to date</a:t>
+            </a:r>
+          </a:p>
+        </p:txBody>
+      </p:sp>
+    </p:spTree>
+    <p:extLst>
+      <p:ext uri="{BB962C8B-B14F-4D97-AF65-F5344CB8AC3E}">
+        <p14:creationId xmlns:p14="http://schemas.microsoft.com/office/powerpoint/2010/main" val="1188152904"/>
+      </p:ext>
+    </p:extLst>
+  </p:cSld>
+  <p:clrMapOvr>
+    <a:masterClrMapping/>
+  </p:clrMapOvr>
+</p:sld>
+</file>
+
+<file path=ppt/slides/slide4.xml><?xml version="1.0" encoding="utf-8"?>
+<p:sld xmlns:a="http://schemas.openxmlformats.org/drawingml/2006/main" xmlns:r="http://schemas.openxmlformats.org/officeDocument/2006/relationships" xmlns:p="http://schemas.openxmlformats.org/presentationml/2006/main">
+  <p:cSld>
+    <p:spTree>
+      <p:nvGrpSpPr>
+        <p:cNvPr id="1" name=""/>
+        <p:cNvGrpSpPr/>
+        <p:nvPr/>
+      </p:nvGrpSpPr>
+      <p:grpSpPr>
+        <a:xfrm>
+          <a:off x="0" y="0"/>
+          <a:ext cx="0" cy="0"/>
+          <a:chOff x="0" y="0"/>
+          <a:chExt cx="0" cy="0"/>
+        </a:xfrm>
+      </p:grpSpPr>
+      <p:sp>
+        <p:nvSpPr>
+          <p:cNvPr id="2" name="Title 1"/>
+          <p:cNvSpPr>
+            <a:spLocks noGrp="1"/>
+          </p:cNvSpPr>
+          <p:nvPr>
+            <p:ph type="title"/>
+          </p:nvPr>
+        </p:nvSpPr>
+        <p:spPr/>
+        <p:txBody>
+          <a:bodyPr/>
+          <a:lstStyle/>
+          <a:p>
+            <a:endParaRPr lang="en-US"/>
+          </a:p>
+        </p:txBody>
+      </p:sp>
+      <p:sp>
+        <p:nvSpPr>
+          <p:cNvPr id="3" name="Content Placeholder 2"/>
+          <p:cNvSpPr>
+            <a:spLocks noGrp="1"/>
+          </p:cNvSpPr>
+          <p:nvPr>
+            <p:ph idx="1"/>
+          </p:nvPr>
+        </p:nvSpPr>
+        <p:spPr/>
+        <p:txBody>
+          <a:bodyPr/>
+          <a:lstStyle/>
+          <a:p>
+            <a:endParaRPr lang="en-US"/>
+          </a:p>
+        </p:txBody>
+      </p:sp>
+    </p:spTree>
+    <p:extLst>
+      <p:ext uri="{BB962C8B-B14F-4D97-AF65-F5344CB8AC3E}">
+        <p14:creationId xmlns:p14="http://schemas.microsoft.com/office/powerpoint/2010/main" val="2777573611"/>
       </p:ext>
     </p:extLst>
   </p:cSld>

--- a/cognitio.pptx
+++ b/cognitio.pptx
@@ -9,6 +9,7 @@
     <p:sldId id="257" r:id="rId3"/>
     <p:sldId id="258" r:id="rId4"/>
     <p:sldId id="259" r:id="rId5"/>
+    <p:sldId id="260" r:id="rId6"/>
   </p:sldIdLst>
   <p:sldSz cx="9144000" cy="6858000" type="screen4x3"/>
   <p:notesSz cx="6858000" cy="9144000"/>
@@ -16167,10 +16168,66 @@
         </p:nvSpPr>
         <p:spPr/>
         <p:txBody>
-          <a:bodyPr/>
+          <a:bodyPr>
+            <a:scene3d>
+              <a:camera prst="orthographicFront"/>
+              <a:lightRig rig="threePt" dir="t"/>
+            </a:scene3d>
+            <a:sp3d extrusionH="57150">
+              <a:bevelT w="38100" h="38100" prst="relaxedInset"/>
+            </a:sp3d>
+          </a:bodyPr>
           <a:lstStyle/>
           <a:p>
-            <a:endParaRPr lang="en-US"/>
+            <a:r>
+              <a:rPr lang="en-US" b="1" dirty="0" smtClean="0">
+                <a:ln w="12700">
+                  <a:solidFill>
+                    <a:schemeClr val="tx2">
+                      <a:satMod val="155000"/>
+                    </a:schemeClr>
+                  </a:solidFill>
+                  <a:prstDash val="solid"/>
+                </a:ln>
+                <a:solidFill>
+                  <a:schemeClr val="bg2">
+                    <a:tint val="85000"/>
+                    <a:satMod val="155000"/>
+                  </a:schemeClr>
+                </a:solidFill>
+                <a:effectLst>
+                  <a:outerShdw blurRad="41275" dist="20320" dir="1800000" algn="tl" rotWithShape="0">
+                    <a:srgbClr val="000000">
+                      <a:alpha val="40000"/>
+                    </a:srgbClr>
+                  </a:outerShdw>
+                </a:effectLst>
+              </a:rPr>
+              <a:t>We are team PHLOX</a:t>
+            </a:r>
+            <a:endParaRPr lang="en-US" b="1" dirty="0">
+              <a:ln w="12700">
+                <a:solidFill>
+                  <a:schemeClr val="tx2">
+                    <a:satMod val="155000"/>
+                  </a:schemeClr>
+                </a:solidFill>
+                <a:prstDash val="solid"/>
+              </a:ln>
+              <a:solidFill>
+                <a:schemeClr val="bg2">
+                  <a:tint val="85000"/>
+                  <a:satMod val="155000"/>
+                </a:schemeClr>
+              </a:solidFill>
+              <a:effectLst>
+                <a:outerShdw blurRad="41275" dist="20320" dir="1800000" algn="tl" rotWithShape="0">
+                  <a:srgbClr val="000000">
+                    <a:alpha val="40000"/>
+                  </a:srgbClr>
+                </a:outerShdw>
+              </a:effectLst>
+            </a:endParaRPr>
           </a:p>
         </p:txBody>
       </p:sp>
@@ -16186,10 +16243,608 @@
         </p:nvSpPr>
         <p:spPr/>
         <p:txBody>
-          <a:bodyPr/>
+          <a:bodyPr>
+            <a:scene3d>
+              <a:camera prst="orthographicFront"/>
+              <a:lightRig rig="threePt" dir="t"/>
+            </a:scene3d>
+            <a:sp3d extrusionH="57150">
+              <a:bevelT w="38100" h="38100" prst="relaxedInset"/>
+            </a:sp3d>
+          </a:bodyPr>
           <a:lstStyle/>
           <a:p>
-            <a:endParaRPr lang="en-US"/>
+            <a:pPr marL="68580" indent="0">
+              <a:buNone/>
+            </a:pPr>
+            <a:r>
+              <a:rPr lang="en-US" b="1" dirty="0" smtClean="0">
+                <a:ln w="12700">
+                  <a:solidFill>
+                    <a:schemeClr val="tx2">
+                      <a:satMod val="155000"/>
+                    </a:schemeClr>
+                  </a:solidFill>
+                  <a:prstDash val="solid"/>
+                </a:ln>
+                <a:solidFill>
+                  <a:schemeClr val="bg2">
+                    <a:tint val="85000"/>
+                    <a:satMod val="155000"/>
+                  </a:schemeClr>
+                </a:solidFill>
+                <a:effectLst>
+                  <a:outerShdw blurRad="41275" dist="20320" dir="1800000" algn="tl" rotWithShape="0">
+                    <a:srgbClr val="000000">
+                      <a:alpha val="40000"/>
+                    </a:srgbClr>
+                  </a:outerShdw>
+                </a:effectLst>
+              </a:rPr>
+              <a:t>-Ivan </a:t>
+            </a:r>
+            <a:r>
+              <a:rPr lang="en-US" b="1" dirty="0" err="1" smtClean="0">
+                <a:ln w="12700">
+                  <a:solidFill>
+                    <a:schemeClr val="tx2">
+                      <a:satMod val="155000"/>
+                    </a:schemeClr>
+                  </a:solidFill>
+                  <a:prstDash val="solid"/>
+                </a:ln>
+                <a:solidFill>
+                  <a:schemeClr val="bg2">
+                    <a:tint val="85000"/>
+                    <a:satMod val="155000"/>
+                  </a:schemeClr>
+                </a:solidFill>
+                <a:effectLst>
+                  <a:outerShdw blurRad="41275" dist="20320" dir="1800000" algn="tl" rotWithShape="0">
+                    <a:srgbClr val="000000">
+                      <a:alpha val="40000"/>
+                    </a:srgbClr>
+                  </a:outerShdw>
+                </a:effectLst>
+              </a:rPr>
+              <a:t>Zahariev</a:t>
+            </a:r>
+            <a:r>
+              <a:rPr lang="en-US" b="1" dirty="0">
+                <a:ln w="12700">
+                  <a:solidFill>
+                    <a:schemeClr val="tx2">
+                      <a:satMod val="155000"/>
+                    </a:schemeClr>
+                  </a:solidFill>
+                  <a:prstDash val="solid"/>
+                </a:ln>
+                <a:solidFill>
+                  <a:schemeClr val="bg2">
+                    <a:tint val="85000"/>
+                    <a:satMod val="155000"/>
+                  </a:schemeClr>
+                </a:solidFill>
+                <a:effectLst>
+                  <a:outerShdw blurRad="41275" dist="20320" dir="1800000" algn="tl" rotWithShape="0">
+                    <a:srgbClr val="000000">
+                      <a:alpha val="40000"/>
+                    </a:srgbClr>
+                  </a:outerShdw>
+                </a:effectLst>
+              </a:rPr>
+              <a:t> </a:t>
+            </a:r>
+          </a:p>
+          <a:p>
+            <a:pPr marL="68580" indent="0">
+              <a:buNone/>
+            </a:pPr>
+            <a:r>
+              <a:rPr lang="en-US" b="1" dirty="0" smtClean="0">
+                <a:ln w="12700">
+                  <a:solidFill>
+                    <a:schemeClr val="tx2">
+                      <a:satMod val="155000"/>
+                    </a:schemeClr>
+                  </a:solidFill>
+                  <a:prstDash val="solid"/>
+                </a:ln>
+                <a:solidFill>
+                  <a:schemeClr val="bg2">
+                    <a:tint val="85000"/>
+                    <a:satMod val="155000"/>
+                  </a:schemeClr>
+                </a:solidFill>
+                <a:effectLst>
+                  <a:outerShdw blurRad="41275" dist="20320" dir="1800000" algn="tl" rotWithShape="0">
+                    <a:srgbClr val="000000">
+                      <a:alpha val="40000"/>
+                    </a:srgbClr>
+                  </a:outerShdw>
+                </a:effectLst>
+              </a:rPr>
+              <a:t>-</a:t>
+            </a:r>
+            <a:r>
+              <a:rPr lang="en-US" b="1" dirty="0" err="1" smtClean="0">
+                <a:ln w="12700">
+                  <a:solidFill>
+                    <a:schemeClr val="tx2">
+                      <a:satMod val="155000"/>
+                    </a:schemeClr>
+                  </a:solidFill>
+                  <a:prstDash val="solid"/>
+                </a:ln>
+                <a:solidFill>
+                  <a:schemeClr val="bg2">
+                    <a:tint val="85000"/>
+                    <a:satMod val="155000"/>
+                  </a:schemeClr>
+                </a:solidFill>
+                <a:effectLst>
+                  <a:outerShdw blurRad="41275" dist="20320" dir="1800000" algn="tl" rotWithShape="0">
+                    <a:srgbClr val="000000">
+                      <a:alpha val="40000"/>
+                    </a:srgbClr>
+                  </a:outerShdw>
+                </a:effectLst>
+              </a:rPr>
+              <a:t>Ivaylo</a:t>
+            </a:r>
+            <a:r>
+              <a:rPr lang="en-US" b="1" dirty="0" smtClean="0">
+                <a:ln w="12700">
+                  <a:solidFill>
+                    <a:schemeClr val="tx2">
+                      <a:satMod val="155000"/>
+                    </a:schemeClr>
+                  </a:solidFill>
+                  <a:prstDash val="solid"/>
+                </a:ln>
+                <a:solidFill>
+                  <a:schemeClr val="bg2">
+                    <a:tint val="85000"/>
+                    <a:satMod val="155000"/>
+                  </a:schemeClr>
+                </a:solidFill>
+                <a:effectLst>
+                  <a:outerShdw blurRad="41275" dist="20320" dir="1800000" algn="tl" rotWithShape="0">
+                    <a:srgbClr val="000000">
+                      <a:alpha val="40000"/>
+                    </a:srgbClr>
+                  </a:outerShdw>
+                </a:effectLst>
+              </a:rPr>
+              <a:t> </a:t>
+            </a:r>
+            <a:r>
+              <a:rPr lang="en-US" b="1" dirty="0" err="1" smtClean="0">
+                <a:ln w="12700">
+                  <a:solidFill>
+                    <a:schemeClr val="tx2">
+                      <a:satMod val="155000"/>
+                    </a:schemeClr>
+                  </a:solidFill>
+                  <a:prstDash val="solid"/>
+                </a:ln>
+                <a:solidFill>
+                  <a:schemeClr val="bg2">
+                    <a:tint val="85000"/>
+                    <a:satMod val="155000"/>
+                  </a:schemeClr>
+                </a:solidFill>
+                <a:effectLst>
+                  <a:outerShdw blurRad="41275" dist="20320" dir="1800000" algn="tl" rotWithShape="0">
+                    <a:srgbClr val="000000">
+                      <a:alpha val="40000"/>
+                    </a:srgbClr>
+                  </a:outerShdw>
+                </a:effectLst>
+              </a:rPr>
+              <a:t>Papazov</a:t>
+            </a:r>
+            <a:endParaRPr lang="en-US" b="1" dirty="0" smtClean="0">
+              <a:ln w="12700">
+                <a:solidFill>
+                  <a:schemeClr val="tx2">
+                    <a:satMod val="155000"/>
+                  </a:schemeClr>
+                </a:solidFill>
+                <a:prstDash val="solid"/>
+              </a:ln>
+              <a:solidFill>
+                <a:schemeClr val="bg2">
+                  <a:tint val="85000"/>
+                  <a:satMod val="155000"/>
+                </a:schemeClr>
+              </a:solidFill>
+              <a:effectLst>
+                <a:outerShdw blurRad="41275" dist="20320" dir="1800000" algn="tl" rotWithShape="0">
+                  <a:srgbClr val="000000">
+                    <a:alpha val="40000"/>
+                  </a:srgbClr>
+                </a:outerShdw>
+              </a:effectLst>
+            </a:endParaRPr>
+          </a:p>
+          <a:p>
+            <a:pPr marL="68580" indent="0">
+              <a:buNone/>
+            </a:pPr>
+            <a:r>
+              <a:rPr lang="en-US" b="1" dirty="0" smtClean="0">
+                <a:ln w="12700">
+                  <a:solidFill>
+                    <a:schemeClr val="tx2">
+                      <a:satMod val="155000"/>
+                    </a:schemeClr>
+                  </a:solidFill>
+                  <a:prstDash val="solid"/>
+                </a:ln>
+                <a:solidFill>
+                  <a:schemeClr val="bg2">
+                    <a:tint val="85000"/>
+                    <a:satMod val="155000"/>
+                  </a:schemeClr>
+                </a:solidFill>
+                <a:effectLst>
+                  <a:outerShdw blurRad="41275" dist="20320" dir="1800000" algn="tl" rotWithShape="0">
+                    <a:srgbClr val="000000">
+                      <a:alpha val="40000"/>
+                    </a:srgbClr>
+                  </a:outerShdw>
+                </a:effectLst>
+              </a:rPr>
+              <a:t>-</a:t>
+            </a:r>
+            <a:r>
+              <a:rPr lang="en-US" b="1" dirty="0" err="1" smtClean="0">
+                <a:ln w="12700">
+                  <a:solidFill>
+                    <a:schemeClr val="tx2">
+                      <a:satMod val="155000"/>
+                    </a:schemeClr>
+                  </a:solidFill>
+                  <a:prstDash val="solid"/>
+                </a:ln>
+                <a:solidFill>
+                  <a:schemeClr val="bg2">
+                    <a:tint val="85000"/>
+                    <a:satMod val="155000"/>
+                  </a:schemeClr>
+                </a:solidFill>
+                <a:effectLst>
+                  <a:outerShdw blurRad="41275" dist="20320" dir="1800000" algn="tl" rotWithShape="0">
+                    <a:srgbClr val="000000">
+                      <a:alpha val="40000"/>
+                    </a:srgbClr>
+                  </a:outerShdw>
+                </a:effectLst>
+              </a:rPr>
+              <a:t>Aleksandar</a:t>
+            </a:r>
+            <a:endParaRPr lang="en-US" b="1" dirty="0" smtClean="0">
+              <a:ln w="12700">
+                <a:solidFill>
+                  <a:schemeClr val="tx2">
+                    <a:satMod val="155000"/>
+                  </a:schemeClr>
+                </a:solidFill>
+                <a:prstDash val="solid"/>
+              </a:ln>
+              <a:solidFill>
+                <a:schemeClr val="bg2">
+                  <a:tint val="85000"/>
+                  <a:satMod val="155000"/>
+                </a:schemeClr>
+              </a:solidFill>
+              <a:effectLst>
+                <a:outerShdw blurRad="41275" dist="20320" dir="1800000" algn="tl" rotWithShape="0">
+                  <a:srgbClr val="000000">
+                    <a:alpha val="40000"/>
+                  </a:srgbClr>
+                </a:outerShdw>
+              </a:effectLst>
+            </a:endParaRPr>
+          </a:p>
+          <a:p>
+            <a:pPr marL="68580" indent="0">
+              <a:buNone/>
+            </a:pPr>
+            <a:r>
+              <a:rPr lang="en-US" b="1" dirty="0" smtClean="0">
+                <a:ln w="12700">
+                  <a:solidFill>
+                    <a:schemeClr val="tx2">
+                      <a:satMod val="155000"/>
+                    </a:schemeClr>
+                  </a:solidFill>
+                  <a:prstDash val="solid"/>
+                </a:ln>
+                <a:solidFill>
+                  <a:schemeClr val="bg2">
+                    <a:tint val="85000"/>
+                    <a:satMod val="155000"/>
+                  </a:schemeClr>
+                </a:solidFill>
+                <a:effectLst>
+                  <a:outerShdw blurRad="41275" dist="20320" dir="1800000" algn="tl" rotWithShape="0">
+                    <a:srgbClr val="000000">
+                      <a:alpha val="40000"/>
+                    </a:srgbClr>
+                  </a:outerShdw>
+                </a:effectLst>
+              </a:rPr>
+              <a:t>-Adriana </a:t>
+            </a:r>
+            <a:r>
+              <a:rPr lang="en-US" b="1" dirty="0" err="1" smtClean="0">
+                <a:ln w="12700">
+                  <a:solidFill>
+                    <a:schemeClr val="tx2">
+                      <a:satMod val="155000"/>
+                    </a:schemeClr>
+                  </a:solidFill>
+                  <a:prstDash val="solid"/>
+                </a:ln>
+                <a:solidFill>
+                  <a:schemeClr val="bg2">
+                    <a:tint val="85000"/>
+                    <a:satMod val="155000"/>
+                  </a:schemeClr>
+                </a:solidFill>
+                <a:effectLst>
+                  <a:outerShdw blurRad="41275" dist="20320" dir="1800000" algn="tl" rotWithShape="0">
+                    <a:srgbClr val="000000">
+                      <a:alpha val="40000"/>
+                    </a:srgbClr>
+                  </a:outerShdw>
+                </a:effectLst>
+              </a:rPr>
+              <a:t>Aleksandrova</a:t>
+            </a:r>
+            <a:endParaRPr lang="en-US" b="1" dirty="0" smtClean="0">
+              <a:ln w="12700">
+                <a:solidFill>
+                  <a:schemeClr val="tx2">
+                    <a:satMod val="155000"/>
+                  </a:schemeClr>
+                </a:solidFill>
+                <a:prstDash val="solid"/>
+              </a:ln>
+              <a:solidFill>
+                <a:schemeClr val="bg2">
+                  <a:tint val="85000"/>
+                  <a:satMod val="155000"/>
+                </a:schemeClr>
+              </a:solidFill>
+              <a:effectLst>
+                <a:outerShdw blurRad="41275" dist="20320" dir="1800000" algn="tl" rotWithShape="0">
+                  <a:srgbClr val="000000">
+                    <a:alpha val="40000"/>
+                  </a:srgbClr>
+                </a:outerShdw>
+              </a:effectLst>
+            </a:endParaRPr>
+          </a:p>
+          <a:p>
+            <a:pPr marL="68580" indent="0">
+              <a:buNone/>
+            </a:pPr>
+            <a:r>
+              <a:rPr lang="en-US" b="1" dirty="0" smtClean="0">
+                <a:ln w="12700">
+                  <a:solidFill>
+                    <a:schemeClr val="tx2">
+                      <a:satMod val="155000"/>
+                    </a:schemeClr>
+                  </a:solidFill>
+                  <a:prstDash val="solid"/>
+                </a:ln>
+                <a:solidFill>
+                  <a:schemeClr val="bg2">
+                    <a:tint val="85000"/>
+                    <a:satMod val="155000"/>
+                  </a:schemeClr>
+                </a:solidFill>
+                <a:effectLst>
+                  <a:outerShdw blurRad="41275" dist="20320" dir="1800000" algn="tl" rotWithShape="0">
+                    <a:srgbClr val="000000">
+                      <a:alpha val="40000"/>
+                    </a:srgbClr>
+                  </a:outerShdw>
+                </a:effectLst>
+              </a:rPr>
+              <a:t>-Radka Gicheva-</a:t>
+            </a:r>
+            <a:r>
+              <a:rPr lang="en-US" b="1" dirty="0" err="1" smtClean="0">
+                <a:ln w="12700">
+                  <a:solidFill>
+                    <a:schemeClr val="tx2">
+                      <a:satMod val="155000"/>
+                    </a:schemeClr>
+                  </a:solidFill>
+                  <a:prstDash val="solid"/>
+                </a:ln>
+                <a:solidFill>
+                  <a:schemeClr val="bg2">
+                    <a:tint val="85000"/>
+                    <a:satMod val="155000"/>
+                  </a:schemeClr>
+                </a:solidFill>
+                <a:effectLst>
+                  <a:outerShdw blurRad="41275" dist="20320" dir="1800000" algn="tl" rotWithShape="0">
+                    <a:srgbClr val="000000">
+                      <a:alpha val="40000"/>
+                    </a:srgbClr>
+                  </a:outerShdw>
+                </a:effectLst>
+              </a:rPr>
+              <a:t>Petkova</a:t>
+            </a:r>
+            <a:endParaRPr lang="en-US" b="1" dirty="0" smtClean="0">
+              <a:ln w="12700">
+                <a:solidFill>
+                  <a:schemeClr val="tx2">
+                    <a:satMod val="155000"/>
+                  </a:schemeClr>
+                </a:solidFill>
+                <a:prstDash val="solid"/>
+              </a:ln>
+              <a:solidFill>
+                <a:schemeClr val="bg2">
+                  <a:tint val="85000"/>
+                  <a:satMod val="155000"/>
+                </a:schemeClr>
+              </a:solidFill>
+              <a:effectLst>
+                <a:outerShdw blurRad="41275" dist="20320" dir="1800000" algn="tl" rotWithShape="0">
+                  <a:srgbClr val="000000">
+                    <a:alpha val="40000"/>
+                  </a:srgbClr>
+                </a:outerShdw>
+              </a:effectLst>
+            </a:endParaRPr>
+          </a:p>
+          <a:p>
+            <a:pPr marL="68580" indent="0">
+              <a:buNone/>
+            </a:pPr>
+            <a:r>
+              <a:rPr lang="en-US" b="1" dirty="0" smtClean="0">
+                <a:ln w="12700">
+                  <a:solidFill>
+                    <a:schemeClr val="tx2">
+                      <a:satMod val="155000"/>
+                    </a:schemeClr>
+                  </a:solidFill>
+                  <a:prstDash val="solid"/>
+                </a:ln>
+                <a:solidFill>
+                  <a:schemeClr val="bg2">
+                    <a:tint val="85000"/>
+                    <a:satMod val="155000"/>
+                  </a:schemeClr>
+                </a:solidFill>
+                <a:effectLst>
+                  <a:outerShdw blurRad="41275" dist="20320" dir="1800000" algn="tl" rotWithShape="0">
+                    <a:srgbClr val="000000">
+                      <a:alpha val="40000"/>
+                    </a:srgbClr>
+                  </a:outerShdw>
+                </a:effectLst>
+              </a:rPr>
+              <a:t>-</a:t>
+            </a:r>
+            <a:r>
+              <a:rPr lang="en-US" b="1" dirty="0" err="1" smtClean="0">
+                <a:ln w="12700">
+                  <a:solidFill>
+                    <a:schemeClr val="tx2">
+                      <a:satMod val="155000"/>
+                    </a:schemeClr>
+                  </a:solidFill>
+                  <a:prstDash val="solid"/>
+                </a:ln>
+                <a:solidFill>
+                  <a:schemeClr val="bg2">
+                    <a:tint val="85000"/>
+                    <a:satMod val="155000"/>
+                  </a:schemeClr>
+                </a:solidFill>
+                <a:effectLst>
+                  <a:outerShdw blurRad="41275" dist="20320" dir="1800000" algn="tl" rotWithShape="0">
+                    <a:srgbClr val="000000">
+                      <a:alpha val="40000"/>
+                    </a:srgbClr>
+                  </a:outerShdw>
+                </a:effectLst>
+              </a:rPr>
+              <a:t>Veselin</a:t>
+            </a:r>
+            <a:r>
+              <a:rPr lang="en-US" b="1" dirty="0" smtClean="0">
+                <a:ln w="12700">
+                  <a:solidFill>
+                    <a:schemeClr val="tx2">
+                      <a:satMod val="155000"/>
+                    </a:schemeClr>
+                  </a:solidFill>
+                  <a:prstDash val="solid"/>
+                </a:ln>
+                <a:solidFill>
+                  <a:schemeClr val="bg2">
+                    <a:tint val="85000"/>
+                    <a:satMod val="155000"/>
+                  </a:schemeClr>
+                </a:solidFill>
+                <a:effectLst>
+                  <a:outerShdw blurRad="41275" dist="20320" dir="1800000" algn="tl" rotWithShape="0">
+                    <a:srgbClr val="000000">
+                      <a:alpha val="40000"/>
+                    </a:srgbClr>
+                  </a:outerShdw>
+                </a:effectLst>
+              </a:rPr>
+              <a:t> </a:t>
+            </a:r>
+            <a:r>
+              <a:rPr lang="en-US" b="1" dirty="0" err="1" smtClean="0">
+                <a:ln w="12700">
+                  <a:solidFill>
+                    <a:schemeClr val="tx2">
+                      <a:satMod val="155000"/>
+                    </a:schemeClr>
+                  </a:solidFill>
+                  <a:prstDash val="solid"/>
+                </a:ln>
+                <a:solidFill>
+                  <a:schemeClr val="bg2">
+                    <a:tint val="85000"/>
+                    <a:satMod val="155000"/>
+                  </a:schemeClr>
+                </a:solidFill>
+                <a:effectLst>
+                  <a:outerShdw blurRad="41275" dist="20320" dir="1800000" algn="tl" rotWithShape="0">
+                    <a:srgbClr val="000000">
+                      <a:alpha val="40000"/>
+                    </a:srgbClr>
+                  </a:outerShdw>
+                </a:effectLst>
+              </a:rPr>
+              <a:t>Velichkov</a:t>
+            </a:r>
+            <a:endParaRPr lang="en-US" b="1" dirty="0" smtClean="0">
+              <a:ln w="12700">
+                <a:solidFill>
+                  <a:schemeClr val="tx2">
+                    <a:satMod val="155000"/>
+                  </a:schemeClr>
+                </a:solidFill>
+                <a:prstDash val="solid"/>
+              </a:ln>
+              <a:solidFill>
+                <a:schemeClr val="bg2">
+                  <a:tint val="85000"/>
+                  <a:satMod val="155000"/>
+                </a:schemeClr>
+              </a:solidFill>
+              <a:effectLst>
+                <a:outerShdw blurRad="41275" dist="20320" dir="1800000" algn="tl" rotWithShape="0">
+                  <a:srgbClr val="000000">
+                    <a:alpha val="40000"/>
+                  </a:srgbClr>
+                </a:outerShdw>
+              </a:effectLst>
+            </a:endParaRPr>
+          </a:p>
+          <a:p>
+            <a:pPr marL="68580" indent="0">
+              <a:buNone/>
+            </a:pPr>
+            <a:endParaRPr lang="en-US" dirty="0"/>
           </a:p>
         </p:txBody>
       </p:sp>
@@ -16197,6 +16852,981 @@
     <p:extLst>
       <p:ext uri="{BB962C8B-B14F-4D97-AF65-F5344CB8AC3E}">
         <p14:creationId xmlns:p14="http://schemas.microsoft.com/office/powerpoint/2010/main" val="2777573611"/>
+      </p:ext>
+    </p:extLst>
+  </p:cSld>
+  <p:clrMapOvr>
+    <a:masterClrMapping/>
+  </p:clrMapOvr>
+</p:sld>
+</file>
+
+<file path=ppt/slides/slide5.xml><?xml version="1.0" encoding="utf-8"?>
+<p:sld xmlns:a="http://schemas.openxmlformats.org/drawingml/2006/main" xmlns:r="http://schemas.openxmlformats.org/officeDocument/2006/relationships" xmlns:p="http://schemas.openxmlformats.org/presentationml/2006/main">
+  <p:cSld>
+    <p:spTree>
+      <p:nvGrpSpPr>
+        <p:cNvPr id="1" name=""/>
+        <p:cNvGrpSpPr/>
+        <p:nvPr/>
+      </p:nvGrpSpPr>
+      <p:grpSpPr>
+        <a:xfrm>
+          <a:off x="0" y="0"/>
+          <a:ext cx="0" cy="0"/>
+          <a:chOff x="0" y="0"/>
+          <a:chExt cx="0" cy="0"/>
+        </a:xfrm>
+      </p:grpSpPr>
+      <p:sp>
+        <p:nvSpPr>
+          <p:cNvPr id="2" name="Title 1"/>
+          <p:cNvSpPr>
+            <a:spLocks noGrp="1"/>
+          </p:cNvSpPr>
+          <p:nvPr>
+            <p:ph type="title"/>
+          </p:nvPr>
+        </p:nvSpPr>
+        <p:spPr/>
+        <p:txBody>
+          <a:bodyPr>
+            <a:normAutofit fontScale="90000"/>
+            <a:scene3d>
+              <a:camera prst="orthographicFront"/>
+              <a:lightRig rig="threePt" dir="t"/>
+            </a:scene3d>
+            <a:sp3d extrusionH="57150">
+              <a:bevelT w="38100" h="38100" prst="relaxedInset"/>
+            </a:sp3d>
+          </a:bodyPr>
+          <a:lstStyle/>
+          <a:p>
+            <a:r>
+              <a:rPr lang="en-US" b="1" dirty="0">
+                <a:ln w="12700">
+                  <a:solidFill>
+                    <a:schemeClr val="tx2">
+                      <a:satMod val="155000"/>
+                    </a:schemeClr>
+                  </a:solidFill>
+                  <a:prstDash val="solid"/>
+                </a:ln>
+                <a:solidFill>
+                  <a:schemeClr val="bg2">
+                    <a:tint val="85000"/>
+                    <a:satMod val="155000"/>
+                  </a:schemeClr>
+                </a:solidFill>
+                <a:effectLst>
+                  <a:outerShdw blurRad="41275" dist="20320" dir="1800000" algn="tl" rotWithShape="0">
+                    <a:srgbClr val="000000">
+                      <a:alpha val="40000"/>
+                    </a:srgbClr>
+                  </a:outerShdw>
+                </a:effectLst>
+              </a:rPr>
+              <a:t>Contributions of each team </a:t>
+            </a:r>
+            <a:r>
+              <a:rPr lang="en-US" b="1" dirty="0" smtClean="0">
+                <a:ln w="12700">
+                  <a:solidFill>
+                    <a:schemeClr val="tx2">
+                      <a:satMod val="155000"/>
+                    </a:schemeClr>
+                  </a:solidFill>
+                  <a:prstDash val="solid"/>
+                </a:ln>
+                <a:solidFill>
+                  <a:schemeClr val="bg2">
+                    <a:tint val="85000"/>
+                    <a:satMod val="155000"/>
+                  </a:schemeClr>
+                </a:solidFill>
+                <a:effectLst>
+                  <a:outerShdw blurRad="41275" dist="20320" dir="1800000" algn="tl" rotWithShape="0">
+                    <a:srgbClr val="000000">
+                      <a:alpha val="40000"/>
+                    </a:srgbClr>
+                  </a:outerShdw>
+                </a:effectLst>
+              </a:rPr>
+              <a:t>member</a:t>
+            </a:r>
+            <a:r>
+              <a:rPr lang="bg-BG" b="1" dirty="0" smtClean="0">
+                <a:ln w="12700">
+                  <a:solidFill>
+                    <a:schemeClr val="tx2">
+                      <a:satMod val="155000"/>
+                    </a:schemeClr>
+                  </a:solidFill>
+                  <a:prstDash val="solid"/>
+                </a:ln>
+                <a:solidFill>
+                  <a:schemeClr val="bg2">
+                    <a:tint val="85000"/>
+                    <a:satMod val="155000"/>
+                  </a:schemeClr>
+                </a:solidFill>
+                <a:effectLst>
+                  <a:outerShdw blurRad="41275" dist="20320" dir="1800000" algn="tl" rotWithShape="0">
+                    <a:srgbClr val="000000">
+                      <a:alpha val="40000"/>
+                    </a:srgbClr>
+                  </a:outerShdw>
+                </a:effectLst>
+              </a:rPr>
+              <a:t>: </a:t>
+            </a:r>
+            <a:endParaRPr lang="en-US" b="1" dirty="0">
+              <a:ln w="12700">
+                <a:solidFill>
+                  <a:schemeClr val="tx2">
+                    <a:satMod val="155000"/>
+                  </a:schemeClr>
+                </a:solidFill>
+                <a:prstDash val="solid"/>
+              </a:ln>
+              <a:solidFill>
+                <a:schemeClr val="bg2">
+                  <a:tint val="85000"/>
+                  <a:satMod val="155000"/>
+                </a:schemeClr>
+              </a:solidFill>
+              <a:effectLst>
+                <a:outerShdw blurRad="41275" dist="20320" dir="1800000" algn="tl" rotWithShape="0">
+                  <a:srgbClr val="000000">
+                    <a:alpha val="40000"/>
+                  </a:srgbClr>
+                </a:outerShdw>
+              </a:effectLst>
+            </a:endParaRPr>
+          </a:p>
+        </p:txBody>
+      </p:sp>
+      <p:sp>
+        <p:nvSpPr>
+          <p:cNvPr id="3" name="Content Placeholder 2"/>
+          <p:cNvSpPr>
+            <a:spLocks noGrp="1"/>
+          </p:cNvSpPr>
+          <p:nvPr>
+            <p:ph idx="1"/>
+          </p:nvPr>
+        </p:nvSpPr>
+        <p:spPr>
+          <a:xfrm>
+            <a:off x="1043492" y="2323651"/>
+            <a:ext cx="6777317" cy="3970533"/>
+          </a:xfrm>
+        </p:spPr>
+        <p:txBody>
+          <a:bodyPr>
+            <a:normAutofit/>
+            <a:scene3d>
+              <a:camera prst="orthographicFront"/>
+              <a:lightRig rig="threePt" dir="t"/>
+            </a:scene3d>
+            <a:sp3d extrusionH="57150">
+              <a:bevelT w="38100" h="38100" prst="relaxedInset"/>
+            </a:sp3d>
+          </a:bodyPr>
+          <a:lstStyle/>
+          <a:p>
+            <a:pPr marL="68580" indent="0">
+              <a:buNone/>
+            </a:pPr>
+            <a:r>
+              <a:rPr lang="en-US" b="1" dirty="0">
+                <a:ln w="12700">
+                  <a:solidFill>
+                    <a:schemeClr val="tx2">
+                      <a:satMod val="155000"/>
+                    </a:schemeClr>
+                  </a:solidFill>
+                  <a:prstDash val="solid"/>
+                </a:ln>
+                <a:solidFill>
+                  <a:schemeClr val="bg2">
+                    <a:tint val="85000"/>
+                    <a:satMod val="155000"/>
+                  </a:schemeClr>
+                </a:solidFill>
+                <a:effectLst>
+                  <a:outerShdw blurRad="41275" dist="20320" dir="1800000" algn="tl" rotWithShape="0">
+                    <a:srgbClr val="000000">
+                      <a:alpha val="40000"/>
+                    </a:srgbClr>
+                  </a:outerShdw>
+                </a:effectLst>
+              </a:rPr>
+              <a:t>-</a:t>
+            </a:r>
+            <a:r>
+              <a:rPr lang="en-US" b="1" dirty="0" err="1">
+                <a:ln w="12700">
+                  <a:solidFill>
+                    <a:schemeClr val="tx2">
+                      <a:satMod val="155000"/>
+                    </a:schemeClr>
+                  </a:solidFill>
+                  <a:prstDash val="solid"/>
+                </a:ln>
+                <a:solidFill>
+                  <a:schemeClr val="bg2">
+                    <a:tint val="85000"/>
+                    <a:satMod val="155000"/>
+                  </a:schemeClr>
+                </a:solidFill>
+                <a:effectLst>
+                  <a:outerShdw blurRad="41275" dist="20320" dir="1800000" algn="tl" rotWithShape="0">
+                    <a:srgbClr val="000000">
+                      <a:alpha val="40000"/>
+                    </a:srgbClr>
+                  </a:outerShdw>
+                </a:effectLst>
+              </a:rPr>
+              <a:t>Ivaylo</a:t>
+            </a:r>
+            <a:r>
+              <a:rPr lang="en-US" b="1" dirty="0">
+                <a:ln w="12700">
+                  <a:solidFill>
+                    <a:schemeClr val="tx2">
+                      <a:satMod val="155000"/>
+                    </a:schemeClr>
+                  </a:solidFill>
+                  <a:prstDash val="solid"/>
+                </a:ln>
+                <a:solidFill>
+                  <a:schemeClr val="bg2">
+                    <a:tint val="85000"/>
+                    <a:satMod val="155000"/>
+                  </a:schemeClr>
+                </a:solidFill>
+                <a:effectLst>
+                  <a:outerShdw blurRad="41275" dist="20320" dir="1800000" algn="tl" rotWithShape="0">
+                    <a:srgbClr val="000000">
+                      <a:alpha val="40000"/>
+                    </a:srgbClr>
+                  </a:outerShdw>
+                </a:effectLst>
+              </a:rPr>
+              <a:t> </a:t>
+            </a:r>
+            <a:r>
+              <a:rPr lang="en-US" b="1" dirty="0" err="1">
+                <a:ln w="12700">
+                  <a:solidFill>
+                    <a:schemeClr val="tx2">
+                      <a:satMod val="155000"/>
+                    </a:schemeClr>
+                  </a:solidFill>
+                  <a:prstDash val="solid"/>
+                </a:ln>
+                <a:solidFill>
+                  <a:schemeClr val="bg2">
+                    <a:tint val="85000"/>
+                    <a:satMod val="155000"/>
+                  </a:schemeClr>
+                </a:solidFill>
+                <a:effectLst>
+                  <a:outerShdw blurRad="41275" dist="20320" dir="1800000" algn="tl" rotWithShape="0">
+                    <a:srgbClr val="000000">
+                      <a:alpha val="40000"/>
+                    </a:srgbClr>
+                  </a:outerShdw>
+                </a:effectLst>
+              </a:rPr>
+              <a:t>Papazov</a:t>
+            </a:r>
+            <a:r>
+              <a:rPr lang="en-US" b="1" dirty="0">
+                <a:ln w="12700">
+                  <a:solidFill>
+                    <a:schemeClr val="tx2">
+                      <a:satMod val="155000"/>
+                    </a:schemeClr>
+                  </a:solidFill>
+                  <a:prstDash val="solid"/>
+                </a:ln>
+                <a:solidFill>
+                  <a:schemeClr val="bg2">
+                    <a:tint val="85000"/>
+                    <a:satMod val="155000"/>
+                  </a:schemeClr>
+                </a:solidFill>
+                <a:effectLst>
+                  <a:outerShdw blurRad="41275" dist="20320" dir="1800000" algn="tl" rotWithShape="0">
+                    <a:srgbClr val="000000">
+                      <a:alpha val="40000"/>
+                    </a:srgbClr>
+                  </a:outerShdw>
+                </a:effectLst>
+              </a:rPr>
+              <a:t>: </a:t>
+            </a:r>
+          </a:p>
+          <a:p>
+            <a:pPr marL="68580" indent="0">
+              <a:buNone/>
+            </a:pPr>
+            <a:r>
+              <a:rPr lang="en-US" b="1" dirty="0">
+                <a:ln w="12700">
+                  <a:solidFill>
+                    <a:schemeClr val="tx2">
+                      <a:satMod val="155000"/>
+                    </a:schemeClr>
+                  </a:solidFill>
+                  <a:prstDash val="solid"/>
+                </a:ln>
+                <a:solidFill>
+                  <a:schemeClr val="bg2">
+                    <a:tint val="85000"/>
+                    <a:satMod val="155000"/>
+                  </a:schemeClr>
+                </a:solidFill>
+                <a:effectLst>
+                  <a:outerShdw blurRad="41275" dist="20320" dir="1800000" algn="tl" rotWithShape="0">
+                    <a:srgbClr val="000000">
+                      <a:alpha val="40000"/>
+                    </a:srgbClr>
+                  </a:outerShdw>
+                </a:effectLst>
+              </a:rPr>
+              <a:t>	- created basic file structure of the project; </a:t>
+            </a:r>
+          </a:p>
+          <a:p>
+            <a:pPr marL="68580" indent="0">
+              <a:buNone/>
+            </a:pPr>
+            <a:r>
+              <a:rPr lang="en-US" b="1" dirty="0">
+                <a:ln w="12700">
+                  <a:solidFill>
+                    <a:schemeClr val="tx2">
+                      <a:satMod val="155000"/>
+                    </a:schemeClr>
+                  </a:solidFill>
+                  <a:prstDash val="solid"/>
+                </a:ln>
+                <a:solidFill>
+                  <a:schemeClr val="bg2">
+                    <a:tint val="85000"/>
+                    <a:satMod val="155000"/>
+                  </a:schemeClr>
+                </a:solidFill>
+                <a:effectLst>
+                  <a:outerShdw blurRad="41275" dist="20320" dir="1800000" algn="tl" rotWithShape="0">
+                    <a:srgbClr val="000000">
+                      <a:alpha val="40000"/>
+                    </a:srgbClr>
+                  </a:outerShdw>
+                </a:effectLst>
+              </a:rPr>
+              <a:t>	- Added </a:t>
+            </a:r>
+            <a:r>
+              <a:rPr lang="en-US" b="1" dirty="0" err="1">
+                <a:ln w="12700">
+                  <a:solidFill>
+                    <a:schemeClr val="tx2">
+                      <a:satMod val="155000"/>
+                    </a:schemeClr>
+                  </a:solidFill>
+                  <a:prstDash val="solid"/>
+                </a:ln>
+                <a:solidFill>
+                  <a:schemeClr val="bg2">
+                    <a:tint val="85000"/>
+                    <a:satMod val="155000"/>
+                  </a:schemeClr>
+                </a:solidFill>
+                <a:effectLst>
+                  <a:outerShdw blurRad="41275" dist="20320" dir="1800000" algn="tl" rotWithShape="0">
+                    <a:srgbClr val="000000">
+                      <a:alpha val="40000"/>
+                    </a:srgbClr>
+                  </a:outerShdw>
+                </a:effectLst>
+              </a:rPr>
+              <a:t>raphael</a:t>
+            </a:r>
+            <a:r>
+              <a:rPr lang="en-US" b="1" dirty="0">
+                <a:ln w="12700">
+                  <a:solidFill>
+                    <a:schemeClr val="tx2">
+                      <a:satMod val="155000"/>
+                    </a:schemeClr>
+                  </a:solidFill>
+                  <a:prstDash val="solid"/>
+                </a:ln>
+                <a:solidFill>
+                  <a:schemeClr val="bg2">
+                    <a:tint val="85000"/>
+                    <a:satMod val="155000"/>
+                  </a:schemeClr>
+                </a:solidFill>
+                <a:effectLst>
+                  <a:outerShdw blurRad="41275" dist="20320" dir="1800000" algn="tl" rotWithShape="0">
+                    <a:srgbClr val="000000">
+                      <a:alpha val="40000"/>
+                    </a:srgbClr>
+                  </a:outerShdw>
+                </a:effectLst>
+              </a:rPr>
+              <a:t> and kinetic to </a:t>
+            </a:r>
+            <a:r>
+              <a:rPr lang="en-US" b="1" dirty="0" err="1">
+                <a:ln w="12700">
+                  <a:solidFill>
+                    <a:schemeClr val="tx2">
+                      <a:satMod val="155000"/>
+                    </a:schemeClr>
+                  </a:solidFill>
+                  <a:prstDash val="solid"/>
+                </a:ln>
+                <a:solidFill>
+                  <a:schemeClr val="bg2">
+                    <a:tint val="85000"/>
+                    <a:satMod val="155000"/>
+                  </a:schemeClr>
+                </a:solidFill>
+                <a:effectLst>
+                  <a:outerShdw blurRad="41275" dist="20320" dir="1800000" algn="tl" rotWithShape="0">
+                    <a:srgbClr val="000000">
+                      <a:alpha val="40000"/>
+                    </a:srgbClr>
+                  </a:outerShdw>
+                </a:effectLst>
+              </a:rPr>
+              <a:t>bower.json</a:t>
+            </a:r>
+            <a:r>
+              <a:rPr lang="en-US" b="1" dirty="0">
+                <a:ln w="12700">
+                  <a:solidFill>
+                    <a:schemeClr val="tx2">
+                      <a:satMod val="155000"/>
+                    </a:schemeClr>
+                  </a:solidFill>
+                  <a:prstDash val="solid"/>
+                </a:ln>
+                <a:solidFill>
+                  <a:schemeClr val="bg2">
+                    <a:tint val="85000"/>
+                    <a:satMod val="155000"/>
+                  </a:schemeClr>
+                </a:solidFill>
+                <a:effectLst>
+                  <a:outerShdw blurRad="41275" dist="20320" dir="1800000" algn="tl" rotWithShape="0">
+                    <a:srgbClr val="000000">
+                      <a:alpha val="40000"/>
+                    </a:srgbClr>
+                  </a:outerShdw>
+                </a:effectLst>
+              </a:rPr>
+              <a:t> and </a:t>
+            </a:r>
+            <a:r>
+              <a:rPr lang="en-US" b="1" dirty="0" err="1">
+                <a:ln w="12700">
+                  <a:solidFill>
+                    <a:schemeClr val="tx2">
+                      <a:satMod val="155000"/>
+                    </a:schemeClr>
+                  </a:solidFill>
+                  <a:prstDash val="solid"/>
+                </a:ln>
+                <a:solidFill>
+                  <a:schemeClr val="bg2">
+                    <a:tint val="85000"/>
+                    <a:satMod val="155000"/>
+                  </a:schemeClr>
+                </a:solidFill>
+                <a:effectLst>
+                  <a:outerShdw blurRad="41275" dist="20320" dir="1800000" algn="tl" rotWithShape="0">
+                    <a:srgbClr val="000000">
+                      <a:alpha val="40000"/>
+                    </a:srgbClr>
+                  </a:outerShdw>
+                </a:effectLst>
+              </a:rPr>
+              <a:t>require.path</a:t>
+            </a:r>
+            <a:r>
+              <a:rPr lang="en-US" b="1" dirty="0">
+                <a:ln w="12700">
+                  <a:solidFill>
+                    <a:schemeClr val="tx2">
+                      <a:satMod val="155000"/>
+                    </a:schemeClr>
+                  </a:solidFill>
+                  <a:prstDash val="solid"/>
+                </a:ln>
+                <a:solidFill>
+                  <a:schemeClr val="bg2">
+                    <a:tint val="85000"/>
+                    <a:satMod val="155000"/>
+                  </a:schemeClr>
+                </a:solidFill>
+                <a:effectLst>
+                  <a:outerShdw blurRad="41275" dist="20320" dir="1800000" algn="tl" rotWithShape="0">
+                    <a:srgbClr val="000000">
+                      <a:alpha val="40000"/>
+                    </a:srgbClr>
+                  </a:outerShdw>
+                </a:effectLst>
+              </a:rPr>
+              <a:t>;</a:t>
+            </a:r>
+          </a:p>
+          <a:p>
+            <a:pPr marL="68580" indent="0">
+              <a:buNone/>
+            </a:pPr>
+            <a:r>
+              <a:rPr lang="en-US" b="1" dirty="0">
+                <a:ln w="12700">
+                  <a:solidFill>
+                    <a:schemeClr val="tx2">
+                      <a:satMod val="155000"/>
+                    </a:schemeClr>
+                  </a:solidFill>
+                  <a:prstDash val="solid"/>
+                </a:ln>
+                <a:solidFill>
+                  <a:schemeClr val="bg2">
+                    <a:tint val="85000"/>
+                    <a:satMod val="155000"/>
+                  </a:schemeClr>
+                </a:solidFill>
+                <a:effectLst>
+                  <a:outerShdw blurRad="41275" dist="20320" dir="1800000" algn="tl" rotWithShape="0">
+                    <a:srgbClr val="000000">
+                      <a:alpha val="40000"/>
+                    </a:srgbClr>
+                  </a:outerShdw>
+                </a:effectLst>
+              </a:rPr>
+              <a:t>	- Set up </a:t>
+            </a:r>
+            <a:r>
+              <a:rPr lang="en-US" b="1" dirty="0" err="1">
+                <a:ln w="12700">
+                  <a:solidFill>
+                    <a:schemeClr val="tx2">
+                      <a:satMod val="155000"/>
+                    </a:schemeClr>
+                  </a:solidFill>
+                  <a:prstDash val="solid"/>
+                </a:ln>
+                <a:solidFill>
+                  <a:schemeClr val="bg2">
+                    <a:tint val="85000"/>
+                    <a:satMod val="155000"/>
+                  </a:schemeClr>
+                </a:solidFill>
+                <a:effectLst>
+                  <a:outerShdw blurRad="41275" dist="20320" dir="1800000" algn="tl" rotWithShape="0">
+                    <a:srgbClr val="000000">
+                      <a:alpha val="40000"/>
+                    </a:srgbClr>
+                  </a:outerShdw>
+                </a:effectLst>
+              </a:rPr>
+              <a:t>KineticJs</a:t>
+            </a:r>
+            <a:r>
+              <a:rPr lang="en-US" b="1" dirty="0">
+                <a:ln w="12700">
+                  <a:solidFill>
+                    <a:schemeClr val="tx2">
+                      <a:satMod val="155000"/>
+                    </a:schemeClr>
+                  </a:solidFill>
+                  <a:prstDash val="solid"/>
+                </a:ln>
+                <a:solidFill>
+                  <a:schemeClr val="bg2">
+                    <a:tint val="85000"/>
+                    <a:satMod val="155000"/>
+                  </a:schemeClr>
+                </a:solidFill>
+                <a:effectLst>
+                  <a:outerShdw blurRad="41275" dist="20320" dir="1800000" algn="tl" rotWithShape="0">
+                    <a:srgbClr val="000000">
+                      <a:alpha val="40000"/>
+                    </a:srgbClr>
+                  </a:outerShdw>
+                </a:effectLst>
+              </a:rPr>
+              <a:t> and added background and test shape</a:t>
+            </a:r>
+            <a:r>
+              <a:rPr lang="en-US" b="1" dirty="0" smtClean="0">
+                <a:ln w="12700">
+                  <a:solidFill>
+                    <a:schemeClr val="tx2">
+                      <a:satMod val="155000"/>
+                    </a:schemeClr>
+                  </a:solidFill>
+                  <a:prstDash val="solid"/>
+                </a:ln>
+                <a:solidFill>
+                  <a:schemeClr val="bg2">
+                    <a:tint val="85000"/>
+                    <a:satMod val="155000"/>
+                  </a:schemeClr>
+                </a:solidFill>
+                <a:effectLst>
+                  <a:outerShdw blurRad="41275" dist="20320" dir="1800000" algn="tl" rotWithShape="0">
+                    <a:srgbClr val="000000">
+                      <a:alpha val="40000"/>
+                    </a:srgbClr>
+                  </a:outerShdw>
+                </a:effectLst>
+              </a:rPr>
+              <a:t>;</a:t>
+            </a:r>
+          </a:p>
+          <a:p>
+            <a:pPr marL="68580" indent="0">
+              <a:buNone/>
+            </a:pPr>
+            <a:r>
+              <a:rPr lang="en-US" b="1" dirty="0">
+                <a:ln w="12700">
+                  <a:solidFill>
+                    <a:schemeClr val="tx2">
+                      <a:satMod val="155000"/>
+                    </a:schemeClr>
+                  </a:solidFill>
+                  <a:prstDash val="solid"/>
+                </a:ln>
+                <a:solidFill>
+                  <a:schemeClr val="bg2">
+                    <a:tint val="85000"/>
+                    <a:satMod val="155000"/>
+                  </a:schemeClr>
+                </a:solidFill>
+                <a:effectLst>
+                  <a:outerShdw blurRad="41275" dist="20320" dir="1800000" algn="tl" rotWithShape="0">
+                    <a:srgbClr val="000000">
+                      <a:alpha val="40000"/>
+                    </a:srgbClr>
+                  </a:outerShdw>
+                </a:effectLst>
+              </a:rPr>
+              <a:t>	-</a:t>
+            </a:r>
+            <a:r>
+              <a:rPr lang="en-US" b="1" dirty="0" err="1">
+                <a:ln w="12700">
+                  <a:solidFill>
+                    <a:schemeClr val="tx2">
+                      <a:satMod val="155000"/>
+                    </a:schemeClr>
+                  </a:solidFill>
+                  <a:prstDash val="solid"/>
+                </a:ln>
+                <a:solidFill>
+                  <a:schemeClr val="bg2">
+                    <a:tint val="85000"/>
+                    <a:satMod val="155000"/>
+                  </a:schemeClr>
+                </a:solidFill>
+                <a:effectLst>
+                  <a:outerShdw blurRad="41275" dist="20320" dir="1800000" algn="tl" rotWithShape="0">
+                    <a:srgbClr val="000000">
+                      <a:alpha val="40000"/>
+                    </a:srgbClr>
+                  </a:outerShdw>
+                </a:effectLst>
+              </a:rPr>
+              <a:t>Refactured</a:t>
+            </a:r>
+            <a:r>
+              <a:rPr lang="en-US" b="1" dirty="0">
+                <a:ln w="12700">
+                  <a:solidFill>
+                    <a:schemeClr val="tx2">
+                      <a:satMod val="155000"/>
+                    </a:schemeClr>
+                  </a:solidFill>
+                  <a:prstDash val="solid"/>
+                </a:ln>
+                <a:solidFill>
+                  <a:schemeClr val="bg2">
+                    <a:tint val="85000"/>
+                    <a:satMod val="155000"/>
+                  </a:schemeClr>
+                </a:solidFill>
+                <a:effectLst>
+                  <a:outerShdw blurRad="41275" dist="20320" dir="1800000" algn="tl" rotWithShape="0">
+                    <a:srgbClr val="000000">
+                      <a:alpha val="40000"/>
+                    </a:srgbClr>
+                  </a:outerShdw>
+                </a:effectLst>
+              </a:rPr>
+              <a:t> </a:t>
+            </a:r>
+            <a:r>
+              <a:rPr lang="en-US" b="1" dirty="0" err="1">
+                <a:ln w="12700">
+                  <a:solidFill>
+                    <a:schemeClr val="tx2">
+                      <a:satMod val="155000"/>
+                    </a:schemeClr>
+                  </a:solidFill>
+                  <a:prstDash val="solid"/>
+                </a:ln>
+                <a:solidFill>
+                  <a:schemeClr val="bg2">
+                    <a:tint val="85000"/>
+                    <a:satMod val="155000"/>
+                  </a:schemeClr>
+                </a:solidFill>
+                <a:effectLst>
+                  <a:outerShdw blurRad="41275" dist="20320" dir="1800000" algn="tl" rotWithShape="0">
+                    <a:srgbClr val="000000">
+                      <a:alpha val="40000"/>
+                    </a:srgbClr>
+                  </a:outerShdw>
+                </a:effectLst>
+              </a:rPr>
+              <a:t>renderer.js</a:t>
+            </a:r>
+            <a:r>
+              <a:rPr lang="en-US" b="1" dirty="0">
+                <a:ln w="12700">
+                  <a:solidFill>
+                    <a:schemeClr val="tx2">
+                      <a:satMod val="155000"/>
+                    </a:schemeClr>
+                  </a:solidFill>
+                  <a:prstDash val="solid"/>
+                </a:ln>
+                <a:solidFill>
+                  <a:schemeClr val="bg2">
+                    <a:tint val="85000"/>
+                    <a:satMod val="155000"/>
+                  </a:schemeClr>
+                </a:solidFill>
+                <a:effectLst>
+                  <a:outerShdw blurRad="41275" dist="20320" dir="1800000" algn="tl" rotWithShape="0">
+                    <a:srgbClr val="000000">
+                      <a:alpha val="40000"/>
+                    </a:srgbClr>
+                  </a:outerShdw>
+                </a:effectLst>
+              </a:rPr>
+              <a:t> </a:t>
+            </a:r>
+            <a:r>
+              <a:rPr lang="en-US" b="1" dirty="0" smtClean="0">
+                <a:ln w="12700">
+                  <a:solidFill>
+                    <a:schemeClr val="tx2">
+                      <a:satMod val="155000"/>
+                    </a:schemeClr>
+                  </a:solidFill>
+                  <a:prstDash val="solid"/>
+                </a:ln>
+                <a:solidFill>
+                  <a:schemeClr val="bg2">
+                    <a:tint val="85000"/>
+                    <a:satMod val="155000"/>
+                  </a:schemeClr>
+                </a:solidFill>
+                <a:effectLst>
+                  <a:outerShdw blurRad="41275" dist="20320" dir="1800000" algn="tl" rotWithShape="0">
+                    <a:srgbClr val="000000">
+                      <a:alpha val="40000"/>
+                    </a:srgbClr>
+                  </a:outerShdw>
+                </a:effectLst>
+              </a:rPr>
+              <a:t>;</a:t>
+            </a:r>
+          </a:p>
+          <a:p>
+            <a:pPr marL="68580" indent="0">
+              <a:buNone/>
+            </a:pPr>
+            <a:r>
+              <a:rPr lang="en-US" b="1" dirty="0">
+                <a:ln w="12700">
+                  <a:solidFill>
+                    <a:schemeClr val="tx2">
+                      <a:satMod val="155000"/>
+                    </a:schemeClr>
+                  </a:solidFill>
+                  <a:prstDash val="solid"/>
+                </a:ln>
+                <a:solidFill>
+                  <a:schemeClr val="bg2">
+                    <a:tint val="85000"/>
+                    <a:satMod val="155000"/>
+                  </a:schemeClr>
+                </a:solidFill>
+                <a:effectLst>
+                  <a:outerShdw blurRad="41275" dist="20320" dir="1800000" algn="tl" rotWithShape="0">
+                    <a:srgbClr val="000000">
+                      <a:alpha val="40000"/>
+                    </a:srgbClr>
+                  </a:outerShdw>
+                </a:effectLst>
+              </a:rPr>
+              <a:t>	</a:t>
+            </a:r>
+            <a:r>
+              <a:rPr lang="en-US" b="1" dirty="0">
+                <a:ln w="12700">
+                  <a:solidFill>
+                    <a:schemeClr val="tx2">
+                      <a:satMod val="155000"/>
+                    </a:schemeClr>
+                  </a:solidFill>
+                  <a:prstDash val="solid"/>
+                </a:ln>
+                <a:solidFill>
+                  <a:schemeClr val="bg2">
+                    <a:tint val="85000"/>
+                    <a:satMod val="155000"/>
+                  </a:schemeClr>
+                </a:solidFill>
+                <a:effectLst>
+                  <a:outerShdw blurRad="41275" dist="20320" dir="1800000" algn="tl" rotWithShape="0">
+                    <a:srgbClr val="000000">
+                      <a:alpha val="40000"/>
+                    </a:srgbClr>
+                  </a:outerShdw>
+                </a:effectLst>
+              </a:rPr>
+              <a:t>-Added </a:t>
+            </a:r>
+            <a:r>
+              <a:rPr lang="en-US" b="1" dirty="0" err="1">
+                <a:ln w="12700">
+                  <a:solidFill>
+                    <a:schemeClr val="tx2">
+                      <a:satMod val="155000"/>
+                    </a:schemeClr>
+                  </a:solidFill>
+                  <a:prstDash val="solid"/>
+                </a:ln>
+                <a:solidFill>
+                  <a:schemeClr val="bg2">
+                    <a:tint val="85000"/>
+                    <a:satMod val="155000"/>
+                  </a:schemeClr>
+                </a:solidFill>
+                <a:effectLst>
+                  <a:outerShdw blurRad="41275" dist="20320" dir="1800000" algn="tl" rotWithShape="0">
+                    <a:srgbClr val="000000">
+                      <a:alpha val="40000"/>
+                    </a:srgbClr>
+                  </a:outerShdw>
+                </a:effectLst>
+              </a:rPr>
+              <a:t>GameObjects</a:t>
+            </a:r>
+            <a:r>
+              <a:rPr lang="en-US" b="1">
+                <a:ln w="12700">
+                  <a:solidFill>
+                    <a:schemeClr val="tx2">
+                      <a:satMod val="155000"/>
+                    </a:schemeClr>
+                  </a:solidFill>
+                  <a:prstDash val="solid"/>
+                </a:ln>
+                <a:solidFill>
+                  <a:schemeClr val="bg2">
+                    <a:tint val="85000"/>
+                    <a:satMod val="155000"/>
+                  </a:schemeClr>
+                </a:solidFill>
+                <a:effectLst>
+                  <a:outerShdw blurRad="41275" dist="20320" dir="1800000" algn="tl" rotWithShape="0">
+                    <a:srgbClr val="000000">
+                      <a:alpha val="40000"/>
+                    </a:srgbClr>
+                  </a:outerShdw>
+                </a:effectLst>
+              </a:rPr>
+              <a:t> </a:t>
+            </a:r>
+            <a:r>
+              <a:rPr lang="en-US" b="1" smtClean="0">
+                <a:ln w="12700">
+                  <a:solidFill>
+                    <a:schemeClr val="tx2">
+                      <a:satMod val="155000"/>
+                    </a:schemeClr>
+                  </a:solidFill>
+                  <a:prstDash val="solid"/>
+                </a:ln>
+                <a:solidFill>
+                  <a:schemeClr val="bg2">
+                    <a:tint val="85000"/>
+                    <a:satMod val="155000"/>
+                  </a:schemeClr>
+                </a:solidFill>
+                <a:effectLst>
+                  <a:outerShdw blurRad="41275" dist="20320" dir="1800000" algn="tl" rotWithShape="0">
+                    <a:srgbClr val="000000">
+                      <a:alpha val="40000"/>
+                    </a:srgbClr>
+                  </a:outerShdw>
+                </a:effectLst>
+              </a:rPr>
+              <a:t>Module;</a:t>
+            </a:r>
+            <a:endParaRPr lang="en-US" b="1" dirty="0">
+              <a:ln w="12700">
+                <a:solidFill>
+                  <a:schemeClr val="tx2">
+                    <a:satMod val="155000"/>
+                  </a:schemeClr>
+                </a:solidFill>
+                <a:prstDash val="solid"/>
+              </a:ln>
+              <a:solidFill>
+                <a:schemeClr val="bg2">
+                  <a:tint val="85000"/>
+                  <a:satMod val="155000"/>
+                </a:schemeClr>
+              </a:solidFill>
+              <a:effectLst>
+                <a:outerShdw blurRad="41275" dist="20320" dir="1800000" algn="tl" rotWithShape="0">
+                  <a:srgbClr val="000000">
+                    <a:alpha val="40000"/>
+                  </a:srgbClr>
+                </a:outerShdw>
+              </a:effectLst>
+            </a:endParaRPr>
+          </a:p>
+          <a:p>
+            <a:pPr marL="68580" indent="0">
+              <a:buNone/>
+            </a:pPr>
+            <a:endParaRPr lang="en-US" dirty="0"/>
+          </a:p>
+        </p:txBody>
+      </p:sp>
+    </p:spTree>
+    <p:extLst>
+      <p:ext uri="{BB962C8B-B14F-4D97-AF65-F5344CB8AC3E}">
+        <p14:creationId xmlns:p14="http://schemas.microsoft.com/office/powerpoint/2010/main" val="2524054191"/>
       </p:ext>
     </p:extLst>
   </p:cSld>

--- a/cognitio.pptx
+++ b/cognitio.pptx
@@ -7,9 +7,7 @@
   <p:sldIdLst>
     <p:sldId id="256" r:id="rId2"/>
     <p:sldId id="257" r:id="rId3"/>
-    <p:sldId id="258" r:id="rId4"/>
-    <p:sldId id="259" r:id="rId5"/>
-    <p:sldId id="260" r:id="rId6"/>
+    <p:sldId id="259" r:id="rId4"/>
   </p:sldIdLst>
   <p:sldSz cx="9144000" cy="6858000" type="screen4x3"/>
   <p:notesSz cx="6858000" cy="9144000"/>
@@ -108,6 +106,22 @@
       </a:defRPr>
     </a:lvl9pPr>
   </p:defaultTextStyle>
+  <p:extLst>
+    <p:ext uri="{EFAFB233-063F-42B5-8137-9DF3F51BA10A}">
+      <p15:sldGuideLst xmlns:p15="http://schemas.microsoft.com/office/powerpoint/2012/main">
+        <p15:guide id="1" orient="horz" pos="2160">
+          <p15:clr>
+            <a:srgbClr val="A4A3A4"/>
+          </p15:clr>
+        </p15:guide>
+        <p15:guide id="2" pos="2880">
+          <p15:clr>
+            <a:srgbClr val="A4A3A4"/>
+          </p15:clr>
+        </p15:guide>
+      </p15:sldGuideLst>
+    </p:ext>
+  </p:extLst>
 </p:presentation>
 </file>
 
@@ -2868,7 +2882,7 @@
           <a:p>
             <a:fld id="{A20EDA20-73AD-C646-9AA7-372163751164}" type="datetimeFigureOut">
               <a:rPr lang="en-US" smtClean="0"/>
-              <a:t>11/19/14</a:t>
+              <a:t>11/20/2014</a:t>
             </a:fld>
             <a:endParaRPr lang="en-US"/>
           </a:p>
@@ -3154,7 +3168,7 @@
           <a:p>
             <a:fld id="{A20EDA20-73AD-C646-9AA7-372163751164}" type="datetimeFigureOut">
               <a:rPr lang="en-US" smtClean="0"/>
-              <a:t>11/19/14</a:t>
+              <a:t>11/20/2014</a:t>
             </a:fld>
             <a:endParaRPr lang="en-US"/>
           </a:p>
@@ -3329,7 +3343,7 @@
           <a:p>
             <a:fld id="{A20EDA20-73AD-C646-9AA7-372163751164}" type="datetimeFigureOut">
               <a:rPr lang="en-US" smtClean="0"/>
-              <a:t>11/19/14</a:t>
+              <a:t>11/20/2014</a:t>
             </a:fld>
             <a:endParaRPr lang="en-US"/>
           </a:p>
@@ -3494,7 +3508,7 @@
           <a:p>
             <a:fld id="{A20EDA20-73AD-C646-9AA7-372163751164}" type="datetimeFigureOut">
               <a:rPr lang="en-US" smtClean="0"/>
-              <a:t>11/19/14</a:t>
+              <a:t>11/20/2014</a:t>
             </a:fld>
             <a:endParaRPr lang="en-US"/>
           </a:p>
@@ -3735,7 +3749,7 @@
           <a:p>
             <a:fld id="{A20EDA20-73AD-C646-9AA7-372163751164}" type="datetimeFigureOut">
               <a:rPr lang="en-US" smtClean="0"/>
-              <a:t>11/19/14</a:t>
+              <a:t>11/20/2014</a:t>
             </a:fld>
             <a:endParaRPr lang="en-US"/>
           </a:p>
@@ -3848,7 +3862,7 @@
           <a:p>
             <a:fld id="{A20EDA20-73AD-C646-9AA7-372163751164}" type="datetimeFigureOut">
               <a:rPr lang="en-US" smtClean="0"/>
-              <a:t>11/19/14</a:t>
+              <a:t>11/20/2014</a:t>
             </a:fld>
             <a:endParaRPr lang="en-US"/>
           </a:p>
@@ -4387,7 +4401,7 @@
           <a:p>
             <a:fld id="{A20EDA20-73AD-C646-9AA7-372163751164}" type="datetimeFigureOut">
               <a:rPr lang="en-US" smtClean="0"/>
-              <a:t>11/19/14</a:t>
+              <a:t>11/20/2014</a:t>
             </a:fld>
             <a:endParaRPr lang="en-US"/>
           </a:p>
@@ -4500,7 +4514,7 @@
           <a:p>
             <a:fld id="{A20EDA20-73AD-C646-9AA7-372163751164}" type="datetimeFigureOut">
               <a:rPr lang="en-US" smtClean="0"/>
-              <a:t>11/19/14</a:t>
+              <a:t>11/20/2014</a:t>
             </a:fld>
             <a:endParaRPr lang="en-US"/>
           </a:p>
@@ -4590,7 +4604,7 @@
           <a:p>
             <a:fld id="{A20EDA20-73AD-C646-9AA7-372163751164}" type="datetimeFigureOut">
               <a:rPr lang="en-US" smtClean="0"/>
-              <a:t>11/19/14</a:t>
+              <a:t>11/20/2014</a:t>
             </a:fld>
             <a:endParaRPr lang="en-US"/>
           </a:p>
@@ -7241,7 +7255,7 @@
           <a:p>
             <a:fld id="{A20EDA20-73AD-C646-9AA7-372163751164}" type="datetimeFigureOut">
               <a:rPr lang="en-US" smtClean="0"/>
-              <a:t>11/19/14</a:t>
+              <a:t>11/20/2014</a:t>
             </a:fld>
             <a:endParaRPr lang="en-US"/>
           </a:p>
@@ -10454,7 +10468,7 @@
           <a:p>
             <a:fld id="{A20EDA20-73AD-C646-9AA7-372163751164}" type="datetimeFigureOut">
               <a:rPr lang="en-US" smtClean="0"/>
-              <a:t>11/19/14</a:t>
+              <a:t>11/20/2014</a:t>
             </a:fld>
             <a:endParaRPr lang="en-US"/>
           </a:p>
@@ -13276,7 +13290,7 @@
           <a:p>
             <a:fld id="{A20EDA20-73AD-C646-9AA7-372163751164}" type="datetimeFigureOut">
               <a:rPr lang="en-US" smtClean="0"/>
-              <a:t>11/19/14</a:t>
+              <a:t>11/20/2014</a:t>
             </a:fld>
             <a:endParaRPr lang="en-US"/>
           </a:p>
@@ -13747,6 +13761,7 @@
         <p:spPr/>
         <p:txBody>
           <a:bodyPr>
+            <a:normAutofit/>
             <a:scene3d>
               <a:camera prst="orthographicFront"/>
               <a:lightRig rig="threePt" dir="t"/>
@@ -13758,10 +13773,26 @@
           <a:lstStyle/>
           <a:p>
             <a:r>
-              <a:rPr lang="en-US" dirty="0" err="1" smtClean="0"/>
+              <a:rPr lang="en-US" sz="5400" dirty="0" err="1" smtClean="0">
+                <a:effectLst>
+                  <a:outerShdw blurRad="38100" dist="38100" dir="2700000" algn="tl">
+                    <a:srgbClr val="000000">
+                      <a:alpha val="43137"/>
+                    </a:srgbClr>
+                  </a:outerShdw>
+                </a:effectLst>
+              </a:rPr>
               <a:t>Cognitio</a:t>
             </a:r>
-            <a:endParaRPr lang="en-US" dirty="0"/>
+            <a:endParaRPr lang="en-US" sz="5400" dirty="0">
+              <a:effectLst>
+                <a:outerShdw blurRad="38100" dist="38100" dir="2700000" algn="tl">
+                  <a:srgbClr val="000000">
+                    <a:alpha val="43137"/>
+                  </a:srgbClr>
+                </a:outerShdw>
+              </a:effectLst>
+            </a:endParaRPr>
           </a:p>
         </p:txBody>
       </p:sp>
@@ -13798,6 +13829,13 @@
   <p:clrMapOvr>
     <a:masterClrMapping/>
   </p:clrMapOvr>
+  <p:timing>
+    <p:tnLst>
+      <p:par>
+        <p:cTn id="1" dur="indefinite" restart="never" nodeType="tmRoot"/>
+      </p:par>
+    </p:tnLst>
+  </p:timing>
 </p:sld>
 </file>
 
@@ -13870,1246 +13908,70 @@
             <a:off x="1043492" y="1922092"/>
             <a:ext cx="6777317" cy="4572000"/>
           </a:xfrm>
+          <a:ln>
+            <a:solidFill>
+              <a:schemeClr val="accent1"/>
+            </a:solidFill>
+          </a:ln>
         </p:spPr>
         <p:txBody>
           <a:bodyPr>
-            <a:normAutofit fontScale="70000" lnSpcReduction="20000"/>
+            <a:normAutofit/>
           </a:bodyPr>
           <a:lstStyle/>
           <a:p>
-            <a:pPr>
-              <a:buFontTx/>
-              <a:buChar char="-"/>
+            <a:pPr marL="68580" indent="0">
+              <a:buNone/>
             </a:pPr>
             <a:r>
-              <a:rPr lang="en-US" b="1" dirty="0" smtClean="0">
-                <a:ln w="12700">
-                  <a:solidFill>
-                    <a:schemeClr val="tx2">
-                      <a:satMod val="155000"/>
-                    </a:schemeClr>
-                  </a:solidFill>
-                  <a:prstDash val="solid"/>
-                </a:ln>
-                <a:solidFill>
-                  <a:schemeClr val="bg2">
-                    <a:tint val="85000"/>
-                    <a:satMod val="155000"/>
-                  </a:schemeClr>
-                </a:solidFill>
-                <a:effectLst>
-                  <a:outerShdw blurRad="41275" dist="20320" dir="1800000" algn="tl" rotWithShape="0">
-                    <a:srgbClr val="000000">
-                      <a:alpha val="40000"/>
-                    </a:srgbClr>
-                  </a:outerShdw>
-                </a:effectLst>
-              </a:rPr>
-              <a:t>The </a:t>
-            </a:r>
-            <a:r>
-              <a:rPr lang="en-US" b="1" dirty="0">
-                <a:ln w="12700">
-                  <a:solidFill>
-                    <a:schemeClr val="tx2">
-                      <a:satMod val="155000"/>
-                    </a:schemeClr>
-                  </a:solidFill>
-                  <a:prstDash val="solid"/>
-                </a:ln>
-                <a:solidFill>
-                  <a:schemeClr val="bg2">
-                    <a:tint val="85000"/>
-                    <a:satMod val="155000"/>
-                  </a:schemeClr>
-                </a:solidFill>
-                <a:effectLst>
-                  <a:outerShdw blurRad="41275" dist="20320" dir="1800000" algn="tl" rotWithShape="0">
-                    <a:srgbClr val="000000">
-                      <a:alpha val="40000"/>
-                    </a:srgbClr>
-                  </a:outerShdw>
-                </a:effectLst>
-              </a:rPr>
-              <a:t>player controls a character on the right hand side of the </a:t>
-            </a:r>
-            <a:r>
-              <a:rPr lang="en-US" b="1" dirty="0" smtClean="0">
-                <a:ln w="12700">
-                  <a:solidFill>
-                    <a:schemeClr val="tx2">
-                      <a:satMod val="155000"/>
-                    </a:schemeClr>
-                  </a:solidFill>
-                  <a:prstDash val="solid"/>
-                </a:ln>
-                <a:solidFill>
-                  <a:schemeClr val="bg2">
-                    <a:tint val="85000"/>
-                    <a:satMod val="155000"/>
-                  </a:schemeClr>
-                </a:solidFill>
-                <a:effectLst>
-                  <a:outerShdw blurRad="41275" dist="20320" dir="1800000" algn="tl" rotWithShape="0">
-                    <a:srgbClr val="000000">
-                      <a:alpha val="40000"/>
-                    </a:srgbClr>
-                  </a:outerShdw>
-                </a:effectLst>
-              </a:rPr>
-              <a:t>screen;</a:t>
+              <a:rPr lang="en-US" dirty="0"/>
+              <a:t>The game is a medieval shooter. </a:t>
             </a:r>
           </a:p>
           <a:p>
-            <a:pPr>
-              <a:buFontTx/>
-              <a:buChar char="-"/>
+            <a:pPr marL="68580" indent="0">
+              <a:buNone/>
             </a:pPr>
             <a:r>
-              <a:rPr lang="en-US" b="1" dirty="0" smtClean="0">
-                <a:ln w="12700">
-                  <a:solidFill>
-                    <a:schemeClr val="tx2">
-                      <a:satMod val="155000"/>
-                    </a:schemeClr>
-                  </a:solidFill>
-                  <a:prstDash val="solid"/>
-                </a:ln>
-                <a:solidFill>
-                  <a:schemeClr val="bg2">
-                    <a:tint val="85000"/>
-                    <a:satMod val="155000"/>
-                  </a:schemeClr>
-                </a:solidFill>
-                <a:effectLst>
-                  <a:outerShdw blurRad="41275" dist="20320" dir="1800000" algn="tl" rotWithShape="0">
-                    <a:srgbClr val="000000">
-                      <a:alpha val="40000"/>
-                    </a:srgbClr>
-                  </a:outerShdw>
-                </a:effectLst>
-              </a:rPr>
-              <a:t>  It </a:t>
-            </a:r>
-            <a:r>
-              <a:rPr lang="en-US" b="1" dirty="0">
-                <a:ln w="12700">
-                  <a:solidFill>
-                    <a:schemeClr val="tx2">
-                      <a:satMod val="155000"/>
-                    </a:schemeClr>
-                  </a:solidFill>
-                  <a:prstDash val="solid"/>
-                </a:ln>
-                <a:solidFill>
-                  <a:schemeClr val="bg2">
-                    <a:tint val="85000"/>
-                    <a:satMod val="155000"/>
-                  </a:schemeClr>
-                </a:solidFill>
-                <a:effectLst>
-                  <a:outerShdw blurRad="41275" dist="20320" dir="1800000" algn="tl" rotWithShape="0">
-                    <a:srgbClr val="000000">
-                      <a:alpha val="40000"/>
-                    </a:srgbClr>
-                  </a:outerShdw>
-                </a:effectLst>
-              </a:rPr>
-              <a:t>can move in all directions but limited to the right half of the screen</a:t>
-            </a:r>
-            <a:r>
-              <a:rPr lang="en-US" b="1" dirty="0" smtClean="0">
-                <a:ln w="12700">
-                  <a:solidFill>
-                    <a:schemeClr val="tx2">
-                      <a:satMod val="155000"/>
-                    </a:schemeClr>
-                  </a:solidFill>
-                  <a:prstDash val="solid"/>
-                </a:ln>
-                <a:solidFill>
-                  <a:schemeClr val="bg2">
-                    <a:tint val="85000"/>
-                    <a:satMod val="155000"/>
-                  </a:schemeClr>
-                </a:solidFill>
-                <a:effectLst>
-                  <a:outerShdw blurRad="41275" dist="20320" dir="1800000" algn="tl" rotWithShape="0">
-                    <a:srgbClr val="000000">
-                      <a:alpha val="40000"/>
-                    </a:srgbClr>
-                  </a:outerShdw>
-                </a:effectLst>
-              </a:rPr>
-              <a:t>.</a:t>
+              <a:rPr lang="en-US" dirty="0"/>
+              <a:t>The player controls a ninja that can jump up and move left and right. It has to attack a castle which is protected by a wizard that shoots lightning bolts. </a:t>
             </a:r>
           </a:p>
           <a:p>
-            <a:pPr>
-              <a:buFontTx/>
-              <a:buChar char="-"/>
+            <a:pPr marL="68580" indent="0">
+              <a:buNone/>
             </a:pPr>
             <a:r>
-              <a:rPr lang="en-US" b="1" dirty="0" smtClean="0">
-                <a:ln w="12700">
-                  <a:solidFill>
-                    <a:schemeClr val="tx2">
-                      <a:satMod val="155000"/>
-                    </a:schemeClr>
-                  </a:solidFill>
-                  <a:prstDash val="solid"/>
-                </a:ln>
-                <a:solidFill>
-                  <a:schemeClr val="bg2">
-                    <a:tint val="85000"/>
-                    <a:satMod val="155000"/>
-                  </a:schemeClr>
-                </a:solidFill>
-                <a:effectLst>
-                  <a:outerShdw blurRad="41275" dist="20320" dir="1800000" algn="tl" rotWithShape="0">
-                    <a:srgbClr val="000000">
-                      <a:alpha val="40000"/>
-                    </a:srgbClr>
-                  </a:outerShdw>
-                </a:effectLst>
-              </a:rPr>
-              <a:t> </a:t>
-            </a:r>
-            <a:r>
-              <a:rPr lang="en-US" b="1" dirty="0">
-                <a:ln w="12700">
-                  <a:solidFill>
-                    <a:schemeClr val="tx2">
-                      <a:satMod val="155000"/>
-                    </a:schemeClr>
-                  </a:solidFill>
-                  <a:prstDash val="solid"/>
-                </a:ln>
-                <a:solidFill>
-                  <a:schemeClr val="bg2">
-                    <a:tint val="85000"/>
-                    <a:satMod val="155000"/>
-                  </a:schemeClr>
-                </a:solidFill>
-                <a:effectLst>
-                  <a:outerShdw blurRad="41275" dist="20320" dir="1800000" algn="tl" rotWithShape="0">
-                    <a:srgbClr val="000000">
-                      <a:alpha val="40000"/>
-                    </a:srgbClr>
-                  </a:outerShdw>
-                </a:effectLst>
-              </a:rPr>
-              <a:t>It shoots and the shots always go left. </a:t>
-            </a:r>
-            <a:endParaRPr lang="en-US" b="1" dirty="0" smtClean="0">
-              <a:ln w="12700">
-                <a:solidFill>
-                  <a:schemeClr val="tx2">
-                    <a:satMod val="155000"/>
-                  </a:schemeClr>
-                </a:solidFill>
-                <a:prstDash val="solid"/>
-              </a:ln>
-              <a:solidFill>
-                <a:schemeClr val="bg2">
-                  <a:tint val="85000"/>
-                  <a:satMod val="155000"/>
-                </a:schemeClr>
-              </a:solidFill>
-              <a:effectLst>
-                <a:outerShdw blurRad="41275" dist="20320" dir="1800000" algn="tl" rotWithShape="0">
-                  <a:srgbClr val="000000">
-                    <a:alpha val="40000"/>
-                  </a:srgbClr>
-                </a:outerShdw>
-              </a:effectLst>
-            </a:endParaRPr>
-          </a:p>
-          <a:p>
-            <a:pPr>
-              <a:buFontTx/>
-              <a:buChar char="-"/>
-            </a:pPr>
-            <a:r>
-              <a:rPr lang="en-US" b="1" dirty="0" smtClean="0">
-                <a:ln w="12700">
-                  <a:solidFill>
-                    <a:schemeClr val="tx2">
-                      <a:satMod val="155000"/>
-                    </a:schemeClr>
-                  </a:solidFill>
-                  <a:prstDash val="solid"/>
-                </a:ln>
-                <a:solidFill>
-                  <a:schemeClr val="bg2">
-                    <a:tint val="85000"/>
-                    <a:satMod val="155000"/>
-                  </a:schemeClr>
-                </a:solidFill>
-                <a:effectLst>
-                  <a:outerShdw blurRad="41275" dist="20320" dir="1800000" algn="tl" rotWithShape="0">
-                    <a:srgbClr val="000000">
-                      <a:alpha val="40000"/>
-                    </a:srgbClr>
-                  </a:outerShdw>
-                </a:effectLst>
-              </a:rPr>
-              <a:t>The </a:t>
-            </a:r>
-            <a:r>
-              <a:rPr lang="en-US" b="1" dirty="0">
-                <a:ln w="12700">
-                  <a:solidFill>
-                    <a:schemeClr val="tx2">
-                      <a:satMod val="155000"/>
-                    </a:schemeClr>
-                  </a:solidFill>
-                  <a:prstDash val="solid"/>
-                </a:ln>
-                <a:solidFill>
-                  <a:schemeClr val="bg2">
-                    <a:tint val="85000"/>
-                    <a:satMod val="155000"/>
-                  </a:schemeClr>
-                </a:solidFill>
-                <a:effectLst>
-                  <a:outerShdw blurRad="41275" dist="20320" dir="1800000" algn="tl" rotWithShape="0">
-                    <a:srgbClr val="000000">
-                      <a:alpha val="40000"/>
-                    </a:srgbClr>
-                  </a:outerShdw>
-                </a:effectLst>
-              </a:rPr>
-              <a:t>player starts off with </a:t>
-            </a:r>
-            <a:r>
-              <a:rPr lang="en-US" b="1" dirty="0" err="1">
-                <a:ln w="12700">
-                  <a:solidFill>
-                    <a:schemeClr val="tx2">
-                      <a:satMod val="155000"/>
-                    </a:schemeClr>
-                  </a:solidFill>
-                  <a:prstDash val="solid"/>
-                </a:ln>
-                <a:solidFill>
-                  <a:schemeClr val="bg2">
-                    <a:tint val="85000"/>
-                    <a:satMod val="155000"/>
-                  </a:schemeClr>
-                </a:solidFill>
-                <a:effectLst>
-                  <a:outerShdw blurRad="41275" dist="20320" dir="1800000" algn="tl" rotWithShape="0">
-                    <a:srgbClr val="000000">
-                      <a:alpha val="40000"/>
-                    </a:srgbClr>
-                  </a:outerShdw>
-                </a:effectLst>
-              </a:rPr>
-              <a:t>int</a:t>
-            </a:r>
-            <a:r>
-              <a:rPr lang="en-US" b="1" dirty="0">
-                <a:ln w="12700">
-                  <a:solidFill>
-                    <a:schemeClr val="tx2">
-                      <a:satMod val="155000"/>
-                    </a:schemeClr>
-                  </a:solidFill>
-                  <a:prstDash val="solid"/>
-                </a:ln>
-                <a:solidFill>
-                  <a:schemeClr val="bg2">
-                    <a:tint val="85000"/>
-                    <a:satMod val="155000"/>
-                  </a:schemeClr>
-                </a:solidFill>
-                <a:effectLst>
-                  <a:outerShdw blurRad="41275" dist="20320" dir="1800000" algn="tl" rotWithShape="0">
-                    <a:srgbClr val="000000">
-                      <a:alpha val="40000"/>
-                    </a:srgbClr>
-                  </a:outerShdw>
-                </a:effectLst>
-              </a:rPr>
-              <a:t> lives; </a:t>
-            </a:r>
-            <a:r>
-              <a:rPr lang="en-US" b="1" dirty="0" err="1">
-                <a:ln w="12700">
-                  <a:solidFill>
-                    <a:schemeClr val="tx2">
-                      <a:satMod val="155000"/>
-                    </a:schemeClr>
-                  </a:solidFill>
-                  <a:prstDash val="solid"/>
-                </a:ln>
-                <a:solidFill>
-                  <a:schemeClr val="bg2">
-                    <a:tint val="85000"/>
-                    <a:satMod val="155000"/>
-                  </a:schemeClr>
-                </a:solidFill>
-                <a:effectLst>
-                  <a:outerShdw blurRad="41275" dist="20320" dir="1800000" algn="tl" rotWithShape="0">
-                    <a:srgbClr val="000000">
-                      <a:alpha val="40000"/>
-                    </a:srgbClr>
-                  </a:outerShdw>
-                </a:effectLst>
-              </a:rPr>
-              <a:t>int</a:t>
-            </a:r>
-            <a:r>
-              <a:rPr lang="en-US" b="1" dirty="0">
-                <a:ln w="12700">
-                  <a:solidFill>
-                    <a:schemeClr val="tx2">
-                      <a:satMod val="155000"/>
-                    </a:schemeClr>
-                  </a:solidFill>
-                  <a:prstDash val="solid"/>
-                </a:ln>
-                <a:solidFill>
-                  <a:schemeClr val="bg2">
-                    <a:tint val="85000"/>
-                    <a:satMod val="155000"/>
-                  </a:schemeClr>
-                </a:solidFill>
-                <a:effectLst>
-                  <a:outerShdw blurRad="41275" dist="20320" dir="1800000" algn="tl" rotWithShape="0">
-                    <a:srgbClr val="000000">
-                      <a:alpha val="40000"/>
-                    </a:srgbClr>
-                  </a:outerShdw>
-                </a:effectLst>
-              </a:rPr>
-              <a:t> </a:t>
-            </a:r>
-            <a:r>
-              <a:rPr lang="en-US" b="1" dirty="0" err="1">
-                <a:ln w="12700">
-                  <a:solidFill>
-                    <a:schemeClr val="tx2">
-                      <a:satMod val="155000"/>
-                    </a:schemeClr>
-                  </a:solidFill>
-                  <a:prstDash val="solid"/>
-                </a:ln>
-                <a:solidFill>
-                  <a:schemeClr val="bg2">
-                    <a:tint val="85000"/>
-                    <a:satMod val="155000"/>
-                  </a:schemeClr>
-                </a:solidFill>
-                <a:effectLst>
-                  <a:outerShdw blurRad="41275" dist="20320" dir="1800000" algn="tl" rotWithShape="0">
-                    <a:srgbClr val="000000">
-                      <a:alpha val="40000"/>
-                    </a:srgbClr>
-                  </a:outerShdw>
-                </a:effectLst>
-              </a:rPr>
-              <a:t>hitPoints</a:t>
-            </a:r>
-            <a:r>
-              <a:rPr lang="en-US" b="1" dirty="0" smtClean="0">
-                <a:ln w="12700">
-                  <a:solidFill>
-                    <a:schemeClr val="tx2">
-                      <a:satMod val="155000"/>
-                    </a:schemeClr>
-                  </a:solidFill>
-                  <a:prstDash val="solid"/>
-                </a:ln>
-                <a:solidFill>
-                  <a:schemeClr val="bg2">
-                    <a:tint val="85000"/>
-                    <a:satMod val="155000"/>
-                  </a:schemeClr>
-                </a:solidFill>
-                <a:effectLst>
-                  <a:outerShdw blurRad="41275" dist="20320" dir="1800000" algn="tl" rotWithShape="0">
-                    <a:srgbClr val="000000">
-                      <a:alpha val="40000"/>
-                    </a:srgbClr>
-                  </a:outerShdw>
-                </a:effectLst>
-              </a:rPr>
-              <a:t>.</a:t>
+              <a:rPr lang="en-US" dirty="0"/>
+              <a:t>The aim of the game is for the ninja to hit the castle enough times without getting killed by the wizard.</a:t>
             </a:r>
           </a:p>
           <a:p>
-            <a:pPr>
-              <a:buFontTx/>
-              <a:buChar char="-"/>
+            <a:pPr marL="68580" indent="0">
+              <a:buNone/>
             </a:pPr>
             <a:r>
-              <a:rPr lang="en-US" b="1" dirty="0" smtClean="0">
-                <a:ln w="12700">
-                  <a:solidFill>
-                    <a:schemeClr val="tx2">
-                      <a:satMod val="155000"/>
-                    </a:schemeClr>
-                  </a:solidFill>
-                  <a:prstDash val="solid"/>
-                </a:ln>
-                <a:solidFill>
-                  <a:schemeClr val="bg2">
-                    <a:tint val="85000"/>
-                    <a:satMod val="155000"/>
-                  </a:schemeClr>
-                </a:solidFill>
-                <a:effectLst>
-                  <a:outerShdw blurRad="41275" dist="20320" dir="1800000" algn="tl" rotWithShape="0">
-                    <a:srgbClr val="000000">
-                      <a:alpha val="40000"/>
-                    </a:srgbClr>
-                  </a:outerShdw>
-                </a:effectLst>
-              </a:rPr>
-              <a:t> </a:t>
+              <a:rPr lang="en-US" dirty="0"/>
+              <a:t>When the castle falls we get our prize!</a:t>
+            </a:r>
+          </a:p>
+          <a:p>
+            <a:pPr marL="68580" indent="0">
+              <a:buNone/>
+            </a:pPr>
+            <a:r>
+              <a:rPr lang="en-US" dirty="0"/>
+              <a:t>… a </a:t>
             </a:r>
             <a:r>
-              <a:rPr lang="en-US" b="1" dirty="0">
-                <a:ln w="12700">
-                  <a:solidFill>
-                    <a:schemeClr val="tx2">
-                      <a:satMod val="155000"/>
-                    </a:schemeClr>
-                  </a:solidFill>
-                  <a:prstDash val="solid"/>
-                </a:ln>
-                <a:solidFill>
-                  <a:schemeClr val="bg2">
-                    <a:tint val="85000"/>
-                    <a:satMod val="155000"/>
-                  </a:schemeClr>
-                </a:solidFill>
-                <a:effectLst>
-                  <a:outerShdw blurRad="41275" dist="20320" dir="1800000" algn="tl" rotWithShape="0">
-                    <a:srgbClr val="000000">
-                      <a:alpha val="40000"/>
-                    </a:srgbClr>
-                  </a:outerShdw>
-                </a:effectLst>
-              </a:rPr>
-              <a:t>On the higher levels there will be an increase in lives/</a:t>
+              <a:rPr lang="en-US" dirty="0" smtClean="0"/>
+              <a:t>silly programmer’s </a:t>
             </a:r>
             <a:r>
-              <a:rPr lang="en-US" b="1" dirty="0" err="1">
-                <a:ln w="12700">
-                  <a:solidFill>
-                    <a:schemeClr val="tx2">
-                      <a:satMod val="155000"/>
-                    </a:schemeClr>
-                  </a:solidFill>
-                  <a:prstDash val="solid"/>
-                </a:ln>
-                <a:solidFill>
-                  <a:schemeClr val="bg2">
-                    <a:tint val="85000"/>
-                    <a:satMod val="155000"/>
-                  </a:schemeClr>
-                </a:solidFill>
-                <a:effectLst>
-                  <a:outerShdw blurRad="41275" dist="20320" dir="1800000" algn="tl" rotWithShape="0">
-                    <a:srgbClr val="000000">
-                      <a:alpha val="40000"/>
-                    </a:srgbClr>
-                  </a:outerShdw>
-                </a:effectLst>
-              </a:rPr>
-              <a:t>hitPoints</a:t>
+              <a:rPr lang="en-US" dirty="0"/>
+              <a:t>joke</a:t>
             </a:r>
-            <a:r>
-              <a:rPr lang="en-US" b="1" dirty="0">
-                <a:ln w="12700">
-                  <a:solidFill>
-                    <a:schemeClr val="tx2">
-                      <a:satMod val="155000"/>
-                    </a:schemeClr>
-                  </a:solidFill>
-                  <a:prstDash val="solid"/>
-                </a:ln>
-                <a:solidFill>
-                  <a:schemeClr val="bg2">
-                    <a:tint val="85000"/>
-                    <a:satMod val="155000"/>
-                  </a:schemeClr>
-                </a:solidFill>
-                <a:effectLst>
-                  <a:outerShdw blurRad="41275" dist="20320" dir="1800000" algn="tl" rotWithShape="0">
-                    <a:srgbClr val="000000">
-                      <a:alpha val="40000"/>
-                    </a:srgbClr>
-                  </a:outerShdw>
-                </a:effectLst>
-              </a:rPr>
-              <a:t>. </a:t>
-            </a:r>
-            <a:endParaRPr lang="en-US" b="1" dirty="0" smtClean="0">
-              <a:ln w="12700">
-                <a:solidFill>
-                  <a:schemeClr val="tx2">
-                    <a:satMod val="155000"/>
-                  </a:schemeClr>
-                </a:solidFill>
-                <a:prstDash val="solid"/>
-              </a:ln>
-              <a:solidFill>
-                <a:schemeClr val="bg2">
-                  <a:tint val="85000"/>
-                  <a:satMod val="155000"/>
-                </a:schemeClr>
-              </a:solidFill>
-              <a:effectLst>
-                <a:outerShdw blurRad="41275" dist="20320" dir="1800000" algn="tl" rotWithShape="0">
-                  <a:srgbClr val="000000">
-                    <a:alpha val="40000"/>
-                  </a:srgbClr>
-                </a:outerShdw>
-              </a:effectLst>
-            </a:endParaRPr>
-          </a:p>
-          <a:p>
-            <a:pPr>
-              <a:buFontTx/>
-              <a:buChar char="-"/>
-            </a:pPr>
-            <a:r>
-              <a:rPr lang="en-US" b="1" dirty="0" smtClean="0">
-                <a:ln w="12700">
-                  <a:solidFill>
-                    <a:schemeClr val="tx2">
-                      <a:satMod val="155000"/>
-                    </a:schemeClr>
-                  </a:solidFill>
-                  <a:prstDash val="solid"/>
-                </a:ln>
-                <a:solidFill>
-                  <a:schemeClr val="bg2">
-                    <a:tint val="85000"/>
-                    <a:satMod val="155000"/>
-                  </a:schemeClr>
-                </a:solidFill>
-                <a:effectLst>
-                  <a:outerShdw blurRad="41275" dist="20320" dir="1800000" algn="tl" rotWithShape="0">
-                    <a:srgbClr val="000000">
-                      <a:alpha val="40000"/>
-                    </a:srgbClr>
-                  </a:outerShdw>
-                </a:effectLst>
-              </a:rPr>
-              <a:t>On </a:t>
-            </a:r>
-            <a:r>
-              <a:rPr lang="en-US" b="1" dirty="0">
-                <a:ln w="12700">
-                  <a:solidFill>
-                    <a:schemeClr val="tx2">
-                      <a:satMod val="155000"/>
-                    </a:schemeClr>
-                  </a:solidFill>
-                  <a:prstDash val="solid"/>
-                </a:ln>
-                <a:solidFill>
-                  <a:schemeClr val="bg2">
-                    <a:tint val="85000"/>
-                    <a:satMod val="155000"/>
-                  </a:schemeClr>
-                </a:solidFill>
-                <a:effectLst>
-                  <a:outerShdw blurRad="41275" dist="20320" dir="1800000" algn="tl" rotWithShape="0">
-                    <a:srgbClr val="000000">
-                      <a:alpha val="40000"/>
-                    </a:srgbClr>
-                  </a:outerShdw>
-                </a:effectLst>
-              </a:rPr>
-              <a:t>the left side of the screen we have a castle. </a:t>
-            </a:r>
-            <a:endParaRPr lang="en-US" b="1" dirty="0" smtClean="0">
-              <a:ln w="12700">
-                <a:solidFill>
-                  <a:schemeClr val="tx2">
-                    <a:satMod val="155000"/>
-                  </a:schemeClr>
-                </a:solidFill>
-                <a:prstDash val="solid"/>
-              </a:ln>
-              <a:solidFill>
-                <a:schemeClr val="bg2">
-                  <a:tint val="85000"/>
-                  <a:satMod val="155000"/>
-                </a:schemeClr>
-              </a:solidFill>
-              <a:effectLst>
-                <a:outerShdw blurRad="41275" dist="20320" dir="1800000" algn="tl" rotWithShape="0">
-                  <a:srgbClr val="000000">
-                    <a:alpha val="40000"/>
-                  </a:srgbClr>
-                </a:outerShdw>
-              </a:effectLst>
-            </a:endParaRPr>
-          </a:p>
-          <a:p>
-            <a:pPr>
-              <a:buFontTx/>
-              <a:buChar char="-"/>
-            </a:pPr>
-            <a:r>
-              <a:rPr lang="en-US" b="1" dirty="0" smtClean="0">
-                <a:ln w="12700">
-                  <a:solidFill>
-                    <a:schemeClr val="tx2">
-                      <a:satMod val="155000"/>
-                    </a:schemeClr>
-                  </a:solidFill>
-                  <a:prstDash val="solid"/>
-                </a:ln>
-                <a:solidFill>
-                  <a:schemeClr val="bg2">
-                    <a:tint val="85000"/>
-                    <a:satMod val="155000"/>
-                  </a:schemeClr>
-                </a:solidFill>
-                <a:effectLst>
-                  <a:outerShdw blurRad="41275" dist="20320" dir="1800000" algn="tl" rotWithShape="0">
-                    <a:srgbClr val="000000">
-                      <a:alpha val="40000"/>
-                    </a:srgbClr>
-                  </a:outerShdw>
-                </a:effectLst>
-              </a:rPr>
-              <a:t>It </a:t>
-            </a:r>
-            <a:r>
-              <a:rPr lang="en-US" b="1" dirty="0">
-                <a:ln w="12700">
-                  <a:solidFill>
-                    <a:schemeClr val="tx2">
-                      <a:satMod val="155000"/>
-                    </a:schemeClr>
-                  </a:solidFill>
-                  <a:prstDash val="solid"/>
-                </a:ln>
-                <a:solidFill>
-                  <a:schemeClr val="bg2">
-                    <a:tint val="85000"/>
-                    <a:satMod val="155000"/>
-                  </a:schemeClr>
-                </a:solidFill>
-                <a:effectLst>
-                  <a:outerShdw blurRad="41275" dist="20320" dir="1800000" algn="tl" rotWithShape="0">
-                    <a:srgbClr val="000000">
-                      <a:alpha val="40000"/>
-                    </a:srgbClr>
-                  </a:outerShdw>
-                </a:effectLst>
-              </a:rPr>
-              <a:t>shoots cannon balls at the player that the player has to avoid. </a:t>
-            </a:r>
-            <a:endParaRPr lang="en-US" b="1" dirty="0" smtClean="0">
-              <a:ln w="12700">
-                <a:solidFill>
-                  <a:schemeClr val="tx2">
-                    <a:satMod val="155000"/>
-                  </a:schemeClr>
-                </a:solidFill>
-                <a:prstDash val="solid"/>
-              </a:ln>
-              <a:solidFill>
-                <a:schemeClr val="bg2">
-                  <a:tint val="85000"/>
-                  <a:satMod val="155000"/>
-                </a:schemeClr>
-              </a:solidFill>
-              <a:effectLst>
-                <a:outerShdw blurRad="41275" dist="20320" dir="1800000" algn="tl" rotWithShape="0">
-                  <a:srgbClr val="000000">
-                    <a:alpha val="40000"/>
-                  </a:srgbClr>
-                </a:outerShdw>
-              </a:effectLst>
-            </a:endParaRPr>
-          </a:p>
-          <a:p>
-            <a:pPr>
-              <a:buFontTx/>
-              <a:buChar char="-"/>
-            </a:pPr>
-            <a:r>
-              <a:rPr lang="en-US" b="1" dirty="0" smtClean="0">
-                <a:ln w="12700">
-                  <a:solidFill>
-                    <a:schemeClr val="tx2">
-                      <a:satMod val="155000"/>
-                    </a:schemeClr>
-                  </a:solidFill>
-                  <a:prstDash val="solid"/>
-                </a:ln>
-                <a:solidFill>
-                  <a:schemeClr val="bg2">
-                    <a:tint val="85000"/>
-                    <a:satMod val="155000"/>
-                  </a:schemeClr>
-                </a:solidFill>
-                <a:effectLst>
-                  <a:outerShdw blurRad="41275" dist="20320" dir="1800000" algn="tl" rotWithShape="0">
-                    <a:srgbClr val="000000">
-                      <a:alpha val="40000"/>
-                    </a:srgbClr>
-                  </a:outerShdw>
-                </a:effectLst>
-              </a:rPr>
-              <a:t>The </a:t>
-            </a:r>
-            <a:r>
-              <a:rPr lang="en-US" b="1" dirty="0">
-                <a:ln w="12700">
-                  <a:solidFill>
-                    <a:schemeClr val="tx2">
-                      <a:satMod val="155000"/>
-                    </a:schemeClr>
-                  </a:solidFill>
-                  <a:prstDash val="solid"/>
-                </a:ln>
-                <a:solidFill>
-                  <a:schemeClr val="bg2">
-                    <a:tint val="85000"/>
-                    <a:satMod val="155000"/>
-                  </a:schemeClr>
-                </a:solidFill>
-                <a:effectLst>
-                  <a:outerShdw blurRad="41275" dist="20320" dir="1800000" algn="tl" rotWithShape="0">
-                    <a:srgbClr val="000000">
-                      <a:alpha val="40000"/>
-                    </a:srgbClr>
-                  </a:outerShdw>
-                </a:effectLst>
-              </a:rPr>
-              <a:t>castle has </a:t>
-            </a:r>
-            <a:r>
-              <a:rPr lang="en-US" b="1" dirty="0" err="1">
-                <a:ln w="12700">
-                  <a:solidFill>
-                    <a:schemeClr val="tx2">
-                      <a:satMod val="155000"/>
-                    </a:schemeClr>
-                  </a:solidFill>
-                  <a:prstDash val="solid"/>
-                </a:ln>
-                <a:solidFill>
-                  <a:schemeClr val="bg2">
-                    <a:tint val="85000"/>
-                    <a:satMod val="155000"/>
-                  </a:schemeClr>
-                </a:solidFill>
-                <a:effectLst>
-                  <a:outerShdw blurRad="41275" dist="20320" dir="1800000" algn="tl" rotWithShape="0">
-                    <a:srgbClr val="000000">
-                      <a:alpha val="40000"/>
-                    </a:srgbClr>
-                  </a:outerShdw>
-                </a:effectLst>
-              </a:rPr>
-              <a:t>int</a:t>
-            </a:r>
-            <a:r>
-              <a:rPr lang="en-US" b="1" dirty="0">
-                <a:ln w="12700">
-                  <a:solidFill>
-                    <a:schemeClr val="tx2">
-                      <a:satMod val="155000"/>
-                    </a:schemeClr>
-                  </a:solidFill>
-                  <a:prstDash val="solid"/>
-                </a:ln>
-                <a:solidFill>
-                  <a:schemeClr val="bg2">
-                    <a:tint val="85000"/>
-                    <a:satMod val="155000"/>
-                  </a:schemeClr>
-                </a:solidFill>
-                <a:effectLst>
-                  <a:outerShdw blurRad="41275" dist="20320" dir="1800000" algn="tl" rotWithShape="0">
-                    <a:srgbClr val="000000">
-                      <a:alpha val="40000"/>
-                    </a:srgbClr>
-                  </a:outerShdw>
-                </a:effectLst>
-              </a:rPr>
-              <a:t> </a:t>
-            </a:r>
-            <a:r>
-              <a:rPr lang="en-US" b="1" dirty="0" err="1">
-                <a:ln w="12700">
-                  <a:solidFill>
-                    <a:schemeClr val="tx2">
-                      <a:satMod val="155000"/>
-                    </a:schemeClr>
-                  </a:solidFill>
-                  <a:prstDash val="solid"/>
-                </a:ln>
-                <a:solidFill>
-                  <a:schemeClr val="bg2">
-                    <a:tint val="85000"/>
-                    <a:satMod val="155000"/>
-                  </a:schemeClr>
-                </a:solidFill>
-                <a:effectLst>
-                  <a:outerShdw blurRad="41275" dist="20320" dir="1800000" algn="tl" rotWithShape="0">
-                    <a:srgbClr val="000000">
-                      <a:alpha val="40000"/>
-                    </a:srgbClr>
-                  </a:outerShdw>
-                </a:effectLst>
-              </a:rPr>
-              <a:t>hitPoints</a:t>
-            </a:r>
-            <a:r>
-              <a:rPr lang="en-US" b="1" dirty="0">
-                <a:ln w="12700">
-                  <a:solidFill>
-                    <a:schemeClr val="tx2">
-                      <a:satMod val="155000"/>
-                    </a:schemeClr>
-                  </a:solidFill>
-                  <a:prstDash val="solid"/>
-                </a:ln>
-                <a:solidFill>
-                  <a:schemeClr val="bg2">
-                    <a:tint val="85000"/>
-                    <a:satMod val="155000"/>
-                  </a:schemeClr>
-                </a:solidFill>
-                <a:effectLst>
-                  <a:outerShdw blurRad="41275" dist="20320" dir="1800000" algn="tl" rotWithShape="0">
-                    <a:srgbClr val="000000">
-                      <a:alpha val="40000"/>
-                    </a:srgbClr>
-                  </a:outerShdw>
-                </a:effectLst>
-              </a:rPr>
-              <a:t>; </a:t>
-            </a:r>
-            <a:r>
-              <a:rPr lang="en-US" b="1" dirty="0" err="1">
-                <a:ln w="12700">
-                  <a:solidFill>
-                    <a:schemeClr val="tx2">
-                      <a:satMod val="155000"/>
-                    </a:schemeClr>
-                  </a:solidFill>
-                  <a:prstDash val="solid"/>
-                </a:ln>
-                <a:solidFill>
-                  <a:schemeClr val="bg2">
-                    <a:tint val="85000"/>
-                    <a:satMod val="155000"/>
-                  </a:schemeClr>
-                </a:solidFill>
-                <a:effectLst>
-                  <a:outerShdw blurRad="41275" dist="20320" dir="1800000" algn="tl" rotWithShape="0">
-                    <a:srgbClr val="000000">
-                      <a:alpha val="40000"/>
-                    </a:srgbClr>
-                  </a:outerShdw>
-                </a:effectLst>
-              </a:rPr>
-              <a:t>int</a:t>
-            </a:r>
-            <a:r>
-              <a:rPr lang="en-US" b="1" dirty="0">
-                <a:ln w="12700">
-                  <a:solidFill>
-                    <a:schemeClr val="tx2">
-                      <a:satMod val="155000"/>
-                    </a:schemeClr>
-                  </a:solidFill>
-                  <a:prstDash val="solid"/>
-                </a:ln>
-                <a:solidFill>
-                  <a:schemeClr val="bg2">
-                    <a:tint val="85000"/>
-                    <a:satMod val="155000"/>
-                  </a:schemeClr>
-                </a:solidFill>
-                <a:effectLst>
-                  <a:outerShdw blurRad="41275" dist="20320" dir="1800000" algn="tl" rotWithShape="0">
-                    <a:srgbClr val="000000">
-                      <a:alpha val="40000"/>
-                    </a:srgbClr>
-                  </a:outerShdw>
-                </a:effectLst>
-              </a:rPr>
-              <a:t> resistance. </a:t>
-            </a:r>
-            <a:endParaRPr lang="en-US" b="1" dirty="0" smtClean="0">
-              <a:ln w="12700">
-                <a:solidFill>
-                  <a:schemeClr val="tx2">
-                    <a:satMod val="155000"/>
-                  </a:schemeClr>
-                </a:solidFill>
-                <a:prstDash val="solid"/>
-              </a:ln>
-              <a:solidFill>
-                <a:schemeClr val="bg2">
-                  <a:tint val="85000"/>
-                  <a:satMod val="155000"/>
-                </a:schemeClr>
-              </a:solidFill>
-              <a:effectLst>
-                <a:outerShdw blurRad="41275" dist="20320" dir="1800000" algn="tl" rotWithShape="0">
-                  <a:srgbClr val="000000">
-                    <a:alpha val="40000"/>
-                  </a:srgbClr>
-                </a:outerShdw>
-              </a:effectLst>
-            </a:endParaRPr>
-          </a:p>
-          <a:p>
-            <a:pPr>
-              <a:buFontTx/>
-              <a:buChar char="-"/>
-            </a:pPr>
-            <a:r>
-              <a:rPr lang="en-US" b="1" dirty="0" smtClean="0">
-                <a:ln w="12700">
-                  <a:solidFill>
-                    <a:schemeClr val="tx2">
-                      <a:satMod val="155000"/>
-                    </a:schemeClr>
-                  </a:solidFill>
-                  <a:prstDash val="solid"/>
-                </a:ln>
-                <a:solidFill>
-                  <a:schemeClr val="bg2">
-                    <a:tint val="85000"/>
-                    <a:satMod val="155000"/>
-                  </a:schemeClr>
-                </a:solidFill>
-                <a:effectLst>
-                  <a:outerShdw blurRad="41275" dist="20320" dir="1800000" algn="tl" rotWithShape="0">
-                    <a:srgbClr val="000000">
-                      <a:alpha val="40000"/>
-                    </a:srgbClr>
-                  </a:outerShdw>
-                </a:effectLst>
-              </a:rPr>
-              <a:t>When </a:t>
-            </a:r>
-            <a:r>
-              <a:rPr lang="en-US" b="1" dirty="0" err="1">
-                <a:ln w="12700">
-                  <a:solidFill>
-                    <a:schemeClr val="tx2">
-                      <a:satMod val="155000"/>
-                    </a:schemeClr>
-                  </a:solidFill>
-                  <a:prstDash val="solid"/>
-                </a:ln>
-                <a:solidFill>
-                  <a:schemeClr val="bg2">
-                    <a:tint val="85000"/>
-                    <a:satMod val="155000"/>
-                  </a:schemeClr>
-                </a:solidFill>
-                <a:effectLst>
-                  <a:outerShdw blurRad="41275" dist="20320" dir="1800000" algn="tl" rotWithShape="0">
-                    <a:srgbClr val="000000">
-                      <a:alpha val="40000"/>
-                    </a:srgbClr>
-                  </a:outerShdw>
-                </a:effectLst>
-              </a:rPr>
-              <a:t>int</a:t>
-            </a:r>
-            <a:r>
-              <a:rPr lang="en-US" b="1" dirty="0">
-                <a:ln w="12700">
-                  <a:solidFill>
-                    <a:schemeClr val="tx2">
-                      <a:satMod val="155000"/>
-                    </a:schemeClr>
-                  </a:solidFill>
-                  <a:prstDash val="solid"/>
-                </a:ln>
-                <a:solidFill>
-                  <a:schemeClr val="bg2">
-                    <a:tint val="85000"/>
-                    <a:satMod val="155000"/>
-                  </a:schemeClr>
-                </a:solidFill>
-                <a:effectLst>
-                  <a:outerShdw blurRad="41275" dist="20320" dir="1800000" algn="tl" rotWithShape="0">
-                    <a:srgbClr val="000000">
-                      <a:alpha val="40000"/>
-                    </a:srgbClr>
-                  </a:outerShdw>
-                </a:effectLst>
-              </a:rPr>
-              <a:t> </a:t>
-            </a:r>
-            <a:r>
-              <a:rPr lang="en-US" b="1" dirty="0" err="1">
-                <a:ln w="12700">
-                  <a:solidFill>
-                    <a:schemeClr val="tx2">
-                      <a:satMod val="155000"/>
-                    </a:schemeClr>
-                  </a:solidFill>
-                  <a:prstDash val="solid"/>
-                </a:ln>
-                <a:solidFill>
-                  <a:schemeClr val="bg2">
-                    <a:tint val="85000"/>
-                    <a:satMod val="155000"/>
-                  </a:schemeClr>
-                </a:solidFill>
-                <a:effectLst>
-                  <a:outerShdw blurRad="41275" dist="20320" dir="1800000" algn="tl" rotWithShape="0">
-                    <a:srgbClr val="000000">
-                      <a:alpha val="40000"/>
-                    </a:srgbClr>
-                  </a:outerShdw>
-                </a:effectLst>
-              </a:rPr>
-              <a:t>resistence</a:t>
-            </a:r>
-            <a:r>
-              <a:rPr lang="en-US" b="1" dirty="0">
-                <a:ln w="12700">
-                  <a:solidFill>
-                    <a:schemeClr val="tx2">
-                      <a:satMod val="155000"/>
-                    </a:schemeClr>
-                  </a:solidFill>
-                  <a:prstDash val="solid"/>
-                </a:ln>
-                <a:solidFill>
-                  <a:schemeClr val="bg2">
-                    <a:tint val="85000"/>
-                    <a:satMod val="155000"/>
-                  </a:schemeClr>
-                </a:solidFill>
-                <a:effectLst>
-                  <a:outerShdw blurRad="41275" dist="20320" dir="1800000" algn="tl" rotWithShape="0">
-                    <a:srgbClr val="000000">
-                      <a:alpha val="40000"/>
-                    </a:srgbClr>
-                  </a:outerShdw>
-                </a:effectLst>
-              </a:rPr>
-              <a:t> drops to 0 after being hit enough times by the player, a wizard/</a:t>
-            </a:r>
-            <a:r>
-              <a:rPr lang="en-US" b="1" dirty="0" err="1">
-                <a:ln w="12700">
-                  <a:solidFill>
-                    <a:schemeClr val="tx2">
-                      <a:satMod val="155000"/>
-                    </a:schemeClr>
-                  </a:solidFill>
-                  <a:prstDash val="solid"/>
-                </a:ln>
-                <a:solidFill>
-                  <a:schemeClr val="bg2">
-                    <a:tint val="85000"/>
-                    <a:satMod val="155000"/>
-                  </a:schemeClr>
-                </a:solidFill>
-                <a:effectLst>
-                  <a:outerShdw blurRad="41275" dist="20320" dir="1800000" algn="tl" rotWithShape="0">
-                    <a:srgbClr val="000000">
-                      <a:alpha val="40000"/>
-                    </a:srgbClr>
-                  </a:outerShdw>
-                </a:effectLst>
-              </a:rPr>
-              <a:t>Nakov</a:t>
-            </a:r>
-            <a:r>
-              <a:rPr lang="en-US" b="1" dirty="0">
-                <a:ln w="12700">
-                  <a:solidFill>
-                    <a:schemeClr val="tx2">
-                      <a:satMod val="155000"/>
-                    </a:schemeClr>
-                  </a:solidFill>
-                  <a:prstDash val="solid"/>
-                </a:ln>
-                <a:solidFill>
-                  <a:schemeClr val="bg2">
-                    <a:tint val="85000"/>
-                    <a:satMod val="155000"/>
-                  </a:schemeClr>
-                </a:solidFill>
-                <a:effectLst>
-                  <a:outerShdw blurRad="41275" dist="20320" dir="1800000" algn="tl" rotWithShape="0">
-                    <a:srgbClr val="000000">
-                      <a:alpha val="40000"/>
-                    </a:srgbClr>
-                  </a:outerShdw>
-                </a:effectLst>
-              </a:rPr>
-              <a:t>/ninja emerges from its walls and asks the player a question (on </a:t>
-            </a:r>
-            <a:r>
-              <a:rPr lang="en-US" b="1" dirty="0" err="1">
-                <a:ln w="12700">
-                  <a:solidFill>
-                    <a:schemeClr val="tx2">
-                      <a:satMod val="155000"/>
-                    </a:schemeClr>
-                  </a:solidFill>
-                  <a:prstDash val="solid"/>
-                </a:ln>
-                <a:solidFill>
-                  <a:schemeClr val="bg2">
-                    <a:tint val="85000"/>
-                    <a:satMod val="155000"/>
-                  </a:schemeClr>
-                </a:solidFill>
-                <a:effectLst>
-                  <a:outerShdw blurRad="41275" dist="20320" dir="1800000" algn="tl" rotWithShape="0">
-                    <a:srgbClr val="000000">
-                      <a:alpha val="40000"/>
-                    </a:srgbClr>
-                  </a:outerShdw>
-                </a:effectLst>
-              </a:rPr>
-              <a:t>javascript</a:t>
-            </a:r>
-            <a:r>
-              <a:rPr lang="en-US" b="1" dirty="0">
-                <a:ln w="12700">
-                  <a:solidFill>
-                    <a:schemeClr val="tx2">
-                      <a:satMod val="155000"/>
-                    </a:schemeClr>
-                  </a:solidFill>
-                  <a:prstDash val="solid"/>
-                </a:ln>
-                <a:solidFill>
-                  <a:schemeClr val="bg2">
-                    <a:tint val="85000"/>
-                    <a:satMod val="155000"/>
-                  </a:schemeClr>
-                </a:solidFill>
-                <a:effectLst>
-                  <a:outerShdw blurRad="41275" dist="20320" dir="1800000" algn="tl" rotWithShape="0">
-                    <a:srgbClr val="000000">
-                      <a:alpha val="40000"/>
-                    </a:srgbClr>
-                  </a:outerShdw>
-                </a:effectLst>
-              </a:rPr>
-              <a:t>). If the player answers correctly, they move on to the next level. If not- the wizard hits him with a lightning bolt and its game over.</a:t>
-            </a:r>
+            <a:endParaRPr lang="en-US" dirty="0"/>
           </a:p>
         </p:txBody>
       </p:sp>
@@ -15123,6 +13985,13 @@
   <p:clrMapOvr>
     <a:masterClrMapping/>
   </p:clrMapOvr>
+  <p:timing>
+    <p:tnLst>
+      <p:par>
+        <p:cTn id="1" dur="indefinite" restart="never" nodeType="tmRoot"/>
+      </p:par>
+    </p:tnLst>
+  </p:timing>
 </p:sld>
 </file>
 
@@ -15153,1020 +14022,14 @@
             <p:ph type="title"/>
           </p:nvPr>
         </p:nvSpPr>
-        <p:spPr/>
-        <p:txBody>
-          <a:bodyPr>
-            <a:normAutofit fontScale="90000"/>
-            <a:scene3d>
-              <a:camera prst="orthographicFront"/>
-              <a:lightRig rig="threePt" dir="t"/>
-            </a:scene3d>
-            <a:sp3d extrusionH="57150">
-              <a:bevelT w="38100" h="38100" prst="relaxedInset"/>
-            </a:sp3d>
-          </a:bodyPr>
-          <a:lstStyle/>
-          <a:p>
-            <a:r>
-              <a:rPr lang="en-US" dirty="0"/>
-              <a:t>Information about </a:t>
-            </a:r>
-            <a:r>
-              <a:rPr lang="en-US" dirty="0" err="1"/>
-              <a:t>js</a:t>
-            </a:r>
-            <a:r>
-              <a:rPr lang="en-US" dirty="0"/>
-              <a:t> libraries we have discussed</a:t>
-            </a:r>
-          </a:p>
-        </p:txBody>
-      </p:sp>
-      <p:sp>
-        <p:nvSpPr>
-          <p:cNvPr id="3" name="Content Placeholder 2"/>
-          <p:cNvSpPr>
-            <a:spLocks noGrp="1"/>
-          </p:cNvSpPr>
-          <p:nvPr>
-            <p:ph idx="1"/>
-          </p:nvPr>
-        </p:nvSpPr>
         <p:spPr>
-          <a:xfrm>
-            <a:off x="1043492" y="2323652"/>
-            <a:ext cx="6777317" cy="4017226"/>
-          </a:xfrm>
+          <a:noFill/>
+          <a:ln>
+            <a:solidFill>
+              <a:schemeClr val="accent1"/>
+            </a:solidFill>
+          </a:ln>
         </p:spPr>
-        <p:txBody>
-          <a:bodyPr>
-            <a:normAutofit fontScale="70000" lnSpcReduction="20000"/>
-          </a:bodyPr>
-          <a:lstStyle/>
-          <a:p>
-            <a:pPr marL="68580" indent="0">
-              <a:buNone/>
-            </a:pPr>
-            <a:r>
-              <a:rPr lang="en-US" b="1" dirty="0">
-                <a:ln w="12700">
-                  <a:solidFill>
-                    <a:schemeClr val="tx2">
-                      <a:satMod val="155000"/>
-                    </a:schemeClr>
-                  </a:solidFill>
-                  <a:prstDash val="solid"/>
-                </a:ln>
-                <a:solidFill>
-                  <a:schemeClr val="bg2">
-                    <a:tint val="85000"/>
-                    <a:satMod val="155000"/>
-                  </a:schemeClr>
-                </a:solidFill>
-                <a:effectLst>
-                  <a:outerShdw blurRad="41275" dist="20320" dir="1800000" algn="tl" rotWithShape="0">
-                    <a:srgbClr val="000000">
-                      <a:alpha val="40000"/>
-                    </a:srgbClr>
-                  </a:outerShdw>
-                </a:effectLst>
-              </a:rPr>
-              <a:t>ALL </a:t>
-            </a:r>
-            <a:r>
-              <a:rPr lang="en-US" b="1" dirty="0" err="1">
-                <a:ln w="12700">
-                  <a:solidFill>
-                    <a:schemeClr val="tx2">
-                      <a:satMod val="155000"/>
-                    </a:schemeClr>
-                  </a:solidFill>
-                  <a:prstDash val="solid"/>
-                </a:ln>
-                <a:solidFill>
-                  <a:schemeClr val="bg2">
-                    <a:tint val="85000"/>
-                    <a:satMod val="155000"/>
-                  </a:schemeClr>
-                </a:solidFill>
-                <a:effectLst>
-                  <a:outerShdw blurRad="41275" dist="20320" dir="1800000" algn="tl" rotWithShape="0">
-                    <a:srgbClr val="000000">
-                      <a:alpha val="40000"/>
-                    </a:srgbClr>
-                  </a:outerShdw>
-                </a:effectLst>
-              </a:rPr>
-              <a:t>js</a:t>
-            </a:r>
-            <a:r>
-              <a:rPr lang="en-US" b="1" dirty="0">
-                <a:ln w="12700">
-                  <a:solidFill>
-                    <a:schemeClr val="tx2">
-                      <a:satMod val="155000"/>
-                    </a:schemeClr>
-                  </a:solidFill>
-                  <a:prstDash val="solid"/>
-                </a:ln>
-                <a:solidFill>
-                  <a:schemeClr val="bg2">
-                    <a:tint val="85000"/>
-                    <a:satMod val="155000"/>
-                  </a:schemeClr>
-                </a:solidFill>
-                <a:effectLst>
-                  <a:outerShdw blurRad="41275" dist="20320" dir="1800000" algn="tl" rotWithShape="0">
-                    <a:srgbClr val="000000">
-                      <a:alpha val="40000"/>
-                    </a:srgbClr>
-                  </a:outerShdw>
-                </a:effectLst>
-              </a:rPr>
-              <a:t> frameworks have been added to the .</a:t>
-            </a:r>
-            <a:r>
-              <a:rPr lang="en-US" b="1" dirty="0" err="1">
-                <a:ln w="12700">
-                  <a:solidFill>
-                    <a:schemeClr val="tx2">
-                      <a:satMod val="155000"/>
-                    </a:schemeClr>
-                  </a:solidFill>
-                  <a:prstDash val="solid"/>
-                </a:ln>
-                <a:solidFill>
-                  <a:schemeClr val="bg2">
-                    <a:tint val="85000"/>
-                    <a:satMod val="155000"/>
-                  </a:schemeClr>
-                </a:solidFill>
-                <a:effectLst>
-                  <a:outerShdw blurRad="41275" dist="20320" dir="1800000" algn="tl" rotWithShape="0">
-                    <a:srgbClr val="000000">
-                      <a:alpha val="40000"/>
-                    </a:srgbClr>
-                  </a:outerShdw>
-                </a:effectLst>
-              </a:rPr>
-              <a:t>gitignore</a:t>
-            </a:r>
-            <a:r>
-              <a:rPr lang="en-US" b="1" dirty="0">
-                <a:ln w="12700">
-                  <a:solidFill>
-                    <a:schemeClr val="tx2">
-                      <a:satMod val="155000"/>
-                    </a:schemeClr>
-                  </a:solidFill>
-                  <a:prstDash val="solid"/>
-                </a:ln>
-                <a:solidFill>
-                  <a:schemeClr val="bg2">
-                    <a:tint val="85000"/>
-                    <a:satMod val="155000"/>
-                  </a:schemeClr>
-                </a:solidFill>
-                <a:effectLst>
-                  <a:outerShdw blurRad="41275" dist="20320" dir="1800000" algn="tl" rotWithShape="0">
-                    <a:srgbClr val="000000">
-                      <a:alpha val="40000"/>
-                    </a:srgbClr>
-                  </a:outerShdw>
-                </a:effectLst>
-              </a:rPr>
-              <a:t>. </a:t>
-            </a:r>
-            <a:r>
-              <a:rPr lang="en-US" b="1" dirty="0" smtClean="0">
-                <a:ln w="12700">
-                  <a:solidFill>
-                    <a:schemeClr val="tx2">
-                      <a:satMod val="155000"/>
-                    </a:schemeClr>
-                  </a:solidFill>
-                  <a:prstDash val="solid"/>
-                </a:ln>
-                <a:solidFill>
-                  <a:schemeClr val="bg2">
-                    <a:tint val="85000"/>
-                    <a:satMod val="155000"/>
-                  </a:schemeClr>
-                </a:solidFill>
-                <a:effectLst>
-                  <a:outerShdw blurRad="41275" dist="20320" dir="1800000" algn="tl" rotWithShape="0">
-                    <a:srgbClr val="000000">
-                      <a:alpha val="40000"/>
-                    </a:srgbClr>
-                  </a:outerShdw>
-                </a:effectLst>
-              </a:rPr>
-              <a:t>To </a:t>
-            </a:r>
-            <a:r>
-              <a:rPr lang="en-US" b="1" dirty="0">
-                <a:ln w="12700">
-                  <a:solidFill>
-                    <a:schemeClr val="tx2">
-                      <a:satMod val="155000"/>
-                    </a:schemeClr>
-                  </a:solidFill>
-                  <a:prstDash val="solid"/>
-                </a:ln>
-                <a:solidFill>
-                  <a:schemeClr val="bg2">
-                    <a:tint val="85000"/>
-                    <a:satMod val="155000"/>
-                  </a:schemeClr>
-                </a:solidFill>
-                <a:effectLst>
-                  <a:outerShdw blurRad="41275" dist="20320" dir="1800000" algn="tl" rotWithShape="0">
-                    <a:srgbClr val="000000">
-                      <a:alpha val="40000"/>
-                    </a:srgbClr>
-                  </a:outerShdw>
-                </a:effectLst>
-              </a:rPr>
-              <a:t>install and keep up to date with them follow these instructions:  </a:t>
-            </a:r>
-            <a:endParaRPr lang="en-US" b="1" dirty="0" smtClean="0">
-              <a:ln w="12700">
-                <a:solidFill>
-                  <a:schemeClr val="tx2">
-                    <a:satMod val="155000"/>
-                  </a:schemeClr>
-                </a:solidFill>
-                <a:prstDash val="solid"/>
-              </a:ln>
-              <a:solidFill>
-                <a:schemeClr val="bg2">
-                  <a:tint val="85000"/>
-                  <a:satMod val="155000"/>
-                </a:schemeClr>
-              </a:solidFill>
-              <a:effectLst>
-                <a:outerShdw blurRad="41275" dist="20320" dir="1800000" algn="tl" rotWithShape="0">
-                  <a:srgbClr val="000000">
-                    <a:alpha val="40000"/>
-                  </a:srgbClr>
-                </a:outerShdw>
-              </a:effectLst>
-            </a:endParaRPr>
-          </a:p>
-          <a:p>
-            <a:pPr marL="525780" indent="-457200">
-              <a:buAutoNum type="arabicPeriod"/>
-            </a:pPr>
-            <a:r>
-              <a:rPr lang="en-US" b="1" dirty="0" smtClean="0">
-                <a:ln w="12700">
-                  <a:solidFill>
-                    <a:schemeClr val="tx2">
-                      <a:satMod val="155000"/>
-                    </a:schemeClr>
-                  </a:solidFill>
-                  <a:prstDash val="solid"/>
-                </a:ln>
-                <a:solidFill>
-                  <a:schemeClr val="bg2">
-                    <a:tint val="85000"/>
-                    <a:satMod val="155000"/>
-                  </a:schemeClr>
-                </a:solidFill>
-                <a:effectLst>
-                  <a:outerShdw blurRad="41275" dist="20320" dir="1800000" algn="tl" rotWithShape="0">
-                    <a:srgbClr val="000000">
-                      <a:alpha val="40000"/>
-                    </a:srgbClr>
-                  </a:outerShdw>
-                </a:effectLst>
-              </a:rPr>
-              <a:t>Install </a:t>
-            </a:r>
-            <a:r>
-              <a:rPr lang="en-US" b="1" dirty="0" err="1">
-                <a:ln w="12700">
-                  <a:solidFill>
-                    <a:schemeClr val="tx2">
-                      <a:satMod val="155000"/>
-                    </a:schemeClr>
-                  </a:solidFill>
-                  <a:prstDash val="solid"/>
-                </a:ln>
-                <a:solidFill>
-                  <a:schemeClr val="bg2">
-                    <a:tint val="85000"/>
-                    <a:satMod val="155000"/>
-                  </a:schemeClr>
-                </a:solidFill>
-                <a:effectLst>
-                  <a:outerShdw blurRad="41275" dist="20320" dir="1800000" algn="tl" rotWithShape="0">
-                    <a:srgbClr val="000000">
-                      <a:alpha val="40000"/>
-                    </a:srgbClr>
-                  </a:outerShdw>
-                </a:effectLst>
-              </a:rPr>
-              <a:t>node.js</a:t>
-            </a:r>
-            <a:r>
-              <a:rPr lang="en-US" b="1" dirty="0">
-                <a:ln w="12700">
-                  <a:solidFill>
-                    <a:schemeClr val="tx2">
-                      <a:satMod val="155000"/>
-                    </a:schemeClr>
-                  </a:solidFill>
-                  <a:prstDash val="solid"/>
-                </a:ln>
-                <a:solidFill>
-                  <a:schemeClr val="bg2">
-                    <a:tint val="85000"/>
-                    <a:satMod val="155000"/>
-                  </a:schemeClr>
-                </a:solidFill>
-                <a:effectLst>
-                  <a:outerShdw blurRad="41275" dist="20320" dir="1800000" algn="tl" rotWithShape="0">
-                    <a:srgbClr val="000000">
-                      <a:alpha val="40000"/>
-                    </a:srgbClr>
-                  </a:outerShdw>
-                </a:effectLst>
-              </a:rPr>
-              <a:t> with </a:t>
-            </a:r>
-            <a:r>
-              <a:rPr lang="en-US" b="1" dirty="0" err="1">
-                <a:ln w="12700">
-                  <a:solidFill>
-                    <a:schemeClr val="tx2">
-                      <a:satMod val="155000"/>
-                    </a:schemeClr>
-                  </a:solidFill>
-                  <a:prstDash val="solid"/>
-                </a:ln>
-                <a:solidFill>
-                  <a:schemeClr val="bg2">
-                    <a:tint val="85000"/>
-                    <a:satMod val="155000"/>
-                  </a:schemeClr>
-                </a:solidFill>
-                <a:effectLst>
-                  <a:outerShdw blurRad="41275" dist="20320" dir="1800000" algn="tl" rotWithShape="0">
-                    <a:srgbClr val="000000">
-                      <a:alpha val="40000"/>
-                    </a:srgbClr>
-                  </a:outerShdw>
-                </a:effectLst>
-              </a:rPr>
-              <a:t>npm</a:t>
-            </a:r>
-            <a:r>
-              <a:rPr lang="en-US" b="1" dirty="0">
-                <a:ln w="12700">
-                  <a:solidFill>
-                    <a:schemeClr val="tx2">
-                      <a:satMod val="155000"/>
-                    </a:schemeClr>
-                  </a:solidFill>
-                  <a:prstDash val="solid"/>
-                </a:ln>
-                <a:solidFill>
-                  <a:schemeClr val="bg2">
-                    <a:tint val="85000"/>
-                    <a:satMod val="155000"/>
-                  </a:schemeClr>
-                </a:solidFill>
-                <a:effectLst>
-                  <a:outerShdw blurRad="41275" dist="20320" dir="1800000" algn="tl" rotWithShape="0">
-                    <a:srgbClr val="000000">
-                      <a:alpha val="40000"/>
-                    </a:srgbClr>
-                  </a:outerShdw>
-                </a:effectLst>
-              </a:rPr>
-              <a:t> (</a:t>
-            </a:r>
-            <a:r>
-              <a:rPr lang="en-US" b="1" dirty="0" err="1">
-                <a:ln w="12700">
-                  <a:solidFill>
-                    <a:schemeClr val="tx2">
-                      <a:satMod val="155000"/>
-                    </a:schemeClr>
-                  </a:solidFill>
-                  <a:prstDash val="solid"/>
-                </a:ln>
-                <a:solidFill>
-                  <a:schemeClr val="bg2">
-                    <a:tint val="85000"/>
-                    <a:satMod val="155000"/>
-                  </a:schemeClr>
-                </a:solidFill>
-                <a:effectLst>
-                  <a:outerShdw blurRad="41275" dist="20320" dir="1800000" algn="tl" rotWithShape="0">
-                    <a:srgbClr val="000000">
-                      <a:alpha val="40000"/>
-                    </a:srgbClr>
-                  </a:outerShdw>
-                </a:effectLst>
-              </a:rPr>
-              <a:t>npm</a:t>
-            </a:r>
-            <a:r>
-              <a:rPr lang="en-US" b="1" dirty="0">
-                <a:ln w="12700">
-                  <a:solidFill>
-                    <a:schemeClr val="tx2">
-                      <a:satMod val="155000"/>
-                    </a:schemeClr>
-                  </a:solidFill>
-                  <a:prstDash val="solid"/>
-                </a:ln>
-                <a:solidFill>
-                  <a:schemeClr val="bg2">
-                    <a:tint val="85000"/>
-                    <a:satMod val="155000"/>
-                  </a:schemeClr>
-                </a:solidFill>
-                <a:effectLst>
-                  <a:outerShdw blurRad="41275" dist="20320" dir="1800000" algn="tl" rotWithShape="0">
-                    <a:srgbClr val="000000">
-                      <a:alpha val="40000"/>
-                    </a:srgbClr>
-                  </a:outerShdw>
-                </a:effectLst>
-              </a:rPr>
-              <a:t> is a package manager. It usually downloads automatically with </a:t>
-            </a:r>
-            <a:r>
-              <a:rPr lang="en-US" b="1" dirty="0" err="1">
-                <a:ln w="12700">
-                  <a:solidFill>
-                    <a:schemeClr val="tx2">
-                      <a:satMod val="155000"/>
-                    </a:schemeClr>
-                  </a:solidFill>
-                  <a:prstDash val="solid"/>
-                </a:ln>
-                <a:solidFill>
-                  <a:schemeClr val="bg2">
-                    <a:tint val="85000"/>
-                    <a:satMod val="155000"/>
-                  </a:schemeClr>
-                </a:solidFill>
-                <a:effectLst>
-                  <a:outerShdw blurRad="41275" dist="20320" dir="1800000" algn="tl" rotWithShape="0">
-                    <a:srgbClr val="000000">
-                      <a:alpha val="40000"/>
-                    </a:srgbClr>
-                  </a:outerShdw>
-                </a:effectLst>
-              </a:rPr>
-              <a:t>node.js</a:t>
-            </a:r>
-            <a:r>
-              <a:rPr lang="en-US" b="1" dirty="0">
-                <a:ln w="12700">
-                  <a:solidFill>
-                    <a:schemeClr val="tx2">
-                      <a:satMod val="155000"/>
-                    </a:schemeClr>
-                  </a:solidFill>
-                  <a:prstDash val="solid"/>
-                </a:ln>
-                <a:solidFill>
-                  <a:schemeClr val="bg2">
-                    <a:tint val="85000"/>
-                    <a:satMod val="155000"/>
-                  </a:schemeClr>
-                </a:solidFill>
-                <a:effectLst>
-                  <a:outerShdw blurRad="41275" dist="20320" dir="1800000" algn="tl" rotWithShape="0">
-                    <a:srgbClr val="000000">
-                      <a:alpha val="40000"/>
-                    </a:srgbClr>
-                  </a:outerShdw>
-                </a:effectLst>
-              </a:rPr>
-              <a:t>. To check if you already have them installed or see the version you are using open </a:t>
-            </a:r>
-            <a:r>
-              <a:rPr lang="en-US" b="1" dirty="0" err="1">
-                <a:ln w="12700">
-                  <a:solidFill>
-                    <a:schemeClr val="tx2">
-                      <a:satMod val="155000"/>
-                    </a:schemeClr>
-                  </a:solidFill>
-                  <a:prstDash val="solid"/>
-                </a:ln>
-                <a:solidFill>
-                  <a:schemeClr val="bg2">
-                    <a:tint val="85000"/>
-                    <a:satMod val="155000"/>
-                  </a:schemeClr>
-                </a:solidFill>
-                <a:effectLst>
-                  <a:outerShdw blurRad="41275" dist="20320" dir="1800000" algn="tl" rotWithShape="0">
-                    <a:srgbClr val="000000">
-                      <a:alpha val="40000"/>
-                    </a:srgbClr>
-                  </a:outerShdw>
-                </a:effectLst>
-              </a:rPr>
-              <a:t>cmd</a:t>
-            </a:r>
-            <a:r>
-              <a:rPr lang="en-US" b="1" dirty="0">
-                <a:ln w="12700">
-                  <a:solidFill>
-                    <a:schemeClr val="tx2">
-                      <a:satMod val="155000"/>
-                    </a:schemeClr>
-                  </a:solidFill>
-                  <a:prstDash val="solid"/>
-                </a:ln>
-                <a:solidFill>
-                  <a:schemeClr val="bg2">
-                    <a:tint val="85000"/>
-                    <a:satMod val="155000"/>
-                  </a:schemeClr>
-                </a:solidFill>
-                <a:effectLst>
-                  <a:outerShdw blurRad="41275" dist="20320" dir="1800000" algn="tl" rotWithShape="0">
-                    <a:srgbClr val="000000">
-                      <a:alpha val="40000"/>
-                    </a:srgbClr>
-                  </a:outerShdw>
-                </a:effectLst>
-              </a:rPr>
-              <a:t> and run node -v (this will show the version installed) and </a:t>
-            </a:r>
-            <a:r>
-              <a:rPr lang="en-US" b="1" dirty="0" err="1">
-                <a:ln w="12700">
-                  <a:solidFill>
-                    <a:schemeClr val="tx2">
-                      <a:satMod val="155000"/>
-                    </a:schemeClr>
-                  </a:solidFill>
-                  <a:prstDash val="solid"/>
-                </a:ln>
-                <a:solidFill>
-                  <a:schemeClr val="bg2">
-                    <a:tint val="85000"/>
-                    <a:satMod val="155000"/>
-                  </a:schemeClr>
-                </a:solidFill>
-                <a:effectLst>
-                  <a:outerShdw blurRad="41275" dist="20320" dir="1800000" algn="tl" rotWithShape="0">
-                    <a:srgbClr val="000000">
-                      <a:alpha val="40000"/>
-                    </a:srgbClr>
-                  </a:outerShdw>
-                </a:effectLst>
-              </a:rPr>
-              <a:t>npm</a:t>
-            </a:r>
-            <a:r>
-              <a:rPr lang="en-US" b="1" dirty="0">
-                <a:ln w="12700">
-                  <a:solidFill>
-                    <a:schemeClr val="tx2">
-                      <a:satMod val="155000"/>
-                    </a:schemeClr>
-                  </a:solidFill>
-                  <a:prstDash val="solid"/>
-                </a:ln>
-                <a:solidFill>
-                  <a:schemeClr val="bg2">
-                    <a:tint val="85000"/>
-                    <a:satMod val="155000"/>
-                  </a:schemeClr>
-                </a:solidFill>
-                <a:effectLst>
-                  <a:outerShdw blurRad="41275" dist="20320" dir="1800000" algn="tl" rotWithShape="0">
-                    <a:srgbClr val="000000">
-                      <a:alpha val="40000"/>
-                    </a:srgbClr>
-                  </a:outerShdw>
-                </a:effectLst>
-              </a:rPr>
-              <a:t> list -g (this will list all globally installed packages) ) </a:t>
-            </a:r>
-            <a:endParaRPr lang="en-US" b="1" dirty="0" smtClean="0">
-              <a:ln w="12700">
-                <a:solidFill>
-                  <a:schemeClr val="tx2">
-                    <a:satMod val="155000"/>
-                  </a:schemeClr>
-                </a:solidFill>
-                <a:prstDash val="solid"/>
-              </a:ln>
-              <a:solidFill>
-                <a:schemeClr val="bg2">
-                  <a:tint val="85000"/>
-                  <a:satMod val="155000"/>
-                </a:schemeClr>
-              </a:solidFill>
-              <a:effectLst>
-                <a:outerShdw blurRad="41275" dist="20320" dir="1800000" algn="tl" rotWithShape="0">
-                  <a:srgbClr val="000000">
-                    <a:alpha val="40000"/>
-                  </a:srgbClr>
-                </a:outerShdw>
-              </a:effectLst>
-            </a:endParaRPr>
-          </a:p>
-          <a:p>
-            <a:pPr marL="525780" indent="-457200">
-              <a:buAutoNum type="arabicPeriod"/>
-            </a:pPr>
-            <a:r>
-              <a:rPr lang="en-US" b="1" dirty="0" smtClean="0">
-                <a:ln w="12700">
-                  <a:solidFill>
-                    <a:schemeClr val="tx2">
-                      <a:satMod val="155000"/>
-                    </a:schemeClr>
-                  </a:solidFill>
-                  <a:prstDash val="solid"/>
-                </a:ln>
-                <a:solidFill>
-                  <a:schemeClr val="bg2">
-                    <a:tint val="85000"/>
-                    <a:satMod val="155000"/>
-                  </a:schemeClr>
-                </a:solidFill>
-                <a:effectLst>
-                  <a:outerShdw blurRad="41275" dist="20320" dir="1800000" algn="tl" rotWithShape="0">
-                    <a:srgbClr val="000000">
-                      <a:alpha val="40000"/>
-                    </a:srgbClr>
-                  </a:outerShdw>
-                </a:effectLst>
-              </a:rPr>
-              <a:t>Install </a:t>
-            </a:r>
-            <a:r>
-              <a:rPr lang="en-US" b="1" dirty="0">
-                <a:ln w="12700">
-                  <a:solidFill>
-                    <a:schemeClr val="tx2">
-                      <a:satMod val="155000"/>
-                    </a:schemeClr>
-                  </a:solidFill>
-                  <a:prstDash val="solid"/>
-                </a:ln>
-                <a:solidFill>
-                  <a:schemeClr val="bg2">
-                    <a:tint val="85000"/>
-                    <a:satMod val="155000"/>
-                  </a:schemeClr>
-                </a:solidFill>
-                <a:effectLst>
-                  <a:outerShdw blurRad="41275" dist="20320" dir="1800000" algn="tl" rotWithShape="0">
-                    <a:srgbClr val="000000">
-                      <a:alpha val="40000"/>
-                    </a:srgbClr>
-                  </a:outerShdw>
-                </a:effectLst>
-              </a:rPr>
-              <a:t>bower http://</a:t>
-            </a:r>
-            <a:r>
-              <a:rPr lang="en-US" b="1" dirty="0" err="1">
-                <a:ln w="12700">
-                  <a:solidFill>
-                    <a:schemeClr val="tx2">
-                      <a:satMod val="155000"/>
-                    </a:schemeClr>
-                  </a:solidFill>
-                  <a:prstDash val="solid"/>
-                </a:ln>
-                <a:solidFill>
-                  <a:schemeClr val="bg2">
-                    <a:tint val="85000"/>
-                    <a:satMod val="155000"/>
-                  </a:schemeClr>
-                </a:solidFill>
-                <a:effectLst>
-                  <a:outerShdw blurRad="41275" dist="20320" dir="1800000" algn="tl" rotWithShape="0">
-                    <a:srgbClr val="000000">
-                      <a:alpha val="40000"/>
-                    </a:srgbClr>
-                  </a:outerShdw>
-                </a:effectLst>
-              </a:rPr>
-              <a:t>bower.io</a:t>
-            </a:r>
-            <a:r>
-              <a:rPr lang="en-US" b="1" dirty="0">
-                <a:ln w="12700">
-                  <a:solidFill>
-                    <a:schemeClr val="tx2">
-                      <a:satMod val="155000"/>
-                    </a:schemeClr>
-                  </a:solidFill>
-                  <a:prstDash val="solid"/>
-                </a:ln>
-                <a:solidFill>
-                  <a:schemeClr val="bg2">
-                    <a:tint val="85000"/>
-                    <a:satMod val="155000"/>
-                  </a:schemeClr>
-                </a:solidFill>
-                <a:effectLst>
-                  <a:outerShdw blurRad="41275" dist="20320" dir="1800000" algn="tl" rotWithShape="0">
-                    <a:srgbClr val="000000">
-                      <a:alpha val="40000"/>
-                    </a:srgbClr>
-                  </a:outerShdw>
-                </a:effectLst>
-              </a:rPr>
-              <a:t>/#install-bower  *run commands from </a:t>
-            </a:r>
-            <a:r>
-              <a:rPr lang="en-US" b="1" dirty="0" err="1">
-                <a:ln w="12700">
-                  <a:solidFill>
-                    <a:schemeClr val="tx2">
-                      <a:satMod val="155000"/>
-                    </a:schemeClr>
-                  </a:solidFill>
-                  <a:prstDash val="solid"/>
-                </a:ln>
-                <a:solidFill>
-                  <a:schemeClr val="bg2">
-                    <a:tint val="85000"/>
-                    <a:satMod val="155000"/>
-                  </a:schemeClr>
-                </a:solidFill>
-                <a:effectLst>
-                  <a:outerShdw blurRad="41275" dist="20320" dir="1800000" algn="tl" rotWithShape="0">
-                    <a:srgbClr val="000000">
-                      <a:alpha val="40000"/>
-                    </a:srgbClr>
-                  </a:outerShdw>
-                </a:effectLst>
-              </a:rPr>
-              <a:t>git</a:t>
-            </a:r>
-            <a:r>
-              <a:rPr lang="en-US" b="1" dirty="0">
-                <a:ln w="12700">
-                  <a:solidFill>
-                    <a:schemeClr val="tx2">
-                      <a:satMod val="155000"/>
-                    </a:schemeClr>
-                  </a:solidFill>
-                  <a:prstDash val="solid"/>
-                </a:ln>
-                <a:solidFill>
-                  <a:schemeClr val="bg2">
-                    <a:tint val="85000"/>
-                    <a:satMod val="155000"/>
-                  </a:schemeClr>
-                </a:solidFill>
-                <a:effectLst>
-                  <a:outerShdw blurRad="41275" dist="20320" dir="1800000" algn="tl" rotWithShape="0">
-                    <a:srgbClr val="000000">
-                      <a:alpha val="40000"/>
-                    </a:srgbClr>
-                  </a:outerShdw>
-                </a:effectLst>
-              </a:rPr>
-              <a:t> shell  </a:t>
-            </a:r>
-            <a:endParaRPr lang="en-US" b="1" dirty="0" smtClean="0">
-              <a:ln w="12700">
-                <a:solidFill>
-                  <a:schemeClr val="tx2">
-                    <a:satMod val="155000"/>
-                  </a:schemeClr>
-                </a:solidFill>
-                <a:prstDash val="solid"/>
-              </a:ln>
-              <a:solidFill>
-                <a:schemeClr val="bg2">
-                  <a:tint val="85000"/>
-                  <a:satMod val="155000"/>
-                </a:schemeClr>
-              </a:solidFill>
-              <a:effectLst>
-                <a:outerShdw blurRad="41275" dist="20320" dir="1800000" algn="tl" rotWithShape="0">
-                  <a:srgbClr val="000000">
-                    <a:alpha val="40000"/>
-                  </a:srgbClr>
-                </a:outerShdw>
-              </a:effectLst>
-            </a:endParaRPr>
-          </a:p>
-          <a:p>
-            <a:pPr marL="525780" indent="-457200">
-              <a:buAutoNum type="arabicPeriod"/>
-            </a:pPr>
-            <a:r>
-              <a:rPr lang="en-US" b="1" smtClean="0">
-                <a:ln w="12700">
-                  <a:solidFill>
-                    <a:schemeClr val="tx2">
-                      <a:satMod val="155000"/>
-                    </a:schemeClr>
-                  </a:solidFill>
-                  <a:prstDash val="solid"/>
-                </a:ln>
-                <a:solidFill>
-                  <a:schemeClr val="bg2">
-                    <a:tint val="85000"/>
-                    <a:satMod val="155000"/>
-                  </a:schemeClr>
-                </a:solidFill>
-                <a:effectLst>
-                  <a:outerShdw blurRad="41275" dist="20320" dir="1800000" algn="tl" rotWithShape="0">
-                    <a:srgbClr val="000000">
-                      <a:alpha val="40000"/>
-                    </a:srgbClr>
-                  </a:outerShdw>
-                </a:effectLst>
-              </a:rPr>
-              <a:t>Go </a:t>
-            </a:r>
-            <a:r>
-              <a:rPr lang="en-US" b="1" dirty="0">
-                <a:ln w="12700">
-                  <a:solidFill>
-                    <a:schemeClr val="tx2">
-                      <a:satMod val="155000"/>
-                    </a:schemeClr>
-                  </a:solidFill>
-                  <a:prstDash val="solid"/>
-                </a:ln>
-                <a:solidFill>
-                  <a:schemeClr val="bg2">
-                    <a:tint val="85000"/>
-                    <a:satMod val="155000"/>
-                  </a:schemeClr>
-                </a:solidFill>
-                <a:effectLst>
-                  <a:outerShdw blurRad="41275" dist="20320" dir="1800000" algn="tl" rotWithShape="0">
-                    <a:srgbClr val="000000">
-                      <a:alpha val="40000"/>
-                    </a:srgbClr>
-                  </a:outerShdw>
-                </a:effectLst>
-              </a:rPr>
-              <a:t>to the </a:t>
-            </a:r>
-            <a:r>
-              <a:rPr lang="en-US" b="1" dirty="0" err="1">
-                <a:ln w="12700">
-                  <a:solidFill>
-                    <a:schemeClr val="tx2">
-                      <a:satMod val="155000"/>
-                    </a:schemeClr>
-                  </a:solidFill>
-                  <a:prstDash val="solid"/>
-                </a:ln>
-                <a:solidFill>
-                  <a:schemeClr val="bg2">
-                    <a:tint val="85000"/>
-                    <a:satMod val="155000"/>
-                  </a:schemeClr>
-                </a:solidFill>
-                <a:effectLst>
-                  <a:outerShdw blurRad="41275" dist="20320" dir="1800000" algn="tl" rotWithShape="0">
-                    <a:srgbClr val="000000">
-                      <a:alpha val="40000"/>
-                    </a:srgbClr>
-                  </a:outerShdw>
-                </a:effectLst>
-              </a:rPr>
-              <a:t>js</a:t>
-            </a:r>
-            <a:r>
-              <a:rPr lang="en-US" b="1" dirty="0">
-                <a:ln w="12700">
-                  <a:solidFill>
-                    <a:schemeClr val="tx2">
-                      <a:satMod val="155000"/>
-                    </a:schemeClr>
-                  </a:solidFill>
-                  <a:prstDash val="solid"/>
-                </a:ln>
-                <a:solidFill>
-                  <a:schemeClr val="bg2">
-                    <a:tint val="85000"/>
-                    <a:satMod val="155000"/>
-                  </a:schemeClr>
-                </a:solidFill>
-                <a:effectLst>
-                  <a:outerShdw blurRad="41275" dist="20320" dir="1800000" algn="tl" rotWithShape="0">
-                    <a:srgbClr val="000000">
-                      <a:alpha val="40000"/>
-                    </a:srgbClr>
-                  </a:outerShdw>
-                </a:effectLst>
-              </a:rPr>
-              <a:t> directory in the repository (in the </a:t>
-            </a:r>
-            <a:r>
-              <a:rPr lang="en-US" b="1" dirty="0" err="1">
-                <a:ln w="12700">
-                  <a:solidFill>
-                    <a:schemeClr val="tx2">
-                      <a:satMod val="155000"/>
-                    </a:schemeClr>
-                  </a:solidFill>
-                  <a:prstDash val="solid"/>
-                </a:ln>
-                <a:solidFill>
-                  <a:schemeClr val="bg2">
-                    <a:tint val="85000"/>
-                    <a:satMod val="155000"/>
-                  </a:schemeClr>
-                </a:solidFill>
-                <a:effectLst>
-                  <a:outerShdw blurRad="41275" dist="20320" dir="1800000" algn="tl" rotWithShape="0">
-                    <a:srgbClr val="000000">
-                      <a:alpha val="40000"/>
-                    </a:srgbClr>
-                  </a:outerShdw>
-                </a:effectLst>
-              </a:rPr>
-              <a:t>git</a:t>
-            </a:r>
-            <a:r>
-              <a:rPr lang="en-US" b="1" dirty="0">
-                <a:ln w="12700">
-                  <a:solidFill>
-                    <a:schemeClr val="tx2">
-                      <a:satMod val="155000"/>
-                    </a:schemeClr>
-                  </a:solidFill>
-                  <a:prstDash val="solid"/>
-                </a:ln>
-                <a:solidFill>
-                  <a:schemeClr val="bg2">
-                    <a:tint val="85000"/>
-                    <a:satMod val="155000"/>
-                  </a:schemeClr>
-                </a:solidFill>
-                <a:effectLst>
-                  <a:outerShdw blurRad="41275" dist="20320" dir="1800000" algn="tl" rotWithShape="0">
-                    <a:srgbClr val="000000">
-                      <a:alpha val="40000"/>
-                    </a:srgbClr>
-                  </a:outerShdw>
-                </a:effectLst>
-              </a:rPr>
-              <a:t> shell again) and run bower install - this will install all the libraries you'll need and if any others are added you can use the same command to keep everything up to date</a:t>
-            </a:r>
-          </a:p>
-        </p:txBody>
-      </p:sp>
-    </p:spTree>
-    <p:extLst>
-      <p:ext uri="{BB962C8B-B14F-4D97-AF65-F5344CB8AC3E}">
-        <p14:creationId xmlns:p14="http://schemas.microsoft.com/office/powerpoint/2010/main" val="1188152904"/>
-      </p:ext>
-    </p:extLst>
-  </p:cSld>
-  <p:clrMapOvr>
-    <a:masterClrMapping/>
-  </p:clrMapOvr>
-</p:sld>
-</file>
-
-<file path=ppt/slides/slide4.xml><?xml version="1.0" encoding="utf-8"?>
-<p:sld xmlns:a="http://schemas.openxmlformats.org/drawingml/2006/main" xmlns:r="http://schemas.openxmlformats.org/officeDocument/2006/relationships" xmlns:p="http://schemas.openxmlformats.org/presentationml/2006/main">
-  <p:cSld>
-    <p:spTree>
-      <p:nvGrpSpPr>
-        <p:cNvPr id="1" name=""/>
-        <p:cNvGrpSpPr/>
-        <p:nvPr/>
-      </p:nvGrpSpPr>
-      <p:grpSpPr>
-        <a:xfrm>
-          <a:off x="0" y="0"/>
-          <a:ext cx="0" cy="0"/>
-          <a:chOff x="0" y="0"/>
-          <a:chExt cx="0" cy="0"/>
-        </a:xfrm>
-      </p:grpSpPr>
-      <p:sp>
-        <p:nvSpPr>
-          <p:cNvPr id="2" name="Title 1"/>
-          <p:cNvSpPr>
-            <a:spLocks noGrp="1"/>
-          </p:cNvSpPr>
-          <p:nvPr>
-            <p:ph type="title"/>
-          </p:nvPr>
-        </p:nvSpPr>
-        <p:spPr/>
         <p:txBody>
           <a:bodyPr>
             <a:scene3d>
@@ -16180,7 +14043,7 @@
           <a:lstStyle/>
           <a:p>
             <a:r>
-              <a:rPr lang="en-US" b="1" dirty="0" smtClean="0">
+              <a:rPr lang="en-US" dirty="0" smtClean="0">
                 <a:ln w="12700">
                   <a:solidFill>
                     <a:schemeClr val="tx2">
@@ -16205,7 +14068,7 @@
               </a:rPr>
               <a:t>We are team PHLOX</a:t>
             </a:r>
-            <a:endParaRPr lang="en-US" b="1" dirty="0">
+            <a:endParaRPr lang="en-US" dirty="0">
               <a:ln w="12700">
                 <a:solidFill>
                   <a:schemeClr val="tx2">
@@ -16244,6 +14107,7 @@
         <p:spPr/>
         <p:txBody>
           <a:bodyPr>
+            <a:normAutofit/>
             <a:scene3d>
               <a:camera prst="orthographicFront"/>
               <a:lightRig rig="threePt" dir="t"/>
@@ -16258,81 +14122,15 @@
               <a:buNone/>
             </a:pPr>
             <a:r>
-              <a:rPr lang="en-US" b="1" dirty="0" smtClean="0">
-                <a:ln w="12700">
-                  <a:solidFill>
-                    <a:schemeClr val="tx2">
-                      <a:satMod val="155000"/>
-                    </a:schemeClr>
-                  </a:solidFill>
-                  <a:prstDash val="solid"/>
-                </a:ln>
-                <a:solidFill>
-                  <a:schemeClr val="bg2">
-                    <a:tint val="85000"/>
-                    <a:satMod val="155000"/>
-                  </a:schemeClr>
-                </a:solidFill>
-                <a:effectLst>
-                  <a:outerShdw blurRad="41275" dist="20320" dir="1800000" algn="tl" rotWithShape="0">
-                    <a:srgbClr val="000000">
-                      <a:alpha val="40000"/>
-                    </a:srgbClr>
-                  </a:outerShdw>
-                </a:effectLst>
-              </a:rPr>
+              <a:rPr lang="en-US" dirty="0"/>
               <a:t>-Ivan </a:t>
             </a:r>
             <a:r>
-              <a:rPr lang="en-US" b="1" dirty="0" err="1" smtClean="0">
-                <a:ln w="12700">
-                  <a:solidFill>
-                    <a:schemeClr val="tx2">
-                      <a:satMod val="155000"/>
-                    </a:schemeClr>
-                  </a:solidFill>
-                  <a:prstDash val="solid"/>
-                </a:ln>
-                <a:solidFill>
-                  <a:schemeClr val="bg2">
-                    <a:tint val="85000"/>
-                    <a:satMod val="155000"/>
-                  </a:schemeClr>
-                </a:solidFill>
-                <a:effectLst>
-                  <a:outerShdw blurRad="41275" dist="20320" dir="1800000" algn="tl" rotWithShape="0">
-                    <a:srgbClr val="000000">
-                      <a:alpha val="40000"/>
-                    </a:srgbClr>
-                  </a:outerShdw>
-                </a:effectLst>
-              </a:rPr>
+              <a:rPr lang="en-US" dirty="0" err="1"/>
               <a:t>Zahariev</a:t>
             </a:r>
             <a:r>
-              <a:rPr lang="en-US" b="1" dirty="0">
-                <a:ln w="12700">
-                  <a:solidFill>
-                    <a:schemeClr val="tx2">
-                      <a:satMod val="155000"/>
-                    </a:schemeClr>
-                  </a:solidFill>
-                  <a:prstDash val="solid"/>
-                </a:ln>
-                <a:solidFill>
-                  <a:schemeClr val="bg2">
-                    <a:tint val="85000"/>
-                    <a:satMod val="155000"/>
-                  </a:schemeClr>
-                </a:solidFill>
-                <a:effectLst>
-                  <a:outerShdw blurRad="41275" dist="20320" dir="1800000" algn="tl" rotWithShape="0">
-                    <a:srgbClr val="000000">
-                      <a:alpha val="40000"/>
-                    </a:srgbClr>
-                  </a:outerShdw>
-                </a:effectLst>
-              </a:rPr>
+              <a:rPr lang="en-US" dirty="0"/>
               <a:t> </a:t>
             </a:r>
           </a:p>
@@ -16341,504 +14139,100 @@
               <a:buNone/>
             </a:pPr>
             <a:r>
-              <a:rPr lang="en-US" b="1" dirty="0" smtClean="0">
-                <a:ln w="12700">
-                  <a:solidFill>
-                    <a:schemeClr val="tx2">
-                      <a:satMod val="155000"/>
-                    </a:schemeClr>
-                  </a:solidFill>
-                  <a:prstDash val="solid"/>
-                </a:ln>
-                <a:solidFill>
-                  <a:schemeClr val="bg2">
-                    <a:tint val="85000"/>
-                    <a:satMod val="155000"/>
-                  </a:schemeClr>
-                </a:solidFill>
-                <a:effectLst>
-                  <a:outerShdw blurRad="41275" dist="20320" dir="1800000" algn="tl" rotWithShape="0">
-                    <a:srgbClr val="000000">
-                      <a:alpha val="40000"/>
-                    </a:srgbClr>
-                  </a:outerShdw>
-                </a:effectLst>
-              </a:rPr>
+              <a:rPr lang="en-US" dirty="0"/>
               <a:t>-</a:t>
             </a:r>
             <a:r>
-              <a:rPr lang="en-US" b="1" dirty="0" err="1" smtClean="0">
-                <a:ln w="12700">
-                  <a:solidFill>
-                    <a:schemeClr val="tx2">
-                      <a:satMod val="155000"/>
-                    </a:schemeClr>
-                  </a:solidFill>
-                  <a:prstDash val="solid"/>
-                </a:ln>
-                <a:solidFill>
-                  <a:schemeClr val="bg2">
-                    <a:tint val="85000"/>
-                    <a:satMod val="155000"/>
-                  </a:schemeClr>
-                </a:solidFill>
-                <a:effectLst>
-                  <a:outerShdw blurRad="41275" dist="20320" dir="1800000" algn="tl" rotWithShape="0">
-                    <a:srgbClr val="000000">
-                      <a:alpha val="40000"/>
-                    </a:srgbClr>
-                  </a:outerShdw>
-                </a:effectLst>
-              </a:rPr>
+              <a:rPr lang="en-US" dirty="0" err="1"/>
               <a:t>Ivaylo</a:t>
             </a:r>
             <a:r>
-              <a:rPr lang="en-US" b="1" dirty="0" smtClean="0">
-                <a:ln w="12700">
-                  <a:solidFill>
-                    <a:schemeClr val="tx2">
-                      <a:satMod val="155000"/>
-                    </a:schemeClr>
-                  </a:solidFill>
-                  <a:prstDash val="solid"/>
-                </a:ln>
-                <a:solidFill>
-                  <a:schemeClr val="bg2">
-                    <a:tint val="85000"/>
-                    <a:satMod val="155000"/>
-                  </a:schemeClr>
-                </a:solidFill>
-                <a:effectLst>
-                  <a:outerShdw blurRad="41275" dist="20320" dir="1800000" algn="tl" rotWithShape="0">
-                    <a:srgbClr val="000000">
-                      <a:alpha val="40000"/>
-                    </a:srgbClr>
-                  </a:outerShdw>
-                </a:effectLst>
-              </a:rPr>
+              <a:rPr lang="en-US" dirty="0"/>
               <a:t> </a:t>
             </a:r>
             <a:r>
-              <a:rPr lang="en-US" b="1" dirty="0" err="1" smtClean="0">
-                <a:ln w="12700">
-                  <a:solidFill>
-                    <a:schemeClr val="tx2">
-                      <a:satMod val="155000"/>
-                    </a:schemeClr>
-                  </a:solidFill>
-                  <a:prstDash val="solid"/>
-                </a:ln>
-                <a:solidFill>
-                  <a:schemeClr val="bg2">
-                    <a:tint val="85000"/>
-                    <a:satMod val="155000"/>
-                  </a:schemeClr>
-                </a:solidFill>
-                <a:effectLst>
-                  <a:outerShdw blurRad="41275" dist="20320" dir="1800000" algn="tl" rotWithShape="0">
-                    <a:srgbClr val="000000">
-                      <a:alpha val="40000"/>
-                    </a:srgbClr>
-                  </a:outerShdw>
-                </a:effectLst>
-              </a:rPr>
+              <a:rPr lang="en-US" dirty="0" err="1"/>
               <a:t>Papazov</a:t>
             </a:r>
-            <a:endParaRPr lang="en-US" b="1" dirty="0" smtClean="0">
-              <a:ln w="12700">
-                <a:solidFill>
-                  <a:schemeClr val="tx2">
-                    <a:satMod val="155000"/>
-                  </a:schemeClr>
-                </a:solidFill>
-                <a:prstDash val="solid"/>
-              </a:ln>
-              <a:solidFill>
-                <a:schemeClr val="bg2">
-                  <a:tint val="85000"/>
-                  <a:satMod val="155000"/>
-                </a:schemeClr>
-              </a:solidFill>
-              <a:effectLst>
-                <a:outerShdw blurRad="41275" dist="20320" dir="1800000" algn="tl" rotWithShape="0">
-                  <a:srgbClr val="000000">
-                    <a:alpha val="40000"/>
-                  </a:srgbClr>
-                </a:outerShdw>
-              </a:effectLst>
-            </a:endParaRPr>
+            <a:endParaRPr lang="en-US" dirty="0"/>
           </a:p>
           <a:p>
             <a:pPr marL="68580" indent="0">
               <a:buNone/>
             </a:pPr>
             <a:r>
-              <a:rPr lang="en-US" b="1" dirty="0" smtClean="0">
-                <a:ln w="12700">
-                  <a:solidFill>
-                    <a:schemeClr val="tx2">
-                      <a:satMod val="155000"/>
-                    </a:schemeClr>
-                  </a:solidFill>
-                  <a:prstDash val="solid"/>
-                </a:ln>
-                <a:solidFill>
-                  <a:schemeClr val="bg2">
-                    <a:tint val="85000"/>
-                    <a:satMod val="155000"/>
-                  </a:schemeClr>
-                </a:solidFill>
-                <a:effectLst>
-                  <a:outerShdw blurRad="41275" dist="20320" dir="1800000" algn="tl" rotWithShape="0">
-                    <a:srgbClr val="000000">
-                      <a:alpha val="40000"/>
-                    </a:srgbClr>
-                  </a:outerShdw>
-                </a:effectLst>
-              </a:rPr>
-              <a:t>-</a:t>
+              <a:rPr lang="en-US" dirty="0"/>
+              <a:t>-Adriana </a:t>
             </a:r>
             <a:r>
-              <a:rPr lang="en-US" b="1" dirty="0" err="1" smtClean="0">
-                <a:ln w="12700">
-                  <a:solidFill>
-                    <a:schemeClr val="tx2">
-                      <a:satMod val="155000"/>
-                    </a:schemeClr>
-                  </a:solidFill>
-                  <a:prstDash val="solid"/>
-                </a:ln>
-                <a:solidFill>
-                  <a:schemeClr val="bg2">
-                    <a:tint val="85000"/>
-                    <a:satMod val="155000"/>
-                  </a:schemeClr>
-                </a:solidFill>
-                <a:effectLst>
-                  <a:outerShdw blurRad="41275" dist="20320" dir="1800000" algn="tl" rotWithShape="0">
-                    <a:srgbClr val="000000">
-                      <a:alpha val="40000"/>
-                    </a:srgbClr>
-                  </a:outerShdw>
-                </a:effectLst>
-              </a:rPr>
-              <a:t>Aleksandar</a:t>
+              <a:rPr lang="en-US" dirty="0" err="1" smtClean="0"/>
+              <a:t>Alexandrova</a:t>
             </a:r>
-            <a:endParaRPr lang="en-US" b="1" dirty="0" smtClean="0">
-              <a:ln w="12700">
-                <a:solidFill>
-                  <a:schemeClr val="tx2">
-                    <a:satMod val="155000"/>
-                  </a:schemeClr>
-                </a:solidFill>
-                <a:prstDash val="solid"/>
-              </a:ln>
-              <a:solidFill>
-                <a:schemeClr val="bg2">
-                  <a:tint val="85000"/>
-                  <a:satMod val="155000"/>
-                </a:schemeClr>
-              </a:solidFill>
-              <a:effectLst>
-                <a:outerShdw blurRad="41275" dist="20320" dir="1800000" algn="tl" rotWithShape="0">
-                  <a:srgbClr val="000000">
-                    <a:alpha val="40000"/>
-                  </a:srgbClr>
-                </a:outerShdw>
-              </a:effectLst>
-            </a:endParaRPr>
+            <a:endParaRPr lang="en-US" dirty="0"/>
+          </a:p>
+          <a:p>
+            <a:pPr marL="68580" indent="0">
+              <a:buNone/>
+            </a:pPr>
+            <a:endParaRPr lang="en-US" dirty="0"/>
           </a:p>
           <a:p>
             <a:pPr marL="68580" indent="0">
               <a:buNone/>
             </a:pPr>
             <a:r>
-              <a:rPr lang="en-US" b="1" dirty="0" smtClean="0">
-                <a:ln w="12700">
-                  <a:solidFill>
-                    <a:schemeClr val="tx2">
-                      <a:satMod val="155000"/>
-                    </a:schemeClr>
-                  </a:solidFill>
-                  <a:prstDash val="solid"/>
-                </a:ln>
-                <a:solidFill>
-                  <a:schemeClr val="bg2">
-                    <a:tint val="85000"/>
-                    <a:satMod val="155000"/>
-                  </a:schemeClr>
-                </a:solidFill>
-                <a:effectLst>
-                  <a:outerShdw blurRad="41275" dist="20320" dir="1800000" algn="tl" rotWithShape="0">
-                    <a:srgbClr val="000000">
-                      <a:alpha val="40000"/>
-                    </a:srgbClr>
-                  </a:outerShdw>
-                </a:effectLst>
-              </a:rPr>
-              <a:t>-Adriana </a:t>
+              <a:rPr lang="en-US" dirty="0"/>
+              <a:t>-</a:t>
             </a:r>
             <a:r>
-              <a:rPr lang="en-US" b="1" dirty="0" err="1" smtClean="0">
-                <a:ln w="12700">
-                  <a:solidFill>
-                    <a:schemeClr val="tx2">
-                      <a:satMod val="155000"/>
-                    </a:schemeClr>
-                  </a:solidFill>
-                  <a:prstDash val="solid"/>
-                </a:ln>
-                <a:solidFill>
-                  <a:schemeClr val="bg2">
-                    <a:tint val="85000"/>
-                    <a:satMod val="155000"/>
-                  </a:schemeClr>
-                </a:solidFill>
-                <a:effectLst>
-                  <a:outerShdw blurRad="41275" dist="20320" dir="1800000" algn="tl" rotWithShape="0">
-                    <a:srgbClr val="000000">
-                      <a:alpha val="40000"/>
-                    </a:srgbClr>
-                  </a:outerShdw>
-                </a:effectLst>
-              </a:rPr>
-              <a:t>Aleksandrova</a:t>
+              <a:rPr lang="en-US" dirty="0" err="1"/>
+              <a:t>Radka</a:t>
             </a:r>
-            <a:endParaRPr lang="en-US" b="1" dirty="0" smtClean="0">
-              <a:ln w="12700">
-                <a:solidFill>
-                  <a:schemeClr val="tx2">
-                    <a:satMod val="155000"/>
-                  </a:schemeClr>
-                </a:solidFill>
-                <a:prstDash val="solid"/>
-              </a:ln>
-              <a:solidFill>
-                <a:schemeClr val="bg2">
-                  <a:tint val="85000"/>
-                  <a:satMod val="155000"/>
-                </a:schemeClr>
-              </a:solidFill>
-              <a:effectLst>
-                <a:outerShdw blurRad="41275" dist="20320" dir="1800000" algn="tl" rotWithShape="0">
-                  <a:srgbClr val="000000">
-                    <a:alpha val="40000"/>
-                  </a:srgbClr>
-                </a:outerShdw>
-              </a:effectLst>
-            </a:endParaRPr>
+            <a:r>
+              <a:rPr lang="en-US" dirty="0"/>
+              <a:t> </a:t>
+            </a:r>
+            <a:r>
+              <a:rPr lang="en-US" dirty="0" err="1"/>
+              <a:t>Gicheva-Petkova</a:t>
+            </a:r>
+            <a:endParaRPr lang="en-US" dirty="0"/>
           </a:p>
           <a:p>
             <a:pPr marL="68580" indent="0">
               <a:buNone/>
             </a:pPr>
             <a:r>
-              <a:rPr lang="en-US" b="1" dirty="0" smtClean="0">
-                <a:ln w="12700">
-                  <a:solidFill>
-                    <a:schemeClr val="tx2">
-                      <a:satMod val="155000"/>
-                    </a:schemeClr>
-                  </a:solidFill>
-                  <a:prstDash val="solid"/>
-                </a:ln>
-                <a:solidFill>
-                  <a:schemeClr val="bg2">
-                    <a:tint val="85000"/>
-                    <a:satMod val="155000"/>
-                  </a:schemeClr>
-                </a:solidFill>
-                <a:effectLst>
-                  <a:outerShdw blurRad="41275" dist="20320" dir="1800000" algn="tl" rotWithShape="0">
-                    <a:srgbClr val="000000">
-                      <a:alpha val="40000"/>
-                    </a:srgbClr>
-                  </a:outerShdw>
-                </a:effectLst>
-              </a:rPr>
-              <a:t>-Radka Gicheva-</a:t>
+              <a:rPr lang="en-US" dirty="0"/>
+              <a:t>-</a:t>
             </a:r>
             <a:r>
-              <a:rPr lang="en-US" b="1" dirty="0" err="1" smtClean="0">
-                <a:ln w="12700">
-                  <a:solidFill>
-                    <a:schemeClr val="tx2">
-                      <a:satMod val="155000"/>
-                    </a:schemeClr>
-                  </a:solidFill>
-                  <a:prstDash val="solid"/>
-                </a:ln>
-                <a:solidFill>
-                  <a:schemeClr val="bg2">
-                    <a:tint val="85000"/>
-                    <a:satMod val="155000"/>
-                  </a:schemeClr>
-                </a:solidFill>
-                <a:effectLst>
-                  <a:outerShdw blurRad="41275" dist="20320" dir="1800000" algn="tl" rotWithShape="0">
-                    <a:srgbClr val="000000">
-                      <a:alpha val="40000"/>
-                    </a:srgbClr>
-                  </a:outerShdw>
-                </a:effectLst>
-              </a:rPr>
-              <a:t>Petkova</a:t>
+              <a:rPr lang="en-US" dirty="0" err="1"/>
+              <a:t>Veselin</a:t>
             </a:r>
-            <a:endParaRPr lang="en-US" b="1" dirty="0" smtClean="0">
-              <a:ln w="12700">
-                <a:solidFill>
-                  <a:schemeClr val="tx2">
-                    <a:satMod val="155000"/>
-                  </a:schemeClr>
-                </a:solidFill>
-                <a:prstDash val="solid"/>
-              </a:ln>
-              <a:solidFill>
-                <a:schemeClr val="bg2">
-                  <a:tint val="85000"/>
-                  <a:satMod val="155000"/>
-                </a:schemeClr>
-              </a:solidFill>
-              <a:effectLst>
-                <a:outerShdw blurRad="41275" dist="20320" dir="1800000" algn="tl" rotWithShape="0">
-                  <a:srgbClr val="000000">
-                    <a:alpha val="40000"/>
-                  </a:srgbClr>
-                </a:outerShdw>
-              </a:effectLst>
-            </a:endParaRPr>
+            <a:r>
+              <a:rPr lang="en-US" dirty="0"/>
+              <a:t> </a:t>
+            </a:r>
+            <a:r>
+              <a:rPr lang="en-US" dirty="0" err="1"/>
+              <a:t>Velichkov</a:t>
+            </a:r>
+            <a:endParaRPr lang="en-US" dirty="0"/>
           </a:p>
           <a:p>
             <a:pPr marL="68580" indent="0">
               <a:buNone/>
             </a:pPr>
             <a:r>
-              <a:rPr lang="en-US" b="1" dirty="0" smtClean="0">
-                <a:ln w="12700">
-                  <a:solidFill>
-                    <a:schemeClr val="tx2">
-                      <a:satMod val="155000"/>
-                    </a:schemeClr>
-                  </a:solidFill>
-                  <a:prstDash val="solid"/>
-                </a:ln>
-                <a:solidFill>
-                  <a:schemeClr val="bg2">
-                    <a:tint val="85000"/>
-                    <a:satMod val="155000"/>
-                  </a:schemeClr>
-                </a:solidFill>
-                <a:effectLst>
-                  <a:outerShdw blurRad="41275" dist="20320" dir="1800000" algn="tl" rotWithShape="0">
-                    <a:srgbClr val="000000">
-                      <a:alpha val="40000"/>
-                    </a:srgbClr>
-                  </a:outerShdw>
-                </a:effectLst>
-              </a:rPr>
+              <a:rPr lang="en-US" dirty="0"/>
               <a:t>-</a:t>
             </a:r>
             <a:r>
-              <a:rPr lang="en-US" b="1" dirty="0" err="1" smtClean="0">
-                <a:ln w="12700">
-                  <a:solidFill>
-                    <a:schemeClr val="tx2">
-                      <a:satMod val="155000"/>
-                    </a:schemeClr>
-                  </a:solidFill>
-                  <a:prstDash val="solid"/>
-                </a:ln>
-                <a:solidFill>
-                  <a:schemeClr val="bg2">
-                    <a:tint val="85000"/>
-                    <a:satMod val="155000"/>
-                  </a:schemeClr>
-                </a:solidFill>
-                <a:effectLst>
-                  <a:outerShdw blurRad="41275" dist="20320" dir="1800000" algn="tl" rotWithShape="0">
-                    <a:srgbClr val="000000">
-                      <a:alpha val="40000"/>
-                    </a:srgbClr>
-                  </a:outerShdw>
-                </a:effectLst>
-              </a:rPr>
-              <a:t>Veselin</a:t>
+              <a:rPr lang="en-US" dirty="0" err="1"/>
+              <a:t>Aleksandar</a:t>
             </a:r>
-            <a:r>
-              <a:rPr lang="en-US" b="1" dirty="0" smtClean="0">
-                <a:ln w="12700">
-                  <a:solidFill>
-                    <a:schemeClr val="tx2">
-                      <a:satMod val="155000"/>
-                    </a:schemeClr>
-                  </a:solidFill>
-                  <a:prstDash val="solid"/>
-                </a:ln>
-                <a:solidFill>
-                  <a:schemeClr val="bg2">
-                    <a:tint val="85000"/>
-                    <a:satMod val="155000"/>
-                  </a:schemeClr>
-                </a:solidFill>
-                <a:effectLst>
-                  <a:outerShdw blurRad="41275" dist="20320" dir="1800000" algn="tl" rotWithShape="0">
-                    <a:srgbClr val="000000">
-                      <a:alpha val="40000"/>
-                    </a:srgbClr>
-                  </a:outerShdw>
-                </a:effectLst>
-              </a:rPr>
-              <a:t> </a:t>
-            </a:r>
-            <a:r>
-              <a:rPr lang="en-US" b="1" dirty="0" err="1" smtClean="0">
-                <a:ln w="12700">
-                  <a:solidFill>
-                    <a:schemeClr val="tx2">
-                      <a:satMod val="155000"/>
-                    </a:schemeClr>
-                  </a:solidFill>
-                  <a:prstDash val="solid"/>
-                </a:ln>
-                <a:solidFill>
-                  <a:schemeClr val="bg2">
-                    <a:tint val="85000"/>
-                    <a:satMod val="155000"/>
-                  </a:schemeClr>
-                </a:solidFill>
-                <a:effectLst>
-                  <a:outerShdw blurRad="41275" dist="20320" dir="1800000" algn="tl" rotWithShape="0">
-                    <a:srgbClr val="000000">
-                      <a:alpha val="40000"/>
-                    </a:srgbClr>
-                  </a:outerShdw>
-                </a:effectLst>
-              </a:rPr>
-              <a:t>Velichkov</a:t>
-            </a:r>
-            <a:endParaRPr lang="en-US" b="1" dirty="0" smtClean="0">
-              <a:ln w="12700">
-                <a:solidFill>
-                  <a:schemeClr val="tx2">
-                    <a:satMod val="155000"/>
-                  </a:schemeClr>
-                </a:solidFill>
-                <a:prstDash val="solid"/>
-              </a:ln>
-              <a:solidFill>
-                <a:schemeClr val="bg2">
-                  <a:tint val="85000"/>
-                  <a:satMod val="155000"/>
-                </a:schemeClr>
-              </a:solidFill>
-              <a:effectLst>
-                <a:outerShdw blurRad="41275" dist="20320" dir="1800000" algn="tl" rotWithShape="0">
-                  <a:srgbClr val="000000">
-                    <a:alpha val="40000"/>
-                  </a:srgbClr>
-                </a:outerShdw>
-              </a:effectLst>
-            </a:endParaRPr>
+            <a:endParaRPr lang="en-US" dirty="0"/>
           </a:p>
           <a:p>
             <a:pPr marL="68580" indent="0">
@@ -16858,981 +14252,13 @@
   <p:clrMapOvr>
     <a:masterClrMapping/>
   </p:clrMapOvr>
-</p:sld>
-</file>
-
-<file path=ppt/slides/slide5.xml><?xml version="1.0" encoding="utf-8"?>
-<p:sld xmlns:a="http://schemas.openxmlformats.org/drawingml/2006/main" xmlns:r="http://schemas.openxmlformats.org/officeDocument/2006/relationships" xmlns:p="http://schemas.openxmlformats.org/presentationml/2006/main">
-  <p:cSld>
-    <p:spTree>
-      <p:nvGrpSpPr>
-        <p:cNvPr id="1" name=""/>
-        <p:cNvGrpSpPr/>
-        <p:nvPr/>
-      </p:nvGrpSpPr>
-      <p:grpSpPr>
-        <a:xfrm>
-          <a:off x="0" y="0"/>
-          <a:ext cx="0" cy="0"/>
-          <a:chOff x="0" y="0"/>
-          <a:chExt cx="0" cy="0"/>
-        </a:xfrm>
-      </p:grpSpPr>
-      <p:sp>
-        <p:nvSpPr>
-          <p:cNvPr id="2" name="Title 1"/>
-          <p:cNvSpPr>
-            <a:spLocks noGrp="1"/>
-          </p:cNvSpPr>
-          <p:nvPr>
-            <p:ph type="title"/>
-          </p:nvPr>
-        </p:nvSpPr>
-        <p:spPr/>
-        <p:txBody>
-          <a:bodyPr>
-            <a:normAutofit fontScale="90000"/>
-            <a:scene3d>
-              <a:camera prst="orthographicFront"/>
-              <a:lightRig rig="threePt" dir="t"/>
-            </a:scene3d>
-            <a:sp3d extrusionH="57150">
-              <a:bevelT w="38100" h="38100" prst="relaxedInset"/>
-            </a:sp3d>
-          </a:bodyPr>
-          <a:lstStyle/>
-          <a:p>
-            <a:r>
-              <a:rPr lang="en-US" b="1" dirty="0">
-                <a:ln w="12700">
-                  <a:solidFill>
-                    <a:schemeClr val="tx2">
-                      <a:satMod val="155000"/>
-                    </a:schemeClr>
-                  </a:solidFill>
-                  <a:prstDash val="solid"/>
-                </a:ln>
-                <a:solidFill>
-                  <a:schemeClr val="bg2">
-                    <a:tint val="85000"/>
-                    <a:satMod val="155000"/>
-                  </a:schemeClr>
-                </a:solidFill>
-                <a:effectLst>
-                  <a:outerShdw blurRad="41275" dist="20320" dir="1800000" algn="tl" rotWithShape="0">
-                    <a:srgbClr val="000000">
-                      <a:alpha val="40000"/>
-                    </a:srgbClr>
-                  </a:outerShdw>
-                </a:effectLst>
-              </a:rPr>
-              <a:t>Contributions of each team </a:t>
-            </a:r>
-            <a:r>
-              <a:rPr lang="en-US" b="1" dirty="0" smtClean="0">
-                <a:ln w="12700">
-                  <a:solidFill>
-                    <a:schemeClr val="tx2">
-                      <a:satMod val="155000"/>
-                    </a:schemeClr>
-                  </a:solidFill>
-                  <a:prstDash val="solid"/>
-                </a:ln>
-                <a:solidFill>
-                  <a:schemeClr val="bg2">
-                    <a:tint val="85000"/>
-                    <a:satMod val="155000"/>
-                  </a:schemeClr>
-                </a:solidFill>
-                <a:effectLst>
-                  <a:outerShdw blurRad="41275" dist="20320" dir="1800000" algn="tl" rotWithShape="0">
-                    <a:srgbClr val="000000">
-                      <a:alpha val="40000"/>
-                    </a:srgbClr>
-                  </a:outerShdw>
-                </a:effectLst>
-              </a:rPr>
-              <a:t>member</a:t>
-            </a:r>
-            <a:r>
-              <a:rPr lang="bg-BG" b="1" dirty="0" smtClean="0">
-                <a:ln w="12700">
-                  <a:solidFill>
-                    <a:schemeClr val="tx2">
-                      <a:satMod val="155000"/>
-                    </a:schemeClr>
-                  </a:solidFill>
-                  <a:prstDash val="solid"/>
-                </a:ln>
-                <a:solidFill>
-                  <a:schemeClr val="bg2">
-                    <a:tint val="85000"/>
-                    <a:satMod val="155000"/>
-                  </a:schemeClr>
-                </a:solidFill>
-                <a:effectLst>
-                  <a:outerShdw blurRad="41275" dist="20320" dir="1800000" algn="tl" rotWithShape="0">
-                    <a:srgbClr val="000000">
-                      <a:alpha val="40000"/>
-                    </a:srgbClr>
-                  </a:outerShdw>
-                </a:effectLst>
-              </a:rPr>
-              <a:t>: </a:t>
-            </a:r>
-            <a:endParaRPr lang="en-US" b="1" dirty="0">
-              <a:ln w="12700">
-                <a:solidFill>
-                  <a:schemeClr val="tx2">
-                    <a:satMod val="155000"/>
-                  </a:schemeClr>
-                </a:solidFill>
-                <a:prstDash val="solid"/>
-              </a:ln>
-              <a:solidFill>
-                <a:schemeClr val="bg2">
-                  <a:tint val="85000"/>
-                  <a:satMod val="155000"/>
-                </a:schemeClr>
-              </a:solidFill>
-              <a:effectLst>
-                <a:outerShdw blurRad="41275" dist="20320" dir="1800000" algn="tl" rotWithShape="0">
-                  <a:srgbClr val="000000">
-                    <a:alpha val="40000"/>
-                  </a:srgbClr>
-                </a:outerShdw>
-              </a:effectLst>
-            </a:endParaRPr>
-          </a:p>
-        </p:txBody>
-      </p:sp>
-      <p:sp>
-        <p:nvSpPr>
-          <p:cNvPr id="3" name="Content Placeholder 2"/>
-          <p:cNvSpPr>
-            <a:spLocks noGrp="1"/>
-          </p:cNvSpPr>
-          <p:nvPr>
-            <p:ph idx="1"/>
-          </p:nvPr>
-        </p:nvSpPr>
-        <p:spPr>
-          <a:xfrm>
-            <a:off x="1043492" y="2323651"/>
-            <a:ext cx="6777317" cy="3970533"/>
-          </a:xfrm>
-        </p:spPr>
-        <p:txBody>
-          <a:bodyPr>
-            <a:normAutofit/>
-            <a:scene3d>
-              <a:camera prst="orthographicFront"/>
-              <a:lightRig rig="threePt" dir="t"/>
-            </a:scene3d>
-            <a:sp3d extrusionH="57150">
-              <a:bevelT w="38100" h="38100" prst="relaxedInset"/>
-            </a:sp3d>
-          </a:bodyPr>
-          <a:lstStyle/>
-          <a:p>
-            <a:pPr marL="68580" indent="0">
-              <a:buNone/>
-            </a:pPr>
-            <a:r>
-              <a:rPr lang="en-US" b="1" dirty="0">
-                <a:ln w="12700">
-                  <a:solidFill>
-                    <a:schemeClr val="tx2">
-                      <a:satMod val="155000"/>
-                    </a:schemeClr>
-                  </a:solidFill>
-                  <a:prstDash val="solid"/>
-                </a:ln>
-                <a:solidFill>
-                  <a:schemeClr val="bg2">
-                    <a:tint val="85000"/>
-                    <a:satMod val="155000"/>
-                  </a:schemeClr>
-                </a:solidFill>
-                <a:effectLst>
-                  <a:outerShdw blurRad="41275" dist="20320" dir="1800000" algn="tl" rotWithShape="0">
-                    <a:srgbClr val="000000">
-                      <a:alpha val="40000"/>
-                    </a:srgbClr>
-                  </a:outerShdw>
-                </a:effectLst>
-              </a:rPr>
-              <a:t>-</a:t>
-            </a:r>
-            <a:r>
-              <a:rPr lang="en-US" b="1" dirty="0" err="1">
-                <a:ln w="12700">
-                  <a:solidFill>
-                    <a:schemeClr val="tx2">
-                      <a:satMod val="155000"/>
-                    </a:schemeClr>
-                  </a:solidFill>
-                  <a:prstDash val="solid"/>
-                </a:ln>
-                <a:solidFill>
-                  <a:schemeClr val="bg2">
-                    <a:tint val="85000"/>
-                    <a:satMod val="155000"/>
-                  </a:schemeClr>
-                </a:solidFill>
-                <a:effectLst>
-                  <a:outerShdw blurRad="41275" dist="20320" dir="1800000" algn="tl" rotWithShape="0">
-                    <a:srgbClr val="000000">
-                      <a:alpha val="40000"/>
-                    </a:srgbClr>
-                  </a:outerShdw>
-                </a:effectLst>
-              </a:rPr>
-              <a:t>Ivaylo</a:t>
-            </a:r>
-            <a:r>
-              <a:rPr lang="en-US" b="1" dirty="0">
-                <a:ln w="12700">
-                  <a:solidFill>
-                    <a:schemeClr val="tx2">
-                      <a:satMod val="155000"/>
-                    </a:schemeClr>
-                  </a:solidFill>
-                  <a:prstDash val="solid"/>
-                </a:ln>
-                <a:solidFill>
-                  <a:schemeClr val="bg2">
-                    <a:tint val="85000"/>
-                    <a:satMod val="155000"/>
-                  </a:schemeClr>
-                </a:solidFill>
-                <a:effectLst>
-                  <a:outerShdw blurRad="41275" dist="20320" dir="1800000" algn="tl" rotWithShape="0">
-                    <a:srgbClr val="000000">
-                      <a:alpha val="40000"/>
-                    </a:srgbClr>
-                  </a:outerShdw>
-                </a:effectLst>
-              </a:rPr>
-              <a:t> </a:t>
-            </a:r>
-            <a:r>
-              <a:rPr lang="en-US" b="1" dirty="0" err="1">
-                <a:ln w="12700">
-                  <a:solidFill>
-                    <a:schemeClr val="tx2">
-                      <a:satMod val="155000"/>
-                    </a:schemeClr>
-                  </a:solidFill>
-                  <a:prstDash val="solid"/>
-                </a:ln>
-                <a:solidFill>
-                  <a:schemeClr val="bg2">
-                    <a:tint val="85000"/>
-                    <a:satMod val="155000"/>
-                  </a:schemeClr>
-                </a:solidFill>
-                <a:effectLst>
-                  <a:outerShdw blurRad="41275" dist="20320" dir="1800000" algn="tl" rotWithShape="0">
-                    <a:srgbClr val="000000">
-                      <a:alpha val="40000"/>
-                    </a:srgbClr>
-                  </a:outerShdw>
-                </a:effectLst>
-              </a:rPr>
-              <a:t>Papazov</a:t>
-            </a:r>
-            <a:r>
-              <a:rPr lang="en-US" b="1" dirty="0">
-                <a:ln w="12700">
-                  <a:solidFill>
-                    <a:schemeClr val="tx2">
-                      <a:satMod val="155000"/>
-                    </a:schemeClr>
-                  </a:solidFill>
-                  <a:prstDash val="solid"/>
-                </a:ln>
-                <a:solidFill>
-                  <a:schemeClr val="bg2">
-                    <a:tint val="85000"/>
-                    <a:satMod val="155000"/>
-                  </a:schemeClr>
-                </a:solidFill>
-                <a:effectLst>
-                  <a:outerShdw blurRad="41275" dist="20320" dir="1800000" algn="tl" rotWithShape="0">
-                    <a:srgbClr val="000000">
-                      <a:alpha val="40000"/>
-                    </a:srgbClr>
-                  </a:outerShdw>
-                </a:effectLst>
-              </a:rPr>
-              <a:t>: </a:t>
-            </a:r>
-          </a:p>
-          <a:p>
-            <a:pPr marL="68580" indent="0">
-              <a:buNone/>
-            </a:pPr>
-            <a:r>
-              <a:rPr lang="en-US" b="1" dirty="0">
-                <a:ln w="12700">
-                  <a:solidFill>
-                    <a:schemeClr val="tx2">
-                      <a:satMod val="155000"/>
-                    </a:schemeClr>
-                  </a:solidFill>
-                  <a:prstDash val="solid"/>
-                </a:ln>
-                <a:solidFill>
-                  <a:schemeClr val="bg2">
-                    <a:tint val="85000"/>
-                    <a:satMod val="155000"/>
-                  </a:schemeClr>
-                </a:solidFill>
-                <a:effectLst>
-                  <a:outerShdw blurRad="41275" dist="20320" dir="1800000" algn="tl" rotWithShape="0">
-                    <a:srgbClr val="000000">
-                      <a:alpha val="40000"/>
-                    </a:srgbClr>
-                  </a:outerShdw>
-                </a:effectLst>
-              </a:rPr>
-              <a:t>	- created basic file structure of the project; </a:t>
-            </a:r>
-          </a:p>
-          <a:p>
-            <a:pPr marL="68580" indent="0">
-              <a:buNone/>
-            </a:pPr>
-            <a:r>
-              <a:rPr lang="en-US" b="1" dirty="0">
-                <a:ln w="12700">
-                  <a:solidFill>
-                    <a:schemeClr val="tx2">
-                      <a:satMod val="155000"/>
-                    </a:schemeClr>
-                  </a:solidFill>
-                  <a:prstDash val="solid"/>
-                </a:ln>
-                <a:solidFill>
-                  <a:schemeClr val="bg2">
-                    <a:tint val="85000"/>
-                    <a:satMod val="155000"/>
-                  </a:schemeClr>
-                </a:solidFill>
-                <a:effectLst>
-                  <a:outerShdw blurRad="41275" dist="20320" dir="1800000" algn="tl" rotWithShape="0">
-                    <a:srgbClr val="000000">
-                      <a:alpha val="40000"/>
-                    </a:srgbClr>
-                  </a:outerShdw>
-                </a:effectLst>
-              </a:rPr>
-              <a:t>	- Added </a:t>
-            </a:r>
-            <a:r>
-              <a:rPr lang="en-US" b="1" dirty="0" err="1">
-                <a:ln w="12700">
-                  <a:solidFill>
-                    <a:schemeClr val="tx2">
-                      <a:satMod val="155000"/>
-                    </a:schemeClr>
-                  </a:solidFill>
-                  <a:prstDash val="solid"/>
-                </a:ln>
-                <a:solidFill>
-                  <a:schemeClr val="bg2">
-                    <a:tint val="85000"/>
-                    <a:satMod val="155000"/>
-                  </a:schemeClr>
-                </a:solidFill>
-                <a:effectLst>
-                  <a:outerShdw blurRad="41275" dist="20320" dir="1800000" algn="tl" rotWithShape="0">
-                    <a:srgbClr val="000000">
-                      <a:alpha val="40000"/>
-                    </a:srgbClr>
-                  </a:outerShdw>
-                </a:effectLst>
-              </a:rPr>
-              <a:t>raphael</a:t>
-            </a:r>
-            <a:r>
-              <a:rPr lang="en-US" b="1" dirty="0">
-                <a:ln w="12700">
-                  <a:solidFill>
-                    <a:schemeClr val="tx2">
-                      <a:satMod val="155000"/>
-                    </a:schemeClr>
-                  </a:solidFill>
-                  <a:prstDash val="solid"/>
-                </a:ln>
-                <a:solidFill>
-                  <a:schemeClr val="bg2">
-                    <a:tint val="85000"/>
-                    <a:satMod val="155000"/>
-                  </a:schemeClr>
-                </a:solidFill>
-                <a:effectLst>
-                  <a:outerShdw blurRad="41275" dist="20320" dir="1800000" algn="tl" rotWithShape="0">
-                    <a:srgbClr val="000000">
-                      <a:alpha val="40000"/>
-                    </a:srgbClr>
-                  </a:outerShdw>
-                </a:effectLst>
-              </a:rPr>
-              <a:t> and kinetic to </a:t>
-            </a:r>
-            <a:r>
-              <a:rPr lang="en-US" b="1" dirty="0" err="1">
-                <a:ln w="12700">
-                  <a:solidFill>
-                    <a:schemeClr val="tx2">
-                      <a:satMod val="155000"/>
-                    </a:schemeClr>
-                  </a:solidFill>
-                  <a:prstDash val="solid"/>
-                </a:ln>
-                <a:solidFill>
-                  <a:schemeClr val="bg2">
-                    <a:tint val="85000"/>
-                    <a:satMod val="155000"/>
-                  </a:schemeClr>
-                </a:solidFill>
-                <a:effectLst>
-                  <a:outerShdw blurRad="41275" dist="20320" dir="1800000" algn="tl" rotWithShape="0">
-                    <a:srgbClr val="000000">
-                      <a:alpha val="40000"/>
-                    </a:srgbClr>
-                  </a:outerShdw>
-                </a:effectLst>
-              </a:rPr>
-              <a:t>bower.json</a:t>
-            </a:r>
-            <a:r>
-              <a:rPr lang="en-US" b="1" dirty="0">
-                <a:ln w="12700">
-                  <a:solidFill>
-                    <a:schemeClr val="tx2">
-                      <a:satMod val="155000"/>
-                    </a:schemeClr>
-                  </a:solidFill>
-                  <a:prstDash val="solid"/>
-                </a:ln>
-                <a:solidFill>
-                  <a:schemeClr val="bg2">
-                    <a:tint val="85000"/>
-                    <a:satMod val="155000"/>
-                  </a:schemeClr>
-                </a:solidFill>
-                <a:effectLst>
-                  <a:outerShdw blurRad="41275" dist="20320" dir="1800000" algn="tl" rotWithShape="0">
-                    <a:srgbClr val="000000">
-                      <a:alpha val="40000"/>
-                    </a:srgbClr>
-                  </a:outerShdw>
-                </a:effectLst>
-              </a:rPr>
-              <a:t> and </a:t>
-            </a:r>
-            <a:r>
-              <a:rPr lang="en-US" b="1" dirty="0" err="1">
-                <a:ln w="12700">
-                  <a:solidFill>
-                    <a:schemeClr val="tx2">
-                      <a:satMod val="155000"/>
-                    </a:schemeClr>
-                  </a:solidFill>
-                  <a:prstDash val="solid"/>
-                </a:ln>
-                <a:solidFill>
-                  <a:schemeClr val="bg2">
-                    <a:tint val="85000"/>
-                    <a:satMod val="155000"/>
-                  </a:schemeClr>
-                </a:solidFill>
-                <a:effectLst>
-                  <a:outerShdw blurRad="41275" dist="20320" dir="1800000" algn="tl" rotWithShape="0">
-                    <a:srgbClr val="000000">
-                      <a:alpha val="40000"/>
-                    </a:srgbClr>
-                  </a:outerShdw>
-                </a:effectLst>
-              </a:rPr>
-              <a:t>require.path</a:t>
-            </a:r>
-            <a:r>
-              <a:rPr lang="en-US" b="1" dirty="0">
-                <a:ln w="12700">
-                  <a:solidFill>
-                    <a:schemeClr val="tx2">
-                      <a:satMod val="155000"/>
-                    </a:schemeClr>
-                  </a:solidFill>
-                  <a:prstDash val="solid"/>
-                </a:ln>
-                <a:solidFill>
-                  <a:schemeClr val="bg2">
-                    <a:tint val="85000"/>
-                    <a:satMod val="155000"/>
-                  </a:schemeClr>
-                </a:solidFill>
-                <a:effectLst>
-                  <a:outerShdw blurRad="41275" dist="20320" dir="1800000" algn="tl" rotWithShape="0">
-                    <a:srgbClr val="000000">
-                      <a:alpha val="40000"/>
-                    </a:srgbClr>
-                  </a:outerShdw>
-                </a:effectLst>
-              </a:rPr>
-              <a:t>;</a:t>
-            </a:r>
-          </a:p>
-          <a:p>
-            <a:pPr marL="68580" indent="0">
-              <a:buNone/>
-            </a:pPr>
-            <a:r>
-              <a:rPr lang="en-US" b="1" dirty="0">
-                <a:ln w="12700">
-                  <a:solidFill>
-                    <a:schemeClr val="tx2">
-                      <a:satMod val="155000"/>
-                    </a:schemeClr>
-                  </a:solidFill>
-                  <a:prstDash val="solid"/>
-                </a:ln>
-                <a:solidFill>
-                  <a:schemeClr val="bg2">
-                    <a:tint val="85000"/>
-                    <a:satMod val="155000"/>
-                  </a:schemeClr>
-                </a:solidFill>
-                <a:effectLst>
-                  <a:outerShdw blurRad="41275" dist="20320" dir="1800000" algn="tl" rotWithShape="0">
-                    <a:srgbClr val="000000">
-                      <a:alpha val="40000"/>
-                    </a:srgbClr>
-                  </a:outerShdw>
-                </a:effectLst>
-              </a:rPr>
-              <a:t>	- Set up </a:t>
-            </a:r>
-            <a:r>
-              <a:rPr lang="en-US" b="1" dirty="0" err="1">
-                <a:ln w="12700">
-                  <a:solidFill>
-                    <a:schemeClr val="tx2">
-                      <a:satMod val="155000"/>
-                    </a:schemeClr>
-                  </a:solidFill>
-                  <a:prstDash val="solid"/>
-                </a:ln>
-                <a:solidFill>
-                  <a:schemeClr val="bg2">
-                    <a:tint val="85000"/>
-                    <a:satMod val="155000"/>
-                  </a:schemeClr>
-                </a:solidFill>
-                <a:effectLst>
-                  <a:outerShdw blurRad="41275" dist="20320" dir="1800000" algn="tl" rotWithShape="0">
-                    <a:srgbClr val="000000">
-                      <a:alpha val="40000"/>
-                    </a:srgbClr>
-                  </a:outerShdw>
-                </a:effectLst>
-              </a:rPr>
-              <a:t>KineticJs</a:t>
-            </a:r>
-            <a:r>
-              <a:rPr lang="en-US" b="1" dirty="0">
-                <a:ln w="12700">
-                  <a:solidFill>
-                    <a:schemeClr val="tx2">
-                      <a:satMod val="155000"/>
-                    </a:schemeClr>
-                  </a:solidFill>
-                  <a:prstDash val="solid"/>
-                </a:ln>
-                <a:solidFill>
-                  <a:schemeClr val="bg2">
-                    <a:tint val="85000"/>
-                    <a:satMod val="155000"/>
-                  </a:schemeClr>
-                </a:solidFill>
-                <a:effectLst>
-                  <a:outerShdw blurRad="41275" dist="20320" dir="1800000" algn="tl" rotWithShape="0">
-                    <a:srgbClr val="000000">
-                      <a:alpha val="40000"/>
-                    </a:srgbClr>
-                  </a:outerShdw>
-                </a:effectLst>
-              </a:rPr>
-              <a:t> and added background and test shape</a:t>
-            </a:r>
-            <a:r>
-              <a:rPr lang="en-US" b="1" dirty="0" smtClean="0">
-                <a:ln w="12700">
-                  <a:solidFill>
-                    <a:schemeClr val="tx2">
-                      <a:satMod val="155000"/>
-                    </a:schemeClr>
-                  </a:solidFill>
-                  <a:prstDash val="solid"/>
-                </a:ln>
-                <a:solidFill>
-                  <a:schemeClr val="bg2">
-                    <a:tint val="85000"/>
-                    <a:satMod val="155000"/>
-                  </a:schemeClr>
-                </a:solidFill>
-                <a:effectLst>
-                  <a:outerShdw blurRad="41275" dist="20320" dir="1800000" algn="tl" rotWithShape="0">
-                    <a:srgbClr val="000000">
-                      <a:alpha val="40000"/>
-                    </a:srgbClr>
-                  </a:outerShdw>
-                </a:effectLst>
-              </a:rPr>
-              <a:t>;</a:t>
-            </a:r>
-          </a:p>
-          <a:p>
-            <a:pPr marL="68580" indent="0">
-              <a:buNone/>
-            </a:pPr>
-            <a:r>
-              <a:rPr lang="en-US" b="1" dirty="0">
-                <a:ln w="12700">
-                  <a:solidFill>
-                    <a:schemeClr val="tx2">
-                      <a:satMod val="155000"/>
-                    </a:schemeClr>
-                  </a:solidFill>
-                  <a:prstDash val="solid"/>
-                </a:ln>
-                <a:solidFill>
-                  <a:schemeClr val="bg2">
-                    <a:tint val="85000"/>
-                    <a:satMod val="155000"/>
-                  </a:schemeClr>
-                </a:solidFill>
-                <a:effectLst>
-                  <a:outerShdw blurRad="41275" dist="20320" dir="1800000" algn="tl" rotWithShape="0">
-                    <a:srgbClr val="000000">
-                      <a:alpha val="40000"/>
-                    </a:srgbClr>
-                  </a:outerShdw>
-                </a:effectLst>
-              </a:rPr>
-              <a:t>	-</a:t>
-            </a:r>
-            <a:r>
-              <a:rPr lang="en-US" b="1" dirty="0" err="1">
-                <a:ln w="12700">
-                  <a:solidFill>
-                    <a:schemeClr val="tx2">
-                      <a:satMod val="155000"/>
-                    </a:schemeClr>
-                  </a:solidFill>
-                  <a:prstDash val="solid"/>
-                </a:ln>
-                <a:solidFill>
-                  <a:schemeClr val="bg2">
-                    <a:tint val="85000"/>
-                    <a:satMod val="155000"/>
-                  </a:schemeClr>
-                </a:solidFill>
-                <a:effectLst>
-                  <a:outerShdw blurRad="41275" dist="20320" dir="1800000" algn="tl" rotWithShape="0">
-                    <a:srgbClr val="000000">
-                      <a:alpha val="40000"/>
-                    </a:srgbClr>
-                  </a:outerShdw>
-                </a:effectLst>
-              </a:rPr>
-              <a:t>Refactured</a:t>
-            </a:r>
-            <a:r>
-              <a:rPr lang="en-US" b="1" dirty="0">
-                <a:ln w="12700">
-                  <a:solidFill>
-                    <a:schemeClr val="tx2">
-                      <a:satMod val="155000"/>
-                    </a:schemeClr>
-                  </a:solidFill>
-                  <a:prstDash val="solid"/>
-                </a:ln>
-                <a:solidFill>
-                  <a:schemeClr val="bg2">
-                    <a:tint val="85000"/>
-                    <a:satMod val="155000"/>
-                  </a:schemeClr>
-                </a:solidFill>
-                <a:effectLst>
-                  <a:outerShdw blurRad="41275" dist="20320" dir="1800000" algn="tl" rotWithShape="0">
-                    <a:srgbClr val="000000">
-                      <a:alpha val="40000"/>
-                    </a:srgbClr>
-                  </a:outerShdw>
-                </a:effectLst>
-              </a:rPr>
-              <a:t> </a:t>
-            </a:r>
-            <a:r>
-              <a:rPr lang="en-US" b="1" dirty="0" err="1">
-                <a:ln w="12700">
-                  <a:solidFill>
-                    <a:schemeClr val="tx2">
-                      <a:satMod val="155000"/>
-                    </a:schemeClr>
-                  </a:solidFill>
-                  <a:prstDash val="solid"/>
-                </a:ln>
-                <a:solidFill>
-                  <a:schemeClr val="bg2">
-                    <a:tint val="85000"/>
-                    <a:satMod val="155000"/>
-                  </a:schemeClr>
-                </a:solidFill>
-                <a:effectLst>
-                  <a:outerShdw blurRad="41275" dist="20320" dir="1800000" algn="tl" rotWithShape="0">
-                    <a:srgbClr val="000000">
-                      <a:alpha val="40000"/>
-                    </a:srgbClr>
-                  </a:outerShdw>
-                </a:effectLst>
-              </a:rPr>
-              <a:t>renderer.js</a:t>
-            </a:r>
-            <a:r>
-              <a:rPr lang="en-US" b="1" dirty="0">
-                <a:ln w="12700">
-                  <a:solidFill>
-                    <a:schemeClr val="tx2">
-                      <a:satMod val="155000"/>
-                    </a:schemeClr>
-                  </a:solidFill>
-                  <a:prstDash val="solid"/>
-                </a:ln>
-                <a:solidFill>
-                  <a:schemeClr val="bg2">
-                    <a:tint val="85000"/>
-                    <a:satMod val="155000"/>
-                  </a:schemeClr>
-                </a:solidFill>
-                <a:effectLst>
-                  <a:outerShdw blurRad="41275" dist="20320" dir="1800000" algn="tl" rotWithShape="0">
-                    <a:srgbClr val="000000">
-                      <a:alpha val="40000"/>
-                    </a:srgbClr>
-                  </a:outerShdw>
-                </a:effectLst>
-              </a:rPr>
-              <a:t> </a:t>
-            </a:r>
-            <a:r>
-              <a:rPr lang="en-US" b="1" dirty="0" smtClean="0">
-                <a:ln w="12700">
-                  <a:solidFill>
-                    <a:schemeClr val="tx2">
-                      <a:satMod val="155000"/>
-                    </a:schemeClr>
-                  </a:solidFill>
-                  <a:prstDash val="solid"/>
-                </a:ln>
-                <a:solidFill>
-                  <a:schemeClr val="bg2">
-                    <a:tint val="85000"/>
-                    <a:satMod val="155000"/>
-                  </a:schemeClr>
-                </a:solidFill>
-                <a:effectLst>
-                  <a:outerShdw blurRad="41275" dist="20320" dir="1800000" algn="tl" rotWithShape="0">
-                    <a:srgbClr val="000000">
-                      <a:alpha val="40000"/>
-                    </a:srgbClr>
-                  </a:outerShdw>
-                </a:effectLst>
-              </a:rPr>
-              <a:t>;</a:t>
-            </a:r>
-          </a:p>
-          <a:p>
-            <a:pPr marL="68580" indent="0">
-              <a:buNone/>
-            </a:pPr>
-            <a:r>
-              <a:rPr lang="en-US" b="1" dirty="0">
-                <a:ln w="12700">
-                  <a:solidFill>
-                    <a:schemeClr val="tx2">
-                      <a:satMod val="155000"/>
-                    </a:schemeClr>
-                  </a:solidFill>
-                  <a:prstDash val="solid"/>
-                </a:ln>
-                <a:solidFill>
-                  <a:schemeClr val="bg2">
-                    <a:tint val="85000"/>
-                    <a:satMod val="155000"/>
-                  </a:schemeClr>
-                </a:solidFill>
-                <a:effectLst>
-                  <a:outerShdw blurRad="41275" dist="20320" dir="1800000" algn="tl" rotWithShape="0">
-                    <a:srgbClr val="000000">
-                      <a:alpha val="40000"/>
-                    </a:srgbClr>
-                  </a:outerShdw>
-                </a:effectLst>
-              </a:rPr>
-              <a:t>	</a:t>
-            </a:r>
-            <a:r>
-              <a:rPr lang="en-US" b="1" dirty="0">
-                <a:ln w="12700">
-                  <a:solidFill>
-                    <a:schemeClr val="tx2">
-                      <a:satMod val="155000"/>
-                    </a:schemeClr>
-                  </a:solidFill>
-                  <a:prstDash val="solid"/>
-                </a:ln>
-                <a:solidFill>
-                  <a:schemeClr val="bg2">
-                    <a:tint val="85000"/>
-                    <a:satMod val="155000"/>
-                  </a:schemeClr>
-                </a:solidFill>
-                <a:effectLst>
-                  <a:outerShdw blurRad="41275" dist="20320" dir="1800000" algn="tl" rotWithShape="0">
-                    <a:srgbClr val="000000">
-                      <a:alpha val="40000"/>
-                    </a:srgbClr>
-                  </a:outerShdw>
-                </a:effectLst>
-              </a:rPr>
-              <a:t>-Added </a:t>
-            </a:r>
-            <a:r>
-              <a:rPr lang="en-US" b="1" dirty="0" err="1">
-                <a:ln w="12700">
-                  <a:solidFill>
-                    <a:schemeClr val="tx2">
-                      <a:satMod val="155000"/>
-                    </a:schemeClr>
-                  </a:solidFill>
-                  <a:prstDash val="solid"/>
-                </a:ln>
-                <a:solidFill>
-                  <a:schemeClr val="bg2">
-                    <a:tint val="85000"/>
-                    <a:satMod val="155000"/>
-                  </a:schemeClr>
-                </a:solidFill>
-                <a:effectLst>
-                  <a:outerShdw blurRad="41275" dist="20320" dir="1800000" algn="tl" rotWithShape="0">
-                    <a:srgbClr val="000000">
-                      <a:alpha val="40000"/>
-                    </a:srgbClr>
-                  </a:outerShdw>
-                </a:effectLst>
-              </a:rPr>
-              <a:t>GameObjects</a:t>
-            </a:r>
-            <a:r>
-              <a:rPr lang="en-US" b="1">
-                <a:ln w="12700">
-                  <a:solidFill>
-                    <a:schemeClr val="tx2">
-                      <a:satMod val="155000"/>
-                    </a:schemeClr>
-                  </a:solidFill>
-                  <a:prstDash val="solid"/>
-                </a:ln>
-                <a:solidFill>
-                  <a:schemeClr val="bg2">
-                    <a:tint val="85000"/>
-                    <a:satMod val="155000"/>
-                  </a:schemeClr>
-                </a:solidFill>
-                <a:effectLst>
-                  <a:outerShdw blurRad="41275" dist="20320" dir="1800000" algn="tl" rotWithShape="0">
-                    <a:srgbClr val="000000">
-                      <a:alpha val="40000"/>
-                    </a:srgbClr>
-                  </a:outerShdw>
-                </a:effectLst>
-              </a:rPr>
-              <a:t> </a:t>
-            </a:r>
-            <a:r>
-              <a:rPr lang="en-US" b="1" smtClean="0">
-                <a:ln w="12700">
-                  <a:solidFill>
-                    <a:schemeClr val="tx2">
-                      <a:satMod val="155000"/>
-                    </a:schemeClr>
-                  </a:solidFill>
-                  <a:prstDash val="solid"/>
-                </a:ln>
-                <a:solidFill>
-                  <a:schemeClr val="bg2">
-                    <a:tint val="85000"/>
-                    <a:satMod val="155000"/>
-                  </a:schemeClr>
-                </a:solidFill>
-                <a:effectLst>
-                  <a:outerShdw blurRad="41275" dist="20320" dir="1800000" algn="tl" rotWithShape="0">
-                    <a:srgbClr val="000000">
-                      <a:alpha val="40000"/>
-                    </a:srgbClr>
-                  </a:outerShdw>
-                </a:effectLst>
-              </a:rPr>
-              <a:t>Module;</a:t>
-            </a:r>
-            <a:endParaRPr lang="en-US" b="1" dirty="0">
-              <a:ln w="12700">
-                <a:solidFill>
-                  <a:schemeClr val="tx2">
-                    <a:satMod val="155000"/>
-                  </a:schemeClr>
-                </a:solidFill>
-                <a:prstDash val="solid"/>
-              </a:ln>
-              <a:solidFill>
-                <a:schemeClr val="bg2">
-                  <a:tint val="85000"/>
-                  <a:satMod val="155000"/>
-                </a:schemeClr>
-              </a:solidFill>
-              <a:effectLst>
-                <a:outerShdw blurRad="41275" dist="20320" dir="1800000" algn="tl" rotWithShape="0">
-                  <a:srgbClr val="000000">
-                    <a:alpha val="40000"/>
-                  </a:srgbClr>
-                </a:outerShdw>
-              </a:effectLst>
-            </a:endParaRPr>
-          </a:p>
-          <a:p>
-            <a:pPr marL="68580" indent="0">
-              <a:buNone/>
-            </a:pPr>
-            <a:endParaRPr lang="en-US" dirty="0"/>
-          </a:p>
-        </p:txBody>
-      </p:sp>
-    </p:spTree>
-    <p:extLst>
-      <p:ext uri="{BB962C8B-B14F-4D97-AF65-F5344CB8AC3E}">
-        <p14:creationId xmlns:p14="http://schemas.microsoft.com/office/powerpoint/2010/main" val="2524054191"/>
-      </p:ext>
-    </p:extLst>
-  </p:cSld>
-  <p:clrMapOvr>
-    <a:masterClrMapping/>
-  </p:clrMapOvr>
+  <p:timing>
+    <p:tnLst>
+      <p:par>
+        <p:cTn id="1" dur="indefinite" restart="never" nodeType="tmRoot"/>
+      </p:par>
+    </p:tnLst>
+  </p:timing>
 </p:sld>
 </file>
 
